--- a/Presentation/Reunion_18_02.pptx
+++ b/Presentation/Reunion_18_02.pptx
@@ -3,12 +3,15 @@
 <p:presentation xmlns:a="http://schemas.openxmlformats.org/drawingml/2006/main" xmlns:r="http://schemas.openxmlformats.org/officeDocument/2006/relationships" xmlns:p="http://schemas.openxmlformats.org/presentationml/2006/main" saveSubsetFonts="1">
   <p:sldMasterIdLst>
     <p:sldMasterId id="2147483648" r:id="rId1"/>
+    <p:sldMasterId id="2147483660" r:id="rId2"/>
   </p:sldMasterIdLst>
   <p:sldIdLst>
-    <p:sldId id="256" r:id="rId2"/>
-    <p:sldId id="257" r:id="rId3"/>
-    <p:sldId id="258" r:id="rId4"/>
-    <p:sldId id="259" r:id="rId5"/>
+    <p:sldId id="261" r:id="rId3"/>
+    <p:sldId id="263" r:id="rId4"/>
+    <p:sldId id="256" r:id="rId5"/>
+    <p:sldId id="257" r:id="rId6"/>
+    <p:sldId id="258" r:id="rId7"/>
+    <p:sldId id="259" r:id="rId8"/>
   </p:sldIdLst>
   <p:sldSz cx="12192000" cy="6858000"/>
   <p:notesSz cx="6858000" cy="9144000"/>
@@ -107,6 +110,11 @@
       </a:defRPr>
     </a:lvl9pPr>
   </p:defaultTextStyle>
+  <p:extLst>
+    <p:ext uri="{EFAFB233-063F-42B5-8137-9DF3F51BA10A}">
+      <p15:sldGuideLst xmlns:p15="http://schemas.microsoft.com/office/powerpoint/2012/main"/>
+    </p:ext>
+  </p:extLst>
 </p:presentation>
 </file>
 
@@ -271,7 +279,7 @@
           <a:p>
             <a:fld id="{6804E1F8-9E1D-4943-9260-2D6C71C80FD6}" type="datetimeFigureOut">
               <a:rPr lang="fr-BE" smtClean="0"/>
-              <a:t>17-02-21</a:t>
+              <a:t>18-02-21</a:t>
             </a:fld>
             <a:endParaRPr lang="fr-BE"/>
           </a:p>
@@ -471,7 +479,7 @@
           <a:p>
             <a:fld id="{6804E1F8-9E1D-4943-9260-2D6C71C80FD6}" type="datetimeFigureOut">
               <a:rPr lang="fr-BE" smtClean="0"/>
-              <a:t>17-02-21</a:t>
+              <a:t>18-02-21</a:t>
             </a:fld>
             <a:endParaRPr lang="fr-BE"/>
           </a:p>
@@ -681,7 +689,7 @@
           <a:p>
             <a:fld id="{6804E1F8-9E1D-4943-9260-2D6C71C80FD6}" type="datetimeFigureOut">
               <a:rPr lang="fr-BE" smtClean="0"/>
-              <a:t>17-02-21</a:t>
+              <a:t>18-02-21</a:t>
             </a:fld>
             <a:endParaRPr lang="fr-BE"/>
           </a:p>
@@ -745,6 +753,781 @@
     <p:extLst>
       <p:ext uri="{BB962C8B-B14F-4D97-AF65-F5344CB8AC3E}">
         <p14:creationId xmlns:p14="http://schemas.microsoft.com/office/powerpoint/2010/main" val="3979528998"/>
+      </p:ext>
+    </p:extLst>
+  </p:cSld>
+  <p:clrMapOvr>
+    <a:masterClrMapping/>
+  </p:clrMapOvr>
+</p:sldLayout>
+</file>
+
+<file path=ppt/slideLayouts/slideLayout12.xml><?xml version="1.0" encoding="utf-8"?>
+<p:sldLayout xmlns:a="http://schemas.openxmlformats.org/drawingml/2006/main" xmlns:r="http://schemas.openxmlformats.org/officeDocument/2006/relationships" xmlns:p="http://schemas.openxmlformats.org/presentationml/2006/main" type="blank" preserve="1">
+  <p:cSld name="Blank Slide">
+    <p:spTree>
+      <p:nvGrpSpPr>
+        <p:cNvPr id="1" name=""/>
+        <p:cNvGrpSpPr/>
+        <p:nvPr/>
+      </p:nvGrpSpPr>
+      <p:grpSpPr>
+        <a:xfrm>
+          <a:off x="0" y="0"/>
+          <a:ext cx="0" cy="0"/>
+          <a:chOff x="0" y="0"/>
+          <a:chExt cx="0" cy="0"/>
+        </a:xfrm>
+      </p:grpSpPr>
+    </p:spTree>
+    <p:extLst>
+      <p:ext uri="{BB962C8B-B14F-4D97-AF65-F5344CB8AC3E}">
+        <p14:creationId xmlns:p14="http://schemas.microsoft.com/office/powerpoint/2010/main" val="3605115516"/>
+      </p:ext>
+    </p:extLst>
+  </p:cSld>
+  <p:clrMapOvr>
+    <a:masterClrMapping/>
+  </p:clrMapOvr>
+</p:sldLayout>
+</file>
+
+<file path=ppt/slideLayouts/slideLayout13.xml><?xml version="1.0" encoding="utf-8"?>
+<p:sldLayout xmlns:a="http://schemas.openxmlformats.org/drawingml/2006/main" xmlns:r="http://schemas.openxmlformats.org/officeDocument/2006/relationships" xmlns:p="http://schemas.openxmlformats.org/presentationml/2006/main" type="tx" preserve="1">
+  <p:cSld name="Title Slide">
+    <p:spTree>
+      <p:nvGrpSpPr>
+        <p:cNvPr id="1" name=""/>
+        <p:cNvGrpSpPr/>
+        <p:nvPr/>
+      </p:nvGrpSpPr>
+      <p:grpSpPr>
+        <a:xfrm>
+          <a:off x="0" y="0"/>
+          <a:ext cx="0" cy="0"/>
+          <a:chOff x="0" y="0"/>
+          <a:chExt cx="0" cy="0"/>
+        </a:xfrm>
+      </p:grpSpPr>
+      <p:sp>
+        <p:nvSpPr>
+          <p:cNvPr id="5" name="PlaceHolder 1"/>
+          <p:cNvSpPr>
+            <a:spLocks noGrp="1"/>
+          </p:cNvSpPr>
+          <p:nvPr>
+            <p:ph type="title"/>
+          </p:nvPr>
+        </p:nvSpPr>
+        <p:spPr>
+          <a:xfrm>
+            <a:off x="609562" y="273422"/>
+            <a:ext cx="10971684" cy="1144631"/>
+          </a:xfrm>
+          <a:prstGeom prst="rect">
+            <a:avLst/>
+          </a:prstGeom>
+        </p:spPr>
+        <p:txBody>
+          <a:bodyPr lIns="0" tIns="0" rIns="0" bIns="0" anchor="ctr">
+            <a:noAutofit/>
+          </a:bodyPr>
+          <a:lstStyle/>
+          <a:p>
+            <a:pPr algn="ctr"/>
+            <a:endParaRPr lang="fr-FR" sz="5321" b="0" strike="noStrike" spc="-1">
+              <a:latin typeface="Arial"/>
+            </a:endParaRPr>
+          </a:p>
+        </p:txBody>
+      </p:sp>
+      <p:sp>
+        <p:nvSpPr>
+          <p:cNvPr id="6" name="PlaceHolder 2"/>
+          <p:cNvSpPr>
+            <a:spLocks noGrp="1"/>
+          </p:cNvSpPr>
+          <p:nvPr>
+            <p:ph type="subTitle"/>
+          </p:nvPr>
+        </p:nvSpPr>
+        <p:spPr>
+          <a:xfrm>
+            <a:off x="609562" y="1604399"/>
+            <a:ext cx="10971684" cy="3976819"/>
+          </a:xfrm>
+          <a:prstGeom prst="rect">
+            <a:avLst/>
+          </a:prstGeom>
+        </p:spPr>
+        <p:txBody>
+          <a:bodyPr lIns="0" tIns="0" rIns="0" bIns="0" anchor="ctr">
+            <a:noAutofit/>
+          </a:bodyPr>
+          <a:lstStyle/>
+          <a:p>
+            <a:pPr algn="ctr"/>
+            <a:endParaRPr lang="fr-FR" sz="3870" b="0" strike="noStrike" spc="-1">
+              <a:latin typeface="Arial"/>
+            </a:endParaRPr>
+          </a:p>
+        </p:txBody>
+      </p:sp>
+    </p:spTree>
+    <p:extLst>
+      <p:ext uri="{BB962C8B-B14F-4D97-AF65-F5344CB8AC3E}">
+        <p14:creationId xmlns:p14="http://schemas.microsoft.com/office/powerpoint/2010/main" val="910819504"/>
+      </p:ext>
+    </p:extLst>
+  </p:cSld>
+  <p:clrMapOvr>
+    <a:masterClrMapping/>
+  </p:clrMapOvr>
+</p:sldLayout>
+</file>
+
+<file path=ppt/slideLayouts/slideLayout14.xml><?xml version="1.0" encoding="utf-8"?>
+<p:sldLayout xmlns:a="http://schemas.openxmlformats.org/drawingml/2006/main" xmlns:r="http://schemas.openxmlformats.org/officeDocument/2006/relationships" xmlns:p="http://schemas.openxmlformats.org/presentationml/2006/main" type="obj" preserve="1">
+  <p:cSld name="Title, Content">
+    <p:spTree>
+      <p:nvGrpSpPr>
+        <p:cNvPr id="1" name=""/>
+        <p:cNvGrpSpPr/>
+        <p:nvPr/>
+      </p:nvGrpSpPr>
+      <p:grpSpPr>
+        <a:xfrm>
+          <a:off x="0" y="0"/>
+          <a:ext cx="0" cy="0"/>
+          <a:chOff x="0" y="0"/>
+          <a:chExt cx="0" cy="0"/>
+        </a:xfrm>
+      </p:grpSpPr>
+      <p:sp>
+        <p:nvSpPr>
+          <p:cNvPr id="7" name="PlaceHolder 1"/>
+          <p:cNvSpPr>
+            <a:spLocks noGrp="1"/>
+          </p:cNvSpPr>
+          <p:nvPr>
+            <p:ph type="title"/>
+          </p:nvPr>
+        </p:nvSpPr>
+        <p:spPr>
+          <a:xfrm>
+            <a:off x="609562" y="273422"/>
+            <a:ext cx="10971684" cy="1144631"/>
+          </a:xfrm>
+          <a:prstGeom prst="rect">
+            <a:avLst/>
+          </a:prstGeom>
+        </p:spPr>
+        <p:txBody>
+          <a:bodyPr lIns="0" tIns="0" rIns="0" bIns="0" anchor="ctr">
+            <a:noAutofit/>
+          </a:bodyPr>
+          <a:lstStyle/>
+          <a:p>
+            <a:pPr algn="ctr"/>
+            <a:endParaRPr lang="fr-FR" sz="5321" b="0" strike="noStrike" spc="-1">
+              <a:latin typeface="Arial"/>
+            </a:endParaRPr>
+          </a:p>
+        </p:txBody>
+      </p:sp>
+      <p:sp>
+        <p:nvSpPr>
+          <p:cNvPr id="8" name="PlaceHolder 2"/>
+          <p:cNvSpPr>
+            <a:spLocks noGrp="1"/>
+          </p:cNvSpPr>
+          <p:nvPr>
+            <p:ph type="body"/>
+          </p:nvPr>
+        </p:nvSpPr>
+        <p:spPr>
+          <a:xfrm>
+            <a:off x="609562" y="1604399"/>
+            <a:ext cx="10971684" cy="3976819"/>
+          </a:xfrm>
+          <a:prstGeom prst="rect">
+            <a:avLst/>
+          </a:prstGeom>
+        </p:spPr>
+        <p:txBody>
+          <a:bodyPr lIns="0" tIns="0" rIns="0" bIns="0">
+            <a:normAutofit/>
+          </a:bodyPr>
+          <a:lstStyle/>
+          <a:p>
+            <a:endParaRPr lang="fr-FR" sz="3870" b="0" strike="noStrike" spc="-1">
+              <a:latin typeface="Arial"/>
+            </a:endParaRPr>
+          </a:p>
+        </p:txBody>
+      </p:sp>
+    </p:spTree>
+    <p:extLst>
+      <p:ext uri="{BB962C8B-B14F-4D97-AF65-F5344CB8AC3E}">
+        <p14:creationId xmlns:p14="http://schemas.microsoft.com/office/powerpoint/2010/main" val="4192463265"/>
+      </p:ext>
+    </p:extLst>
+  </p:cSld>
+  <p:clrMapOvr>
+    <a:masterClrMapping/>
+  </p:clrMapOvr>
+</p:sldLayout>
+</file>
+
+<file path=ppt/slideLayouts/slideLayout15.xml><?xml version="1.0" encoding="utf-8"?>
+<p:sldLayout xmlns:a="http://schemas.openxmlformats.org/drawingml/2006/main" xmlns:r="http://schemas.openxmlformats.org/officeDocument/2006/relationships" xmlns:p="http://schemas.openxmlformats.org/presentationml/2006/main" type="twoObj" preserve="1">
+  <p:cSld name="Title, 2 Content">
+    <p:spTree>
+      <p:nvGrpSpPr>
+        <p:cNvPr id="1" name=""/>
+        <p:cNvGrpSpPr/>
+        <p:nvPr/>
+      </p:nvGrpSpPr>
+      <p:grpSpPr>
+        <a:xfrm>
+          <a:off x="0" y="0"/>
+          <a:ext cx="0" cy="0"/>
+          <a:chOff x="0" y="0"/>
+          <a:chExt cx="0" cy="0"/>
+        </a:xfrm>
+      </p:grpSpPr>
+      <p:sp>
+        <p:nvSpPr>
+          <p:cNvPr id="9" name="PlaceHolder 1"/>
+          <p:cNvSpPr>
+            <a:spLocks noGrp="1"/>
+          </p:cNvSpPr>
+          <p:nvPr>
+            <p:ph type="title"/>
+          </p:nvPr>
+        </p:nvSpPr>
+        <p:spPr>
+          <a:xfrm>
+            <a:off x="609562" y="273422"/>
+            <a:ext cx="10971684" cy="1144631"/>
+          </a:xfrm>
+          <a:prstGeom prst="rect">
+            <a:avLst/>
+          </a:prstGeom>
+        </p:spPr>
+        <p:txBody>
+          <a:bodyPr lIns="0" tIns="0" rIns="0" bIns="0" anchor="ctr">
+            <a:noAutofit/>
+          </a:bodyPr>
+          <a:lstStyle/>
+          <a:p>
+            <a:pPr algn="ctr"/>
+            <a:endParaRPr lang="fr-FR" sz="5321" b="0" strike="noStrike" spc="-1">
+              <a:latin typeface="Arial"/>
+            </a:endParaRPr>
+          </a:p>
+        </p:txBody>
+      </p:sp>
+      <p:sp>
+        <p:nvSpPr>
+          <p:cNvPr id="10" name="PlaceHolder 2"/>
+          <p:cNvSpPr>
+            <a:spLocks noGrp="1"/>
+          </p:cNvSpPr>
+          <p:nvPr>
+            <p:ph type="body"/>
+          </p:nvPr>
+        </p:nvSpPr>
+        <p:spPr>
+          <a:xfrm>
+            <a:off x="609562" y="1604399"/>
+            <a:ext cx="5354133" cy="3976819"/>
+          </a:xfrm>
+          <a:prstGeom prst="rect">
+            <a:avLst/>
+          </a:prstGeom>
+        </p:spPr>
+        <p:txBody>
+          <a:bodyPr lIns="0" tIns="0" rIns="0" bIns="0">
+            <a:normAutofit/>
+          </a:bodyPr>
+          <a:lstStyle/>
+          <a:p>
+            <a:endParaRPr lang="fr-FR" sz="3870" b="0" strike="noStrike" spc="-1">
+              <a:latin typeface="Arial"/>
+            </a:endParaRPr>
+          </a:p>
+        </p:txBody>
+      </p:sp>
+      <p:sp>
+        <p:nvSpPr>
+          <p:cNvPr id="11" name="PlaceHolder 3"/>
+          <p:cNvSpPr>
+            <a:spLocks noGrp="1"/>
+          </p:cNvSpPr>
+          <p:nvPr>
+            <p:ph type="body"/>
+          </p:nvPr>
+        </p:nvSpPr>
+        <p:spPr>
+          <a:xfrm>
+            <a:off x="6231903" y="1604399"/>
+            <a:ext cx="5354133" cy="3976819"/>
+          </a:xfrm>
+          <a:prstGeom prst="rect">
+            <a:avLst/>
+          </a:prstGeom>
+        </p:spPr>
+        <p:txBody>
+          <a:bodyPr lIns="0" tIns="0" rIns="0" bIns="0">
+            <a:normAutofit/>
+          </a:bodyPr>
+          <a:lstStyle/>
+          <a:p>
+            <a:endParaRPr lang="fr-FR" sz="3870" b="0" strike="noStrike" spc="-1">
+              <a:latin typeface="Arial"/>
+            </a:endParaRPr>
+          </a:p>
+        </p:txBody>
+      </p:sp>
+    </p:spTree>
+    <p:extLst>
+      <p:ext uri="{BB962C8B-B14F-4D97-AF65-F5344CB8AC3E}">
+        <p14:creationId xmlns:p14="http://schemas.microsoft.com/office/powerpoint/2010/main" val="4206946789"/>
+      </p:ext>
+    </p:extLst>
+  </p:cSld>
+  <p:clrMapOvr>
+    <a:masterClrMapping/>
+  </p:clrMapOvr>
+</p:sldLayout>
+</file>
+
+<file path=ppt/slideLayouts/slideLayout16.xml><?xml version="1.0" encoding="utf-8"?>
+<p:sldLayout xmlns:a="http://schemas.openxmlformats.org/drawingml/2006/main" xmlns:r="http://schemas.openxmlformats.org/officeDocument/2006/relationships" xmlns:p="http://schemas.openxmlformats.org/presentationml/2006/main" type="titleOnly" preserve="1">
+  <p:cSld name="Title Only">
+    <p:spTree>
+      <p:nvGrpSpPr>
+        <p:cNvPr id="1" name=""/>
+        <p:cNvGrpSpPr/>
+        <p:nvPr/>
+      </p:nvGrpSpPr>
+      <p:grpSpPr>
+        <a:xfrm>
+          <a:off x="0" y="0"/>
+          <a:ext cx="0" cy="0"/>
+          <a:chOff x="0" y="0"/>
+          <a:chExt cx="0" cy="0"/>
+        </a:xfrm>
+      </p:grpSpPr>
+      <p:sp>
+        <p:nvSpPr>
+          <p:cNvPr id="12" name="PlaceHolder 1"/>
+          <p:cNvSpPr>
+            <a:spLocks noGrp="1"/>
+          </p:cNvSpPr>
+          <p:nvPr>
+            <p:ph type="title"/>
+          </p:nvPr>
+        </p:nvSpPr>
+        <p:spPr>
+          <a:xfrm>
+            <a:off x="609562" y="273422"/>
+            <a:ext cx="10971684" cy="1144631"/>
+          </a:xfrm>
+          <a:prstGeom prst="rect">
+            <a:avLst/>
+          </a:prstGeom>
+        </p:spPr>
+        <p:txBody>
+          <a:bodyPr lIns="0" tIns="0" rIns="0" bIns="0" anchor="ctr">
+            <a:noAutofit/>
+          </a:bodyPr>
+          <a:lstStyle/>
+          <a:p>
+            <a:pPr algn="ctr"/>
+            <a:endParaRPr lang="fr-FR" sz="5321" b="0" strike="noStrike" spc="-1">
+              <a:latin typeface="Arial"/>
+            </a:endParaRPr>
+          </a:p>
+        </p:txBody>
+      </p:sp>
+    </p:spTree>
+    <p:extLst>
+      <p:ext uri="{BB962C8B-B14F-4D97-AF65-F5344CB8AC3E}">
+        <p14:creationId xmlns:p14="http://schemas.microsoft.com/office/powerpoint/2010/main" val="2931218500"/>
+      </p:ext>
+    </p:extLst>
+  </p:cSld>
+  <p:clrMapOvr>
+    <a:masterClrMapping/>
+  </p:clrMapOvr>
+</p:sldLayout>
+</file>
+
+<file path=ppt/slideLayouts/slideLayout17.xml><?xml version="1.0" encoding="utf-8"?>
+<p:sldLayout xmlns:a="http://schemas.openxmlformats.org/drawingml/2006/main" xmlns:r="http://schemas.openxmlformats.org/officeDocument/2006/relationships" xmlns:p="http://schemas.openxmlformats.org/presentationml/2006/main" type="objOnly" preserve="1">
+  <p:cSld name="Centered Text">
+    <p:spTree>
+      <p:nvGrpSpPr>
+        <p:cNvPr id="1" name=""/>
+        <p:cNvGrpSpPr/>
+        <p:nvPr/>
+      </p:nvGrpSpPr>
+      <p:grpSpPr>
+        <a:xfrm>
+          <a:off x="0" y="0"/>
+          <a:ext cx="0" cy="0"/>
+          <a:chOff x="0" y="0"/>
+          <a:chExt cx="0" cy="0"/>
+        </a:xfrm>
+      </p:grpSpPr>
+      <p:sp>
+        <p:nvSpPr>
+          <p:cNvPr id="13" name="PlaceHolder 1"/>
+          <p:cNvSpPr>
+            <a:spLocks noGrp="1"/>
+          </p:cNvSpPr>
+          <p:nvPr>
+            <p:ph type="subTitle"/>
+          </p:nvPr>
+        </p:nvSpPr>
+        <p:spPr>
+          <a:xfrm>
+            <a:off x="609562" y="273423"/>
+            <a:ext cx="10971684" cy="5307359"/>
+          </a:xfrm>
+          <a:prstGeom prst="rect">
+            <a:avLst/>
+          </a:prstGeom>
+        </p:spPr>
+        <p:txBody>
+          <a:bodyPr lIns="0" tIns="0" rIns="0" bIns="0" anchor="ctr">
+            <a:noAutofit/>
+          </a:bodyPr>
+          <a:lstStyle/>
+          <a:p>
+            <a:pPr algn="ctr"/>
+            <a:endParaRPr lang="fr-FR" sz="3870" b="0" strike="noStrike" spc="-1">
+              <a:latin typeface="Arial"/>
+            </a:endParaRPr>
+          </a:p>
+        </p:txBody>
+      </p:sp>
+    </p:spTree>
+    <p:extLst>
+      <p:ext uri="{BB962C8B-B14F-4D97-AF65-F5344CB8AC3E}">
+        <p14:creationId xmlns:p14="http://schemas.microsoft.com/office/powerpoint/2010/main" val="2502213345"/>
+      </p:ext>
+    </p:extLst>
+  </p:cSld>
+  <p:clrMapOvr>
+    <a:masterClrMapping/>
+  </p:clrMapOvr>
+</p:sldLayout>
+</file>
+
+<file path=ppt/slideLayouts/slideLayout18.xml><?xml version="1.0" encoding="utf-8"?>
+<p:sldLayout xmlns:a="http://schemas.openxmlformats.org/drawingml/2006/main" xmlns:r="http://schemas.openxmlformats.org/officeDocument/2006/relationships" xmlns:p="http://schemas.openxmlformats.org/presentationml/2006/main" type="twoObjAndObj" preserve="1">
+  <p:cSld name="Title, 2 Content and Content">
+    <p:spTree>
+      <p:nvGrpSpPr>
+        <p:cNvPr id="1" name=""/>
+        <p:cNvGrpSpPr/>
+        <p:nvPr/>
+      </p:nvGrpSpPr>
+      <p:grpSpPr>
+        <a:xfrm>
+          <a:off x="0" y="0"/>
+          <a:ext cx="0" cy="0"/>
+          <a:chOff x="0" y="0"/>
+          <a:chExt cx="0" cy="0"/>
+        </a:xfrm>
+      </p:grpSpPr>
+      <p:sp>
+        <p:nvSpPr>
+          <p:cNvPr id="14" name="PlaceHolder 1"/>
+          <p:cNvSpPr>
+            <a:spLocks noGrp="1"/>
+          </p:cNvSpPr>
+          <p:nvPr>
+            <p:ph type="title"/>
+          </p:nvPr>
+        </p:nvSpPr>
+        <p:spPr>
+          <a:xfrm>
+            <a:off x="609562" y="273422"/>
+            <a:ext cx="10971684" cy="1144631"/>
+          </a:xfrm>
+          <a:prstGeom prst="rect">
+            <a:avLst/>
+          </a:prstGeom>
+        </p:spPr>
+        <p:txBody>
+          <a:bodyPr lIns="0" tIns="0" rIns="0" bIns="0" anchor="ctr">
+            <a:noAutofit/>
+          </a:bodyPr>
+          <a:lstStyle/>
+          <a:p>
+            <a:pPr algn="ctr"/>
+            <a:endParaRPr lang="fr-FR" sz="5321" b="0" strike="noStrike" spc="-1">
+              <a:latin typeface="Arial"/>
+            </a:endParaRPr>
+          </a:p>
+        </p:txBody>
+      </p:sp>
+      <p:sp>
+        <p:nvSpPr>
+          <p:cNvPr id="15" name="PlaceHolder 2"/>
+          <p:cNvSpPr>
+            <a:spLocks noGrp="1"/>
+          </p:cNvSpPr>
+          <p:nvPr>
+            <p:ph type="body"/>
+          </p:nvPr>
+        </p:nvSpPr>
+        <p:spPr>
+          <a:xfrm>
+            <a:off x="609562" y="1604399"/>
+            <a:ext cx="5354133" cy="1896543"/>
+          </a:xfrm>
+          <a:prstGeom prst="rect">
+            <a:avLst/>
+          </a:prstGeom>
+        </p:spPr>
+        <p:txBody>
+          <a:bodyPr lIns="0" tIns="0" rIns="0" bIns="0">
+            <a:normAutofit/>
+          </a:bodyPr>
+          <a:lstStyle/>
+          <a:p>
+            <a:endParaRPr lang="fr-FR" sz="3870" b="0" strike="noStrike" spc="-1">
+              <a:latin typeface="Arial"/>
+            </a:endParaRPr>
+          </a:p>
+        </p:txBody>
+      </p:sp>
+      <p:sp>
+        <p:nvSpPr>
+          <p:cNvPr id="16" name="PlaceHolder 3"/>
+          <p:cNvSpPr>
+            <a:spLocks noGrp="1"/>
+          </p:cNvSpPr>
+          <p:nvPr>
+            <p:ph type="body"/>
+          </p:nvPr>
+        </p:nvSpPr>
+        <p:spPr>
+          <a:xfrm>
+            <a:off x="6231903" y="1604399"/>
+            <a:ext cx="5354133" cy="3976819"/>
+          </a:xfrm>
+          <a:prstGeom prst="rect">
+            <a:avLst/>
+          </a:prstGeom>
+        </p:spPr>
+        <p:txBody>
+          <a:bodyPr lIns="0" tIns="0" rIns="0" bIns="0">
+            <a:normAutofit/>
+          </a:bodyPr>
+          <a:lstStyle/>
+          <a:p>
+            <a:endParaRPr lang="fr-FR" sz="3870" b="0" strike="noStrike" spc="-1">
+              <a:latin typeface="Arial"/>
+            </a:endParaRPr>
+          </a:p>
+        </p:txBody>
+      </p:sp>
+      <p:sp>
+        <p:nvSpPr>
+          <p:cNvPr id="17" name="PlaceHolder 4"/>
+          <p:cNvSpPr>
+            <a:spLocks noGrp="1"/>
+          </p:cNvSpPr>
+          <p:nvPr>
+            <p:ph type="body"/>
+          </p:nvPr>
+        </p:nvSpPr>
+        <p:spPr>
+          <a:xfrm>
+            <a:off x="609562" y="3681627"/>
+            <a:ext cx="5354133" cy="1896543"/>
+          </a:xfrm>
+          <a:prstGeom prst="rect">
+            <a:avLst/>
+          </a:prstGeom>
+        </p:spPr>
+        <p:txBody>
+          <a:bodyPr lIns="0" tIns="0" rIns="0" bIns="0">
+            <a:normAutofit/>
+          </a:bodyPr>
+          <a:lstStyle/>
+          <a:p>
+            <a:endParaRPr lang="fr-FR" sz="3870" b="0" strike="noStrike" spc="-1">
+              <a:latin typeface="Arial"/>
+            </a:endParaRPr>
+          </a:p>
+        </p:txBody>
+      </p:sp>
+    </p:spTree>
+    <p:extLst>
+      <p:ext uri="{BB962C8B-B14F-4D97-AF65-F5344CB8AC3E}">
+        <p14:creationId xmlns:p14="http://schemas.microsoft.com/office/powerpoint/2010/main" val="3693531275"/>
+      </p:ext>
+    </p:extLst>
+  </p:cSld>
+  <p:clrMapOvr>
+    <a:masterClrMapping/>
+  </p:clrMapOvr>
+</p:sldLayout>
+</file>
+
+<file path=ppt/slideLayouts/slideLayout19.xml><?xml version="1.0" encoding="utf-8"?>
+<p:sldLayout xmlns:a="http://schemas.openxmlformats.org/drawingml/2006/main" xmlns:r="http://schemas.openxmlformats.org/officeDocument/2006/relationships" xmlns:p="http://schemas.openxmlformats.org/presentationml/2006/main" type="objAndTwoObj" preserve="1">
+  <p:cSld name="Title Content and 2 Content">
+    <p:spTree>
+      <p:nvGrpSpPr>
+        <p:cNvPr id="1" name=""/>
+        <p:cNvGrpSpPr/>
+        <p:nvPr/>
+      </p:nvGrpSpPr>
+      <p:grpSpPr>
+        <a:xfrm>
+          <a:off x="0" y="0"/>
+          <a:ext cx="0" cy="0"/>
+          <a:chOff x="0" y="0"/>
+          <a:chExt cx="0" cy="0"/>
+        </a:xfrm>
+      </p:grpSpPr>
+      <p:sp>
+        <p:nvSpPr>
+          <p:cNvPr id="18" name="PlaceHolder 1"/>
+          <p:cNvSpPr>
+            <a:spLocks noGrp="1"/>
+          </p:cNvSpPr>
+          <p:nvPr>
+            <p:ph type="title"/>
+          </p:nvPr>
+        </p:nvSpPr>
+        <p:spPr>
+          <a:xfrm>
+            <a:off x="609562" y="273422"/>
+            <a:ext cx="10971684" cy="1144631"/>
+          </a:xfrm>
+          <a:prstGeom prst="rect">
+            <a:avLst/>
+          </a:prstGeom>
+        </p:spPr>
+        <p:txBody>
+          <a:bodyPr lIns="0" tIns="0" rIns="0" bIns="0" anchor="ctr">
+            <a:noAutofit/>
+          </a:bodyPr>
+          <a:lstStyle/>
+          <a:p>
+            <a:pPr algn="ctr"/>
+            <a:endParaRPr lang="fr-FR" sz="5321" b="0" strike="noStrike" spc="-1">
+              <a:latin typeface="Arial"/>
+            </a:endParaRPr>
+          </a:p>
+        </p:txBody>
+      </p:sp>
+      <p:sp>
+        <p:nvSpPr>
+          <p:cNvPr id="19" name="PlaceHolder 2"/>
+          <p:cNvSpPr>
+            <a:spLocks noGrp="1"/>
+          </p:cNvSpPr>
+          <p:nvPr>
+            <p:ph type="body"/>
+          </p:nvPr>
+        </p:nvSpPr>
+        <p:spPr>
+          <a:xfrm>
+            <a:off x="609562" y="1604399"/>
+            <a:ext cx="5354133" cy="3976819"/>
+          </a:xfrm>
+          <a:prstGeom prst="rect">
+            <a:avLst/>
+          </a:prstGeom>
+        </p:spPr>
+        <p:txBody>
+          <a:bodyPr lIns="0" tIns="0" rIns="0" bIns="0">
+            <a:normAutofit/>
+          </a:bodyPr>
+          <a:lstStyle/>
+          <a:p>
+            <a:endParaRPr lang="fr-FR" sz="3870" b="0" strike="noStrike" spc="-1">
+              <a:latin typeface="Arial"/>
+            </a:endParaRPr>
+          </a:p>
+        </p:txBody>
+      </p:sp>
+      <p:sp>
+        <p:nvSpPr>
+          <p:cNvPr id="20" name="PlaceHolder 3"/>
+          <p:cNvSpPr>
+            <a:spLocks noGrp="1"/>
+          </p:cNvSpPr>
+          <p:nvPr>
+            <p:ph type="body"/>
+          </p:nvPr>
+        </p:nvSpPr>
+        <p:spPr>
+          <a:xfrm>
+            <a:off x="6231903" y="1604399"/>
+            <a:ext cx="5354133" cy="1896543"/>
+          </a:xfrm>
+          <a:prstGeom prst="rect">
+            <a:avLst/>
+          </a:prstGeom>
+        </p:spPr>
+        <p:txBody>
+          <a:bodyPr lIns="0" tIns="0" rIns="0" bIns="0">
+            <a:normAutofit/>
+          </a:bodyPr>
+          <a:lstStyle/>
+          <a:p>
+            <a:endParaRPr lang="fr-FR" sz="3870" b="0" strike="noStrike" spc="-1">
+              <a:latin typeface="Arial"/>
+            </a:endParaRPr>
+          </a:p>
+        </p:txBody>
+      </p:sp>
+      <p:sp>
+        <p:nvSpPr>
+          <p:cNvPr id="21" name="PlaceHolder 4"/>
+          <p:cNvSpPr>
+            <a:spLocks noGrp="1"/>
+          </p:cNvSpPr>
+          <p:nvPr>
+            <p:ph type="body"/>
+          </p:nvPr>
+        </p:nvSpPr>
+        <p:spPr>
+          <a:xfrm>
+            <a:off x="6231903" y="3681627"/>
+            <a:ext cx="5354133" cy="1896543"/>
+          </a:xfrm>
+          <a:prstGeom prst="rect">
+            <a:avLst/>
+          </a:prstGeom>
+        </p:spPr>
+        <p:txBody>
+          <a:bodyPr lIns="0" tIns="0" rIns="0" bIns="0">
+            <a:normAutofit/>
+          </a:bodyPr>
+          <a:lstStyle/>
+          <a:p>
+            <a:endParaRPr lang="fr-FR" sz="3870" b="0" strike="noStrike" spc="-1">
+              <a:latin typeface="Arial"/>
+            </a:endParaRPr>
+          </a:p>
+        </p:txBody>
+      </p:sp>
+    </p:spTree>
+    <p:extLst>
+      <p:ext uri="{BB962C8B-B14F-4D97-AF65-F5344CB8AC3E}">
+        <p14:creationId xmlns:p14="http://schemas.microsoft.com/office/powerpoint/2010/main" val="1452875945"/>
       </p:ext>
     </p:extLst>
   </p:cSld>
@@ -881,7 +1664,7 @@
           <a:p>
             <a:fld id="{6804E1F8-9E1D-4943-9260-2D6C71C80FD6}" type="datetimeFigureOut">
               <a:rPr lang="fr-BE" smtClean="0"/>
-              <a:t>17-02-21</a:t>
+              <a:t>18-02-21</a:t>
             </a:fld>
             <a:endParaRPr lang="fr-BE"/>
           </a:p>
@@ -945,6 +1728,719 @@
     <p:extLst>
       <p:ext uri="{BB962C8B-B14F-4D97-AF65-F5344CB8AC3E}">
         <p14:creationId xmlns:p14="http://schemas.microsoft.com/office/powerpoint/2010/main" val="2647397051"/>
+      </p:ext>
+    </p:extLst>
+  </p:cSld>
+  <p:clrMapOvr>
+    <a:masterClrMapping/>
+  </p:clrMapOvr>
+</p:sldLayout>
+</file>
+
+<file path=ppt/slideLayouts/slideLayout20.xml><?xml version="1.0" encoding="utf-8"?>
+<p:sldLayout xmlns:a="http://schemas.openxmlformats.org/drawingml/2006/main" xmlns:r="http://schemas.openxmlformats.org/officeDocument/2006/relationships" xmlns:p="http://schemas.openxmlformats.org/presentationml/2006/main" type="twoObjOverTx" preserve="1">
+  <p:cSld name="Title, 2 Content over Content">
+    <p:spTree>
+      <p:nvGrpSpPr>
+        <p:cNvPr id="1" name=""/>
+        <p:cNvGrpSpPr/>
+        <p:nvPr/>
+      </p:nvGrpSpPr>
+      <p:grpSpPr>
+        <a:xfrm>
+          <a:off x="0" y="0"/>
+          <a:ext cx="0" cy="0"/>
+          <a:chOff x="0" y="0"/>
+          <a:chExt cx="0" cy="0"/>
+        </a:xfrm>
+      </p:grpSpPr>
+      <p:sp>
+        <p:nvSpPr>
+          <p:cNvPr id="22" name="PlaceHolder 1"/>
+          <p:cNvSpPr>
+            <a:spLocks noGrp="1"/>
+          </p:cNvSpPr>
+          <p:nvPr>
+            <p:ph type="title"/>
+          </p:nvPr>
+        </p:nvSpPr>
+        <p:spPr>
+          <a:xfrm>
+            <a:off x="609562" y="273422"/>
+            <a:ext cx="10971684" cy="1144631"/>
+          </a:xfrm>
+          <a:prstGeom prst="rect">
+            <a:avLst/>
+          </a:prstGeom>
+        </p:spPr>
+        <p:txBody>
+          <a:bodyPr lIns="0" tIns="0" rIns="0" bIns="0" anchor="ctr">
+            <a:noAutofit/>
+          </a:bodyPr>
+          <a:lstStyle/>
+          <a:p>
+            <a:pPr algn="ctr"/>
+            <a:endParaRPr lang="fr-FR" sz="5321" b="0" strike="noStrike" spc="-1">
+              <a:latin typeface="Arial"/>
+            </a:endParaRPr>
+          </a:p>
+        </p:txBody>
+      </p:sp>
+      <p:sp>
+        <p:nvSpPr>
+          <p:cNvPr id="23" name="PlaceHolder 2"/>
+          <p:cNvSpPr>
+            <a:spLocks noGrp="1"/>
+          </p:cNvSpPr>
+          <p:nvPr>
+            <p:ph type="body"/>
+          </p:nvPr>
+        </p:nvSpPr>
+        <p:spPr>
+          <a:xfrm>
+            <a:off x="609562" y="1604399"/>
+            <a:ext cx="5354133" cy="1896543"/>
+          </a:xfrm>
+          <a:prstGeom prst="rect">
+            <a:avLst/>
+          </a:prstGeom>
+        </p:spPr>
+        <p:txBody>
+          <a:bodyPr lIns="0" tIns="0" rIns="0" bIns="0">
+            <a:normAutofit/>
+          </a:bodyPr>
+          <a:lstStyle/>
+          <a:p>
+            <a:endParaRPr lang="fr-FR" sz="3870" b="0" strike="noStrike" spc="-1">
+              <a:latin typeface="Arial"/>
+            </a:endParaRPr>
+          </a:p>
+        </p:txBody>
+      </p:sp>
+      <p:sp>
+        <p:nvSpPr>
+          <p:cNvPr id="24" name="PlaceHolder 3"/>
+          <p:cNvSpPr>
+            <a:spLocks noGrp="1"/>
+          </p:cNvSpPr>
+          <p:nvPr>
+            <p:ph type="body"/>
+          </p:nvPr>
+        </p:nvSpPr>
+        <p:spPr>
+          <a:xfrm>
+            <a:off x="6231903" y="1604399"/>
+            <a:ext cx="5354133" cy="1896543"/>
+          </a:xfrm>
+          <a:prstGeom prst="rect">
+            <a:avLst/>
+          </a:prstGeom>
+        </p:spPr>
+        <p:txBody>
+          <a:bodyPr lIns="0" tIns="0" rIns="0" bIns="0">
+            <a:normAutofit/>
+          </a:bodyPr>
+          <a:lstStyle/>
+          <a:p>
+            <a:endParaRPr lang="fr-FR" sz="3870" b="0" strike="noStrike" spc="-1">
+              <a:latin typeface="Arial"/>
+            </a:endParaRPr>
+          </a:p>
+        </p:txBody>
+      </p:sp>
+      <p:sp>
+        <p:nvSpPr>
+          <p:cNvPr id="25" name="PlaceHolder 4"/>
+          <p:cNvSpPr>
+            <a:spLocks noGrp="1"/>
+          </p:cNvSpPr>
+          <p:nvPr>
+            <p:ph type="body"/>
+          </p:nvPr>
+        </p:nvSpPr>
+        <p:spPr>
+          <a:xfrm>
+            <a:off x="609562" y="3681627"/>
+            <a:ext cx="10971684" cy="1896543"/>
+          </a:xfrm>
+          <a:prstGeom prst="rect">
+            <a:avLst/>
+          </a:prstGeom>
+        </p:spPr>
+        <p:txBody>
+          <a:bodyPr lIns="0" tIns="0" rIns="0" bIns="0">
+            <a:normAutofit/>
+          </a:bodyPr>
+          <a:lstStyle/>
+          <a:p>
+            <a:endParaRPr lang="fr-FR" sz="3870" b="0" strike="noStrike" spc="-1">
+              <a:latin typeface="Arial"/>
+            </a:endParaRPr>
+          </a:p>
+        </p:txBody>
+      </p:sp>
+    </p:spTree>
+    <p:extLst>
+      <p:ext uri="{BB962C8B-B14F-4D97-AF65-F5344CB8AC3E}">
+        <p14:creationId xmlns:p14="http://schemas.microsoft.com/office/powerpoint/2010/main" val="2605926338"/>
+      </p:ext>
+    </p:extLst>
+  </p:cSld>
+  <p:clrMapOvr>
+    <a:masterClrMapping/>
+  </p:clrMapOvr>
+</p:sldLayout>
+</file>
+
+<file path=ppt/slideLayouts/slideLayout21.xml><?xml version="1.0" encoding="utf-8"?>
+<p:sldLayout xmlns:a="http://schemas.openxmlformats.org/drawingml/2006/main" xmlns:r="http://schemas.openxmlformats.org/officeDocument/2006/relationships" xmlns:p="http://schemas.openxmlformats.org/presentationml/2006/main" type="objOverTx" preserve="1">
+  <p:cSld name="Title, Content over Content">
+    <p:spTree>
+      <p:nvGrpSpPr>
+        <p:cNvPr id="1" name=""/>
+        <p:cNvGrpSpPr/>
+        <p:nvPr/>
+      </p:nvGrpSpPr>
+      <p:grpSpPr>
+        <a:xfrm>
+          <a:off x="0" y="0"/>
+          <a:ext cx="0" cy="0"/>
+          <a:chOff x="0" y="0"/>
+          <a:chExt cx="0" cy="0"/>
+        </a:xfrm>
+      </p:grpSpPr>
+      <p:sp>
+        <p:nvSpPr>
+          <p:cNvPr id="26" name="PlaceHolder 1"/>
+          <p:cNvSpPr>
+            <a:spLocks noGrp="1"/>
+          </p:cNvSpPr>
+          <p:nvPr>
+            <p:ph type="title"/>
+          </p:nvPr>
+        </p:nvSpPr>
+        <p:spPr>
+          <a:xfrm>
+            <a:off x="609562" y="273422"/>
+            <a:ext cx="10971684" cy="1144631"/>
+          </a:xfrm>
+          <a:prstGeom prst="rect">
+            <a:avLst/>
+          </a:prstGeom>
+        </p:spPr>
+        <p:txBody>
+          <a:bodyPr lIns="0" tIns="0" rIns="0" bIns="0" anchor="ctr">
+            <a:noAutofit/>
+          </a:bodyPr>
+          <a:lstStyle/>
+          <a:p>
+            <a:pPr algn="ctr"/>
+            <a:endParaRPr lang="fr-FR" sz="5321" b="0" strike="noStrike" spc="-1">
+              <a:latin typeface="Arial"/>
+            </a:endParaRPr>
+          </a:p>
+        </p:txBody>
+      </p:sp>
+      <p:sp>
+        <p:nvSpPr>
+          <p:cNvPr id="27" name="PlaceHolder 2"/>
+          <p:cNvSpPr>
+            <a:spLocks noGrp="1"/>
+          </p:cNvSpPr>
+          <p:nvPr>
+            <p:ph type="body"/>
+          </p:nvPr>
+        </p:nvSpPr>
+        <p:spPr>
+          <a:xfrm>
+            <a:off x="609562" y="1604399"/>
+            <a:ext cx="10971684" cy="1896543"/>
+          </a:xfrm>
+          <a:prstGeom prst="rect">
+            <a:avLst/>
+          </a:prstGeom>
+        </p:spPr>
+        <p:txBody>
+          <a:bodyPr lIns="0" tIns="0" rIns="0" bIns="0">
+            <a:normAutofit/>
+          </a:bodyPr>
+          <a:lstStyle/>
+          <a:p>
+            <a:endParaRPr lang="fr-FR" sz="3870" b="0" strike="noStrike" spc="-1">
+              <a:latin typeface="Arial"/>
+            </a:endParaRPr>
+          </a:p>
+        </p:txBody>
+      </p:sp>
+      <p:sp>
+        <p:nvSpPr>
+          <p:cNvPr id="28" name="PlaceHolder 3"/>
+          <p:cNvSpPr>
+            <a:spLocks noGrp="1"/>
+          </p:cNvSpPr>
+          <p:nvPr>
+            <p:ph type="body"/>
+          </p:nvPr>
+        </p:nvSpPr>
+        <p:spPr>
+          <a:xfrm>
+            <a:off x="609562" y="3681627"/>
+            <a:ext cx="10971684" cy="1896543"/>
+          </a:xfrm>
+          <a:prstGeom prst="rect">
+            <a:avLst/>
+          </a:prstGeom>
+        </p:spPr>
+        <p:txBody>
+          <a:bodyPr lIns="0" tIns="0" rIns="0" bIns="0">
+            <a:normAutofit/>
+          </a:bodyPr>
+          <a:lstStyle/>
+          <a:p>
+            <a:endParaRPr lang="fr-FR" sz="3870" b="0" strike="noStrike" spc="-1">
+              <a:latin typeface="Arial"/>
+            </a:endParaRPr>
+          </a:p>
+        </p:txBody>
+      </p:sp>
+    </p:spTree>
+    <p:extLst>
+      <p:ext uri="{BB962C8B-B14F-4D97-AF65-F5344CB8AC3E}">
+        <p14:creationId xmlns:p14="http://schemas.microsoft.com/office/powerpoint/2010/main" val="1663953680"/>
+      </p:ext>
+    </p:extLst>
+  </p:cSld>
+  <p:clrMapOvr>
+    <a:masterClrMapping/>
+  </p:clrMapOvr>
+</p:sldLayout>
+</file>
+
+<file path=ppt/slideLayouts/slideLayout22.xml><?xml version="1.0" encoding="utf-8"?>
+<p:sldLayout xmlns:a="http://schemas.openxmlformats.org/drawingml/2006/main" xmlns:r="http://schemas.openxmlformats.org/officeDocument/2006/relationships" xmlns:p="http://schemas.openxmlformats.org/presentationml/2006/main" type="fourObj" preserve="1">
+  <p:cSld name="Title, 4 Content">
+    <p:spTree>
+      <p:nvGrpSpPr>
+        <p:cNvPr id="1" name=""/>
+        <p:cNvGrpSpPr/>
+        <p:nvPr/>
+      </p:nvGrpSpPr>
+      <p:grpSpPr>
+        <a:xfrm>
+          <a:off x="0" y="0"/>
+          <a:ext cx="0" cy="0"/>
+          <a:chOff x="0" y="0"/>
+          <a:chExt cx="0" cy="0"/>
+        </a:xfrm>
+      </p:grpSpPr>
+      <p:sp>
+        <p:nvSpPr>
+          <p:cNvPr id="29" name="PlaceHolder 1"/>
+          <p:cNvSpPr>
+            <a:spLocks noGrp="1"/>
+          </p:cNvSpPr>
+          <p:nvPr>
+            <p:ph type="title"/>
+          </p:nvPr>
+        </p:nvSpPr>
+        <p:spPr>
+          <a:xfrm>
+            <a:off x="609562" y="273422"/>
+            <a:ext cx="10971684" cy="1144631"/>
+          </a:xfrm>
+          <a:prstGeom prst="rect">
+            <a:avLst/>
+          </a:prstGeom>
+        </p:spPr>
+        <p:txBody>
+          <a:bodyPr lIns="0" tIns="0" rIns="0" bIns="0" anchor="ctr">
+            <a:noAutofit/>
+          </a:bodyPr>
+          <a:lstStyle/>
+          <a:p>
+            <a:pPr algn="ctr"/>
+            <a:endParaRPr lang="fr-FR" sz="5321" b="0" strike="noStrike" spc="-1">
+              <a:latin typeface="Arial"/>
+            </a:endParaRPr>
+          </a:p>
+        </p:txBody>
+      </p:sp>
+      <p:sp>
+        <p:nvSpPr>
+          <p:cNvPr id="30" name="PlaceHolder 2"/>
+          <p:cNvSpPr>
+            <a:spLocks noGrp="1"/>
+          </p:cNvSpPr>
+          <p:nvPr>
+            <p:ph type="body"/>
+          </p:nvPr>
+        </p:nvSpPr>
+        <p:spPr>
+          <a:xfrm>
+            <a:off x="609562" y="1604399"/>
+            <a:ext cx="5354133" cy="1896543"/>
+          </a:xfrm>
+          <a:prstGeom prst="rect">
+            <a:avLst/>
+          </a:prstGeom>
+        </p:spPr>
+        <p:txBody>
+          <a:bodyPr lIns="0" tIns="0" rIns="0" bIns="0">
+            <a:normAutofit/>
+          </a:bodyPr>
+          <a:lstStyle/>
+          <a:p>
+            <a:endParaRPr lang="fr-FR" sz="3870" b="0" strike="noStrike" spc="-1">
+              <a:latin typeface="Arial"/>
+            </a:endParaRPr>
+          </a:p>
+        </p:txBody>
+      </p:sp>
+      <p:sp>
+        <p:nvSpPr>
+          <p:cNvPr id="31" name="PlaceHolder 3"/>
+          <p:cNvSpPr>
+            <a:spLocks noGrp="1"/>
+          </p:cNvSpPr>
+          <p:nvPr>
+            <p:ph type="body"/>
+          </p:nvPr>
+        </p:nvSpPr>
+        <p:spPr>
+          <a:xfrm>
+            <a:off x="6231903" y="1604399"/>
+            <a:ext cx="5354133" cy="1896543"/>
+          </a:xfrm>
+          <a:prstGeom prst="rect">
+            <a:avLst/>
+          </a:prstGeom>
+        </p:spPr>
+        <p:txBody>
+          <a:bodyPr lIns="0" tIns="0" rIns="0" bIns="0">
+            <a:normAutofit/>
+          </a:bodyPr>
+          <a:lstStyle/>
+          <a:p>
+            <a:endParaRPr lang="fr-FR" sz="3870" b="0" strike="noStrike" spc="-1">
+              <a:latin typeface="Arial"/>
+            </a:endParaRPr>
+          </a:p>
+        </p:txBody>
+      </p:sp>
+      <p:sp>
+        <p:nvSpPr>
+          <p:cNvPr id="32" name="PlaceHolder 4"/>
+          <p:cNvSpPr>
+            <a:spLocks noGrp="1"/>
+          </p:cNvSpPr>
+          <p:nvPr>
+            <p:ph type="body"/>
+          </p:nvPr>
+        </p:nvSpPr>
+        <p:spPr>
+          <a:xfrm>
+            <a:off x="609562" y="3681627"/>
+            <a:ext cx="5354133" cy="1896543"/>
+          </a:xfrm>
+          <a:prstGeom prst="rect">
+            <a:avLst/>
+          </a:prstGeom>
+        </p:spPr>
+        <p:txBody>
+          <a:bodyPr lIns="0" tIns="0" rIns="0" bIns="0">
+            <a:normAutofit/>
+          </a:bodyPr>
+          <a:lstStyle/>
+          <a:p>
+            <a:endParaRPr lang="fr-FR" sz="3870" b="0" strike="noStrike" spc="-1">
+              <a:latin typeface="Arial"/>
+            </a:endParaRPr>
+          </a:p>
+        </p:txBody>
+      </p:sp>
+      <p:sp>
+        <p:nvSpPr>
+          <p:cNvPr id="33" name="PlaceHolder 5"/>
+          <p:cNvSpPr>
+            <a:spLocks noGrp="1"/>
+          </p:cNvSpPr>
+          <p:nvPr>
+            <p:ph type="body"/>
+          </p:nvPr>
+        </p:nvSpPr>
+        <p:spPr>
+          <a:xfrm>
+            <a:off x="6231903" y="3681627"/>
+            <a:ext cx="5354133" cy="1896543"/>
+          </a:xfrm>
+          <a:prstGeom prst="rect">
+            <a:avLst/>
+          </a:prstGeom>
+        </p:spPr>
+        <p:txBody>
+          <a:bodyPr lIns="0" tIns="0" rIns="0" bIns="0">
+            <a:normAutofit/>
+          </a:bodyPr>
+          <a:lstStyle/>
+          <a:p>
+            <a:endParaRPr lang="fr-FR" sz="3870" b="0" strike="noStrike" spc="-1">
+              <a:latin typeface="Arial"/>
+            </a:endParaRPr>
+          </a:p>
+        </p:txBody>
+      </p:sp>
+    </p:spTree>
+    <p:extLst>
+      <p:ext uri="{BB962C8B-B14F-4D97-AF65-F5344CB8AC3E}">
+        <p14:creationId xmlns:p14="http://schemas.microsoft.com/office/powerpoint/2010/main" val="3852551131"/>
+      </p:ext>
+    </p:extLst>
+  </p:cSld>
+  <p:clrMapOvr>
+    <a:masterClrMapping/>
+  </p:clrMapOvr>
+</p:sldLayout>
+</file>
+
+<file path=ppt/slideLayouts/slideLayout23.xml><?xml version="1.0" encoding="utf-8"?>
+<p:sldLayout xmlns:a="http://schemas.openxmlformats.org/drawingml/2006/main" xmlns:r="http://schemas.openxmlformats.org/officeDocument/2006/relationships" xmlns:p="http://schemas.openxmlformats.org/presentationml/2006/main" type="blank" preserve="1">
+  <p:cSld name="Title, 6 Content">
+    <p:spTree>
+      <p:nvGrpSpPr>
+        <p:cNvPr id="1" name=""/>
+        <p:cNvGrpSpPr/>
+        <p:nvPr/>
+      </p:nvGrpSpPr>
+      <p:grpSpPr>
+        <a:xfrm>
+          <a:off x="0" y="0"/>
+          <a:ext cx="0" cy="0"/>
+          <a:chOff x="0" y="0"/>
+          <a:chExt cx="0" cy="0"/>
+        </a:xfrm>
+      </p:grpSpPr>
+      <p:sp>
+        <p:nvSpPr>
+          <p:cNvPr id="34" name="PlaceHolder 1"/>
+          <p:cNvSpPr>
+            <a:spLocks noGrp="1"/>
+          </p:cNvSpPr>
+          <p:nvPr>
+            <p:ph type="title"/>
+          </p:nvPr>
+        </p:nvSpPr>
+        <p:spPr>
+          <a:xfrm>
+            <a:off x="609562" y="273422"/>
+            <a:ext cx="10971684" cy="1144631"/>
+          </a:xfrm>
+          <a:prstGeom prst="rect">
+            <a:avLst/>
+          </a:prstGeom>
+        </p:spPr>
+        <p:txBody>
+          <a:bodyPr lIns="0" tIns="0" rIns="0" bIns="0" anchor="ctr">
+            <a:noAutofit/>
+          </a:bodyPr>
+          <a:lstStyle/>
+          <a:p>
+            <a:pPr algn="ctr"/>
+            <a:endParaRPr lang="fr-FR" sz="5321" b="0" strike="noStrike" spc="-1">
+              <a:latin typeface="Arial"/>
+            </a:endParaRPr>
+          </a:p>
+        </p:txBody>
+      </p:sp>
+      <p:sp>
+        <p:nvSpPr>
+          <p:cNvPr id="35" name="PlaceHolder 2"/>
+          <p:cNvSpPr>
+            <a:spLocks noGrp="1"/>
+          </p:cNvSpPr>
+          <p:nvPr>
+            <p:ph type="body"/>
+          </p:nvPr>
+        </p:nvSpPr>
+        <p:spPr>
+          <a:xfrm>
+            <a:off x="609562" y="1604399"/>
+            <a:ext cx="3532413" cy="1896543"/>
+          </a:xfrm>
+          <a:prstGeom prst="rect">
+            <a:avLst/>
+          </a:prstGeom>
+        </p:spPr>
+        <p:txBody>
+          <a:bodyPr lIns="0" tIns="0" rIns="0" bIns="0">
+            <a:normAutofit/>
+          </a:bodyPr>
+          <a:lstStyle/>
+          <a:p>
+            <a:endParaRPr lang="fr-FR" sz="3870" b="0" strike="noStrike" spc="-1">
+              <a:latin typeface="Arial"/>
+            </a:endParaRPr>
+          </a:p>
+        </p:txBody>
+      </p:sp>
+      <p:sp>
+        <p:nvSpPr>
+          <p:cNvPr id="36" name="PlaceHolder 3"/>
+          <p:cNvSpPr>
+            <a:spLocks noGrp="1"/>
+          </p:cNvSpPr>
+          <p:nvPr>
+            <p:ph type="body"/>
+          </p:nvPr>
+        </p:nvSpPr>
+        <p:spPr>
+          <a:xfrm>
+            <a:off x="4319184" y="1604399"/>
+            <a:ext cx="3532413" cy="1896543"/>
+          </a:xfrm>
+          <a:prstGeom prst="rect">
+            <a:avLst/>
+          </a:prstGeom>
+        </p:spPr>
+        <p:txBody>
+          <a:bodyPr lIns="0" tIns="0" rIns="0" bIns="0">
+            <a:normAutofit/>
+          </a:bodyPr>
+          <a:lstStyle/>
+          <a:p>
+            <a:endParaRPr lang="fr-FR" sz="3870" b="0" strike="noStrike" spc="-1">
+              <a:latin typeface="Arial"/>
+            </a:endParaRPr>
+          </a:p>
+        </p:txBody>
+      </p:sp>
+      <p:sp>
+        <p:nvSpPr>
+          <p:cNvPr id="37" name="PlaceHolder 4"/>
+          <p:cNvSpPr>
+            <a:spLocks noGrp="1"/>
+          </p:cNvSpPr>
+          <p:nvPr>
+            <p:ph type="body"/>
+          </p:nvPr>
+        </p:nvSpPr>
+        <p:spPr>
+          <a:xfrm>
+            <a:off x="8028370" y="1604399"/>
+            <a:ext cx="3532413" cy="1896543"/>
+          </a:xfrm>
+          <a:prstGeom prst="rect">
+            <a:avLst/>
+          </a:prstGeom>
+        </p:spPr>
+        <p:txBody>
+          <a:bodyPr lIns="0" tIns="0" rIns="0" bIns="0">
+            <a:normAutofit/>
+          </a:bodyPr>
+          <a:lstStyle/>
+          <a:p>
+            <a:endParaRPr lang="fr-FR" sz="3870" b="0" strike="noStrike" spc="-1">
+              <a:latin typeface="Arial"/>
+            </a:endParaRPr>
+          </a:p>
+        </p:txBody>
+      </p:sp>
+      <p:sp>
+        <p:nvSpPr>
+          <p:cNvPr id="38" name="PlaceHolder 5"/>
+          <p:cNvSpPr>
+            <a:spLocks noGrp="1"/>
+          </p:cNvSpPr>
+          <p:nvPr>
+            <p:ph type="body"/>
+          </p:nvPr>
+        </p:nvSpPr>
+        <p:spPr>
+          <a:xfrm>
+            <a:off x="609562" y="3681627"/>
+            <a:ext cx="3532413" cy="1896543"/>
+          </a:xfrm>
+          <a:prstGeom prst="rect">
+            <a:avLst/>
+          </a:prstGeom>
+        </p:spPr>
+        <p:txBody>
+          <a:bodyPr lIns="0" tIns="0" rIns="0" bIns="0">
+            <a:normAutofit/>
+          </a:bodyPr>
+          <a:lstStyle/>
+          <a:p>
+            <a:endParaRPr lang="fr-FR" sz="3870" b="0" strike="noStrike" spc="-1">
+              <a:latin typeface="Arial"/>
+            </a:endParaRPr>
+          </a:p>
+        </p:txBody>
+      </p:sp>
+      <p:sp>
+        <p:nvSpPr>
+          <p:cNvPr id="39" name="PlaceHolder 6"/>
+          <p:cNvSpPr>
+            <a:spLocks noGrp="1"/>
+          </p:cNvSpPr>
+          <p:nvPr>
+            <p:ph type="body"/>
+          </p:nvPr>
+        </p:nvSpPr>
+        <p:spPr>
+          <a:xfrm>
+            <a:off x="4319184" y="3681627"/>
+            <a:ext cx="3532413" cy="1896543"/>
+          </a:xfrm>
+          <a:prstGeom prst="rect">
+            <a:avLst/>
+          </a:prstGeom>
+        </p:spPr>
+        <p:txBody>
+          <a:bodyPr lIns="0" tIns="0" rIns="0" bIns="0">
+            <a:normAutofit/>
+          </a:bodyPr>
+          <a:lstStyle/>
+          <a:p>
+            <a:endParaRPr lang="fr-FR" sz="3870" b="0" strike="noStrike" spc="-1">
+              <a:latin typeface="Arial"/>
+            </a:endParaRPr>
+          </a:p>
+        </p:txBody>
+      </p:sp>
+      <p:sp>
+        <p:nvSpPr>
+          <p:cNvPr id="40" name="PlaceHolder 7"/>
+          <p:cNvSpPr>
+            <a:spLocks noGrp="1"/>
+          </p:cNvSpPr>
+          <p:nvPr>
+            <p:ph type="body"/>
+          </p:nvPr>
+        </p:nvSpPr>
+        <p:spPr>
+          <a:xfrm>
+            <a:off x="8028370" y="3681627"/>
+            <a:ext cx="3532413" cy="1896543"/>
+          </a:xfrm>
+          <a:prstGeom prst="rect">
+            <a:avLst/>
+          </a:prstGeom>
+        </p:spPr>
+        <p:txBody>
+          <a:bodyPr lIns="0" tIns="0" rIns="0" bIns="0">
+            <a:normAutofit/>
+          </a:bodyPr>
+          <a:lstStyle/>
+          <a:p>
+            <a:endParaRPr lang="fr-FR" sz="3870" b="0" strike="noStrike" spc="-1">
+              <a:latin typeface="Arial"/>
+            </a:endParaRPr>
+          </a:p>
+        </p:txBody>
+      </p:sp>
+    </p:spTree>
+    <p:extLst>
+      <p:ext uri="{BB962C8B-B14F-4D97-AF65-F5344CB8AC3E}">
+        <p14:creationId xmlns:p14="http://schemas.microsoft.com/office/powerpoint/2010/main" val="926703538"/>
       </p:ext>
     </p:extLst>
   </p:cSld>
@@ -1157,7 +2653,7 @@
           <a:p>
             <a:fld id="{6804E1F8-9E1D-4943-9260-2D6C71C80FD6}" type="datetimeFigureOut">
               <a:rPr lang="fr-BE" smtClean="0"/>
-              <a:t>17-02-21</a:t>
+              <a:t>18-02-21</a:t>
             </a:fld>
             <a:endParaRPr lang="fr-BE"/>
           </a:p>
@@ -1425,7 +2921,7 @@
           <a:p>
             <a:fld id="{6804E1F8-9E1D-4943-9260-2D6C71C80FD6}" type="datetimeFigureOut">
               <a:rPr lang="fr-BE" smtClean="0"/>
-              <a:t>17-02-21</a:t>
+              <a:t>18-02-21</a:t>
             </a:fld>
             <a:endParaRPr lang="fr-BE"/>
           </a:p>
@@ -1840,7 +3336,7 @@
           <a:p>
             <a:fld id="{6804E1F8-9E1D-4943-9260-2D6C71C80FD6}" type="datetimeFigureOut">
               <a:rPr lang="fr-BE" smtClean="0"/>
-              <a:t>17-02-21</a:t>
+              <a:t>18-02-21</a:t>
             </a:fld>
             <a:endParaRPr lang="fr-BE"/>
           </a:p>
@@ -1982,7 +3478,7 @@
           <a:p>
             <a:fld id="{6804E1F8-9E1D-4943-9260-2D6C71C80FD6}" type="datetimeFigureOut">
               <a:rPr lang="fr-BE" smtClean="0"/>
-              <a:t>17-02-21</a:t>
+              <a:t>18-02-21</a:t>
             </a:fld>
             <a:endParaRPr lang="fr-BE"/>
           </a:p>
@@ -2095,7 +3591,7 @@
           <a:p>
             <a:fld id="{6804E1F8-9E1D-4943-9260-2D6C71C80FD6}" type="datetimeFigureOut">
               <a:rPr lang="fr-BE" smtClean="0"/>
-              <a:t>17-02-21</a:t>
+              <a:t>18-02-21</a:t>
             </a:fld>
             <a:endParaRPr lang="fr-BE"/>
           </a:p>
@@ -2408,7 +3904,7 @@
           <a:p>
             <a:fld id="{6804E1F8-9E1D-4943-9260-2D6C71C80FD6}" type="datetimeFigureOut">
               <a:rPr lang="fr-BE" smtClean="0"/>
-              <a:t>17-02-21</a:t>
+              <a:t>18-02-21</a:t>
             </a:fld>
             <a:endParaRPr lang="fr-BE"/>
           </a:p>
@@ -2697,7 +4193,7 @@
           <a:p>
             <a:fld id="{6804E1F8-9E1D-4943-9260-2D6C71C80FD6}" type="datetimeFigureOut">
               <a:rPr lang="fr-BE" smtClean="0"/>
-              <a:t>17-02-21</a:t>
+              <a:t>18-02-21</a:t>
             </a:fld>
             <a:endParaRPr lang="fr-BE"/>
           </a:p>
@@ -2940,7 +4436,7 @@
           <a:p>
             <a:fld id="{6804E1F8-9E1D-4943-9260-2D6C71C80FD6}" type="datetimeFigureOut">
               <a:rPr lang="fr-BE" smtClean="0"/>
-              <a:t>17-02-21</a:t>
+              <a:t>18-02-21</a:t>
             </a:fld>
             <a:endParaRPr lang="fr-BE"/>
           </a:p>
@@ -3340,6 +4836,638 @@
 </p:sldMaster>
 </file>
 
+<file path=ppt/slideMasters/slideMaster2.xml><?xml version="1.0" encoding="utf-8"?>
+<p:sldMaster xmlns:a="http://schemas.openxmlformats.org/drawingml/2006/main" xmlns:r="http://schemas.openxmlformats.org/officeDocument/2006/relationships" xmlns:p="http://schemas.openxmlformats.org/presentationml/2006/main">
+  <p:cSld>
+    <p:bg>
+      <p:bgRef idx="1001">
+        <a:schemeClr val="bg1"/>
+      </p:bgRef>
+    </p:bg>
+    <p:spTree>
+      <p:nvGrpSpPr>
+        <p:cNvPr id="1" name=""/>
+        <p:cNvGrpSpPr/>
+        <p:nvPr/>
+      </p:nvGrpSpPr>
+      <p:grpSpPr>
+        <a:xfrm>
+          <a:off x="0" y="0"/>
+          <a:ext cx="0" cy="0"/>
+          <a:chOff x="0" y="0"/>
+          <a:chExt cx="0" cy="0"/>
+        </a:xfrm>
+      </p:grpSpPr>
+      <p:sp>
+        <p:nvSpPr>
+          <p:cNvPr id="5" name="PlaceHolder 1"/>
+          <p:cNvSpPr>
+            <a:spLocks noGrp="1"/>
+          </p:cNvSpPr>
+          <p:nvPr>
+            <p:ph type="title"/>
+          </p:nvPr>
+        </p:nvSpPr>
+        <p:spPr>
+          <a:xfrm>
+            <a:off x="609562" y="273422"/>
+            <a:ext cx="10971684" cy="1144631"/>
+          </a:xfrm>
+          <a:prstGeom prst="rect">
+            <a:avLst/>
+          </a:prstGeom>
+        </p:spPr>
+        <p:txBody>
+          <a:bodyPr lIns="0" tIns="0" rIns="0" bIns="0" anchor="ctr">
+            <a:noAutofit/>
+          </a:bodyPr>
+          <a:lstStyle/>
+          <a:p>
+            <a:pPr algn="ctr"/>
+            <a:r>
+              <a:rPr lang="fr-FR" sz="5321" b="0" strike="noStrike" spc="-1">
+                <a:latin typeface="Arial"/>
+              </a:rPr>
+              <a:t>Cliquez pour éditer le format du texte-titre</a:t>
+            </a:r>
+          </a:p>
+        </p:txBody>
+      </p:sp>
+      <p:sp>
+        <p:nvSpPr>
+          <p:cNvPr id="6" name="PlaceHolder 2"/>
+          <p:cNvSpPr>
+            <a:spLocks noGrp="1"/>
+          </p:cNvSpPr>
+          <p:nvPr>
+            <p:ph type="body"/>
+          </p:nvPr>
+        </p:nvSpPr>
+        <p:spPr>
+          <a:xfrm>
+            <a:off x="609562" y="1604399"/>
+            <a:ext cx="10971684" cy="3976819"/>
+          </a:xfrm>
+          <a:prstGeom prst="rect">
+            <a:avLst/>
+          </a:prstGeom>
+        </p:spPr>
+        <p:txBody>
+          <a:bodyPr lIns="0" tIns="0" rIns="0" bIns="0">
+            <a:normAutofit/>
+          </a:bodyPr>
+          <a:lstStyle/>
+          <a:p>
+            <a:pPr marL="432000" indent="-324000">
+              <a:spcBef>
+                <a:spcPts val="1417"/>
+              </a:spcBef>
+              <a:buClr>
+                <a:srgbClr val="000000"/>
+              </a:buClr>
+              <a:buSzPct val="45000"/>
+              <a:buFont typeface="Wingdings" charset="2"/>
+              <a:buChar char=""/>
+            </a:pPr>
+            <a:r>
+              <a:rPr lang="fr-FR" sz="3870" b="0" strike="noStrike" spc="-1">
+                <a:latin typeface="Arial"/>
+              </a:rPr>
+              <a:t>Cliquez pour éditer le format du plan de texte</a:t>
+            </a:r>
+          </a:p>
+          <a:p>
+            <a:pPr marL="1044922" lvl="1" indent="-391846">
+              <a:spcBef>
+                <a:spcPts val="1371"/>
+              </a:spcBef>
+              <a:buClr>
+                <a:srgbClr val="000000"/>
+              </a:buClr>
+              <a:buSzPct val="75000"/>
+              <a:buFont typeface="Symbol" charset="2"/>
+              <a:buChar char=""/>
+            </a:pPr>
+            <a:r>
+              <a:rPr lang="fr-FR" sz="3386" b="0" strike="noStrike" spc="-1">
+                <a:latin typeface="Arial"/>
+              </a:rPr>
+              <a:t>Second niveau de plan</a:t>
+            </a:r>
+          </a:p>
+          <a:p>
+            <a:pPr marL="1567382" lvl="2" indent="-348307">
+              <a:spcBef>
+                <a:spcPts val="1028"/>
+              </a:spcBef>
+              <a:buClr>
+                <a:srgbClr val="000000"/>
+              </a:buClr>
+              <a:buSzPct val="45000"/>
+              <a:buFont typeface="Wingdings" charset="2"/>
+              <a:buChar char=""/>
+            </a:pPr>
+            <a:r>
+              <a:rPr lang="fr-FR" sz="2903" b="0" strike="noStrike" spc="-1">
+                <a:latin typeface="Arial"/>
+              </a:rPr>
+              <a:t>Troisième niveau de plan</a:t>
+            </a:r>
+          </a:p>
+          <a:p>
+            <a:pPr marL="2089843" lvl="3" indent="-261230">
+              <a:spcBef>
+                <a:spcPts val="686"/>
+              </a:spcBef>
+              <a:buClr>
+                <a:srgbClr val="000000"/>
+              </a:buClr>
+              <a:buSzPct val="75000"/>
+              <a:buFont typeface="Symbol" charset="2"/>
+              <a:buChar char=""/>
+            </a:pPr>
+            <a:r>
+              <a:rPr lang="fr-FR" sz="2419" b="0" strike="noStrike" spc="-1">
+                <a:latin typeface="Arial"/>
+              </a:rPr>
+              <a:t>Quatrième niveau de plan</a:t>
+            </a:r>
+          </a:p>
+          <a:p>
+            <a:pPr marL="2612304" lvl="4" indent="-261230">
+              <a:spcBef>
+                <a:spcPts val="342"/>
+              </a:spcBef>
+              <a:buClr>
+                <a:srgbClr val="000000"/>
+              </a:buClr>
+              <a:buSzPct val="45000"/>
+              <a:buFont typeface="Wingdings" charset="2"/>
+              <a:buChar char=""/>
+            </a:pPr>
+            <a:r>
+              <a:rPr lang="fr-FR" sz="2419" b="0" strike="noStrike" spc="-1">
+                <a:latin typeface="Arial"/>
+              </a:rPr>
+              <a:t>Cinquième niveau de plan</a:t>
+            </a:r>
+          </a:p>
+          <a:p>
+            <a:pPr marL="3134765" lvl="5" indent="-261230">
+              <a:spcBef>
+                <a:spcPts val="342"/>
+              </a:spcBef>
+              <a:buClr>
+                <a:srgbClr val="000000"/>
+              </a:buClr>
+              <a:buSzPct val="45000"/>
+              <a:buFont typeface="Wingdings" charset="2"/>
+              <a:buChar char=""/>
+            </a:pPr>
+            <a:r>
+              <a:rPr lang="fr-FR" sz="2419" b="0" strike="noStrike" spc="-1">
+                <a:latin typeface="Arial"/>
+              </a:rPr>
+              <a:t>Sixième niveau de plan</a:t>
+            </a:r>
+          </a:p>
+          <a:p>
+            <a:pPr marL="3657226" lvl="6" indent="-261230">
+              <a:spcBef>
+                <a:spcPts val="342"/>
+              </a:spcBef>
+              <a:buClr>
+                <a:srgbClr val="000000"/>
+              </a:buClr>
+              <a:buSzPct val="45000"/>
+              <a:buFont typeface="Wingdings" charset="2"/>
+              <a:buChar char=""/>
+            </a:pPr>
+            <a:r>
+              <a:rPr lang="fr-FR" sz="2419" b="0" strike="noStrike" spc="-1">
+                <a:latin typeface="Arial"/>
+              </a:rPr>
+              <a:t>Septième niveau de plan</a:t>
+            </a:r>
+          </a:p>
+        </p:txBody>
+      </p:sp>
+      <p:sp>
+        <p:nvSpPr>
+          <p:cNvPr id="2" name="PlaceHolder 3"/>
+          <p:cNvSpPr>
+            <a:spLocks noGrp="1"/>
+          </p:cNvSpPr>
+          <p:nvPr>
+            <p:ph type="dt"/>
+          </p:nvPr>
+        </p:nvSpPr>
+        <p:spPr>
+          <a:xfrm>
+            <a:off x="609562" y="6246923"/>
+            <a:ext cx="2840124" cy="472394"/>
+          </a:xfrm>
+          <a:prstGeom prst="rect">
+            <a:avLst/>
+          </a:prstGeom>
+        </p:spPr>
+        <p:txBody>
+          <a:bodyPr lIns="0" tIns="0" rIns="0" bIns="0">
+            <a:noAutofit/>
+          </a:bodyPr>
+          <a:lstStyle/>
+          <a:p>
+            <a:r>
+              <a:rPr lang="fr-FR" sz="1693" b="0" strike="noStrike" spc="-1">
+                <a:latin typeface="Times New Roman"/>
+              </a:rPr>
+              <a:t>&lt;date/heure&gt;</a:t>
+            </a:r>
+          </a:p>
+        </p:txBody>
+      </p:sp>
+      <p:sp>
+        <p:nvSpPr>
+          <p:cNvPr id="3" name="PlaceHolder 4"/>
+          <p:cNvSpPr>
+            <a:spLocks noGrp="1"/>
+          </p:cNvSpPr>
+          <p:nvPr>
+            <p:ph type="ftr"/>
+          </p:nvPr>
+        </p:nvSpPr>
+        <p:spPr>
+          <a:xfrm>
+            <a:off x="4169405" y="6246923"/>
+            <a:ext cx="3864189" cy="472394"/>
+          </a:xfrm>
+          <a:prstGeom prst="rect">
+            <a:avLst/>
+          </a:prstGeom>
+        </p:spPr>
+        <p:txBody>
+          <a:bodyPr lIns="0" tIns="0" rIns="0" bIns="0">
+            <a:noAutofit/>
+          </a:bodyPr>
+          <a:lstStyle/>
+          <a:p>
+            <a:pPr algn="ctr"/>
+            <a:r>
+              <a:rPr lang="fr-FR" sz="1693" b="0" strike="noStrike" spc="-1">
+                <a:latin typeface="Times New Roman"/>
+              </a:rPr>
+              <a:t>&lt;pied de page&gt;</a:t>
+            </a:r>
+          </a:p>
+        </p:txBody>
+      </p:sp>
+      <p:sp>
+        <p:nvSpPr>
+          <p:cNvPr id="4" name="PlaceHolder 5"/>
+          <p:cNvSpPr>
+            <a:spLocks noGrp="1"/>
+          </p:cNvSpPr>
+          <p:nvPr>
+            <p:ph type="sldNum"/>
+          </p:nvPr>
+        </p:nvSpPr>
+        <p:spPr>
+          <a:xfrm>
+            <a:off x="8741122" y="6246923"/>
+            <a:ext cx="2840124" cy="472394"/>
+          </a:xfrm>
+          <a:prstGeom prst="rect">
+            <a:avLst/>
+          </a:prstGeom>
+        </p:spPr>
+        <p:txBody>
+          <a:bodyPr lIns="0" tIns="0" rIns="0" bIns="0">
+            <a:noAutofit/>
+          </a:bodyPr>
+          <a:lstStyle/>
+          <a:p>
+            <a:pPr algn="r"/>
+            <a:fld id="{BAB143F5-AE17-4FEA-8062-96DE9CC5F9BB}" type="slidenum">
+              <a:rPr lang="fr-FR" sz="1693" b="0" strike="noStrike" spc="-1">
+                <a:latin typeface="Times New Roman"/>
+              </a:rPr>
+              <a:t>‹N°›</a:t>
+            </a:fld>
+            <a:endParaRPr lang="fr-FR" sz="1693" b="0" strike="noStrike" spc="-1">
+              <a:latin typeface="Times New Roman"/>
+            </a:endParaRPr>
+          </a:p>
+        </p:txBody>
+      </p:sp>
+    </p:spTree>
+    <p:extLst>
+      <p:ext uri="{BB962C8B-B14F-4D97-AF65-F5344CB8AC3E}">
+        <p14:creationId xmlns:p14="http://schemas.microsoft.com/office/powerpoint/2010/main" val="752893005"/>
+      </p:ext>
+    </p:extLst>
+  </p:cSld>
+  <p:clrMap bg1="lt1" tx1="dk1" bg2="lt2" tx2="dk2" accent1="accent1" accent2="accent2" accent3="accent3" accent4="accent4" accent5="accent5" accent6="accent6" hlink="hlink" folHlink="folHlink"/>
+  <p:sldLayoutIdLst>
+    <p:sldLayoutId id="2147483661" r:id="rId1"/>
+    <p:sldLayoutId id="2147483662" r:id="rId2"/>
+    <p:sldLayoutId id="2147483663" r:id="rId3"/>
+    <p:sldLayoutId id="2147483664" r:id="rId4"/>
+    <p:sldLayoutId id="2147483665" r:id="rId5"/>
+    <p:sldLayoutId id="2147483666" r:id="rId6"/>
+    <p:sldLayoutId id="2147483667" r:id="rId7"/>
+    <p:sldLayoutId id="2147483668" r:id="rId8"/>
+    <p:sldLayoutId id="2147483669" r:id="rId9"/>
+    <p:sldLayoutId id="2147483670" r:id="rId10"/>
+    <p:sldLayoutId id="2147483671" r:id="rId11"/>
+    <p:sldLayoutId id="2147483672" r:id="rId12"/>
+  </p:sldLayoutIdLst>
+  <p:txStyles>
+    <p:titleStyle>
+      <a:lvl1pPr algn="l" defTabSz="1105875" rtl="0" eaLnBrk="1" latinLnBrk="0" hangingPunct="1">
+        <a:lnSpc>
+          <a:spcPct val="90000"/>
+        </a:lnSpc>
+        <a:spcBef>
+          <a:spcPct val="0"/>
+        </a:spcBef>
+        <a:buNone/>
+        <a:defRPr sz="5321" kern="1200">
+          <a:solidFill>
+            <a:schemeClr val="tx1"/>
+          </a:solidFill>
+          <a:latin typeface="+mj-lt"/>
+          <a:ea typeface="+mj-ea"/>
+          <a:cs typeface="+mj-cs"/>
+        </a:defRPr>
+      </a:lvl1pPr>
+    </p:titleStyle>
+    <p:bodyStyle>
+      <a:lvl1pPr marL="522461" indent="-391846" algn="l" defTabSz="1105875" rtl="0" eaLnBrk="1" latinLnBrk="0" hangingPunct="1">
+        <a:lnSpc>
+          <a:spcPct val="90000"/>
+        </a:lnSpc>
+        <a:spcBef>
+          <a:spcPts val="1714"/>
+        </a:spcBef>
+        <a:buClr>
+          <a:srgbClr val="000000"/>
+        </a:buClr>
+        <a:buSzPct val="45000"/>
+        <a:buFont typeface="Wingdings" charset="2"/>
+        <a:buChar char=""/>
+        <a:defRPr sz="3386" kern="1200">
+          <a:solidFill>
+            <a:schemeClr val="tx1"/>
+          </a:solidFill>
+          <a:latin typeface="+mn-lt"/>
+          <a:ea typeface="+mn-ea"/>
+          <a:cs typeface="+mn-cs"/>
+        </a:defRPr>
+      </a:lvl1pPr>
+      <a:lvl2pPr marL="829407" indent="-276469" algn="l" defTabSz="1105875" rtl="0" eaLnBrk="1" latinLnBrk="0" hangingPunct="1">
+        <a:lnSpc>
+          <a:spcPct val="90000"/>
+        </a:lnSpc>
+        <a:spcBef>
+          <a:spcPts val="605"/>
+        </a:spcBef>
+        <a:buFont typeface="Arial" panose="020B0604020202020204" pitchFamily="34" charset="0"/>
+        <a:buChar char="•"/>
+        <a:defRPr sz="2903" kern="1200">
+          <a:solidFill>
+            <a:schemeClr val="tx1"/>
+          </a:solidFill>
+          <a:latin typeface="+mn-lt"/>
+          <a:ea typeface="+mn-ea"/>
+          <a:cs typeface="+mn-cs"/>
+        </a:defRPr>
+      </a:lvl2pPr>
+      <a:lvl3pPr marL="1382344" indent="-276469" algn="l" defTabSz="1105875" rtl="0" eaLnBrk="1" latinLnBrk="0" hangingPunct="1">
+        <a:lnSpc>
+          <a:spcPct val="90000"/>
+        </a:lnSpc>
+        <a:spcBef>
+          <a:spcPts val="605"/>
+        </a:spcBef>
+        <a:buFont typeface="Arial" panose="020B0604020202020204" pitchFamily="34" charset="0"/>
+        <a:buChar char="•"/>
+        <a:defRPr sz="2419" kern="1200">
+          <a:solidFill>
+            <a:schemeClr val="tx1"/>
+          </a:solidFill>
+          <a:latin typeface="+mn-lt"/>
+          <a:ea typeface="+mn-ea"/>
+          <a:cs typeface="+mn-cs"/>
+        </a:defRPr>
+      </a:lvl3pPr>
+      <a:lvl4pPr marL="1935282" indent="-276469" algn="l" defTabSz="1105875" rtl="0" eaLnBrk="1" latinLnBrk="0" hangingPunct="1">
+        <a:lnSpc>
+          <a:spcPct val="90000"/>
+        </a:lnSpc>
+        <a:spcBef>
+          <a:spcPts val="605"/>
+        </a:spcBef>
+        <a:buFont typeface="Arial" panose="020B0604020202020204" pitchFamily="34" charset="0"/>
+        <a:buChar char="•"/>
+        <a:defRPr sz="2177" kern="1200">
+          <a:solidFill>
+            <a:schemeClr val="tx1"/>
+          </a:solidFill>
+          <a:latin typeface="+mn-lt"/>
+          <a:ea typeface="+mn-ea"/>
+          <a:cs typeface="+mn-cs"/>
+        </a:defRPr>
+      </a:lvl4pPr>
+      <a:lvl5pPr marL="2488220" indent="-276469" algn="l" defTabSz="1105875" rtl="0" eaLnBrk="1" latinLnBrk="0" hangingPunct="1">
+        <a:lnSpc>
+          <a:spcPct val="90000"/>
+        </a:lnSpc>
+        <a:spcBef>
+          <a:spcPts val="605"/>
+        </a:spcBef>
+        <a:buFont typeface="Arial" panose="020B0604020202020204" pitchFamily="34" charset="0"/>
+        <a:buChar char="•"/>
+        <a:defRPr sz="2177" kern="1200">
+          <a:solidFill>
+            <a:schemeClr val="tx1"/>
+          </a:solidFill>
+          <a:latin typeface="+mn-lt"/>
+          <a:ea typeface="+mn-ea"/>
+          <a:cs typeface="+mn-cs"/>
+        </a:defRPr>
+      </a:lvl5pPr>
+      <a:lvl6pPr marL="3041157" indent="-276469" algn="l" defTabSz="1105875" rtl="0" eaLnBrk="1" latinLnBrk="0" hangingPunct="1">
+        <a:lnSpc>
+          <a:spcPct val="90000"/>
+        </a:lnSpc>
+        <a:spcBef>
+          <a:spcPts val="605"/>
+        </a:spcBef>
+        <a:buFont typeface="Arial" panose="020B0604020202020204" pitchFamily="34" charset="0"/>
+        <a:buChar char="•"/>
+        <a:defRPr sz="2177" kern="1200">
+          <a:solidFill>
+            <a:schemeClr val="tx1"/>
+          </a:solidFill>
+          <a:latin typeface="+mn-lt"/>
+          <a:ea typeface="+mn-ea"/>
+          <a:cs typeface="+mn-cs"/>
+        </a:defRPr>
+      </a:lvl6pPr>
+      <a:lvl7pPr marL="3594095" indent="-276469" algn="l" defTabSz="1105875" rtl="0" eaLnBrk="1" latinLnBrk="0" hangingPunct="1">
+        <a:lnSpc>
+          <a:spcPct val="90000"/>
+        </a:lnSpc>
+        <a:spcBef>
+          <a:spcPts val="605"/>
+        </a:spcBef>
+        <a:buFont typeface="Arial" panose="020B0604020202020204" pitchFamily="34" charset="0"/>
+        <a:buChar char="•"/>
+        <a:defRPr sz="2177" kern="1200">
+          <a:solidFill>
+            <a:schemeClr val="tx1"/>
+          </a:solidFill>
+          <a:latin typeface="+mn-lt"/>
+          <a:ea typeface="+mn-ea"/>
+          <a:cs typeface="+mn-cs"/>
+        </a:defRPr>
+      </a:lvl7pPr>
+      <a:lvl8pPr marL="4147033" indent="-276469" algn="l" defTabSz="1105875" rtl="0" eaLnBrk="1" latinLnBrk="0" hangingPunct="1">
+        <a:lnSpc>
+          <a:spcPct val="90000"/>
+        </a:lnSpc>
+        <a:spcBef>
+          <a:spcPts val="605"/>
+        </a:spcBef>
+        <a:buFont typeface="Arial" panose="020B0604020202020204" pitchFamily="34" charset="0"/>
+        <a:buChar char="•"/>
+        <a:defRPr sz="2177" kern="1200">
+          <a:solidFill>
+            <a:schemeClr val="tx1"/>
+          </a:solidFill>
+          <a:latin typeface="+mn-lt"/>
+          <a:ea typeface="+mn-ea"/>
+          <a:cs typeface="+mn-cs"/>
+        </a:defRPr>
+      </a:lvl8pPr>
+      <a:lvl9pPr marL="4699970" indent="-276469" algn="l" defTabSz="1105875" rtl="0" eaLnBrk="1" latinLnBrk="0" hangingPunct="1">
+        <a:lnSpc>
+          <a:spcPct val="90000"/>
+        </a:lnSpc>
+        <a:spcBef>
+          <a:spcPts val="605"/>
+        </a:spcBef>
+        <a:buFont typeface="Arial" panose="020B0604020202020204" pitchFamily="34" charset="0"/>
+        <a:buChar char="•"/>
+        <a:defRPr sz="2177" kern="1200">
+          <a:solidFill>
+            <a:schemeClr val="tx1"/>
+          </a:solidFill>
+          <a:latin typeface="+mn-lt"/>
+          <a:ea typeface="+mn-ea"/>
+          <a:cs typeface="+mn-cs"/>
+        </a:defRPr>
+      </a:lvl9pPr>
+    </p:bodyStyle>
+    <p:otherStyle>
+      <a:defPPr>
+        <a:defRPr lang="fr-FR"/>
+      </a:defPPr>
+      <a:lvl1pPr marL="0" algn="l" defTabSz="1105875" rtl="0" eaLnBrk="1" latinLnBrk="0" hangingPunct="1">
+        <a:defRPr sz="2177" kern="1200">
+          <a:solidFill>
+            <a:schemeClr val="tx1"/>
+          </a:solidFill>
+          <a:latin typeface="+mn-lt"/>
+          <a:ea typeface="+mn-ea"/>
+          <a:cs typeface="+mn-cs"/>
+        </a:defRPr>
+      </a:lvl1pPr>
+      <a:lvl2pPr marL="552938" algn="l" defTabSz="1105875" rtl="0" eaLnBrk="1" latinLnBrk="0" hangingPunct="1">
+        <a:defRPr sz="2177" kern="1200">
+          <a:solidFill>
+            <a:schemeClr val="tx1"/>
+          </a:solidFill>
+          <a:latin typeface="+mn-lt"/>
+          <a:ea typeface="+mn-ea"/>
+          <a:cs typeface="+mn-cs"/>
+        </a:defRPr>
+      </a:lvl2pPr>
+      <a:lvl3pPr marL="1105875" algn="l" defTabSz="1105875" rtl="0" eaLnBrk="1" latinLnBrk="0" hangingPunct="1">
+        <a:defRPr sz="2177" kern="1200">
+          <a:solidFill>
+            <a:schemeClr val="tx1"/>
+          </a:solidFill>
+          <a:latin typeface="+mn-lt"/>
+          <a:ea typeface="+mn-ea"/>
+          <a:cs typeface="+mn-cs"/>
+        </a:defRPr>
+      </a:lvl3pPr>
+      <a:lvl4pPr marL="1658813" algn="l" defTabSz="1105875" rtl="0" eaLnBrk="1" latinLnBrk="0" hangingPunct="1">
+        <a:defRPr sz="2177" kern="1200">
+          <a:solidFill>
+            <a:schemeClr val="tx1"/>
+          </a:solidFill>
+          <a:latin typeface="+mn-lt"/>
+          <a:ea typeface="+mn-ea"/>
+          <a:cs typeface="+mn-cs"/>
+        </a:defRPr>
+      </a:lvl4pPr>
+      <a:lvl5pPr marL="2211751" algn="l" defTabSz="1105875" rtl="0" eaLnBrk="1" latinLnBrk="0" hangingPunct="1">
+        <a:defRPr sz="2177" kern="1200">
+          <a:solidFill>
+            <a:schemeClr val="tx1"/>
+          </a:solidFill>
+          <a:latin typeface="+mn-lt"/>
+          <a:ea typeface="+mn-ea"/>
+          <a:cs typeface="+mn-cs"/>
+        </a:defRPr>
+      </a:lvl5pPr>
+      <a:lvl6pPr marL="2764688" algn="l" defTabSz="1105875" rtl="0" eaLnBrk="1" latinLnBrk="0" hangingPunct="1">
+        <a:defRPr sz="2177" kern="1200">
+          <a:solidFill>
+            <a:schemeClr val="tx1"/>
+          </a:solidFill>
+          <a:latin typeface="+mn-lt"/>
+          <a:ea typeface="+mn-ea"/>
+          <a:cs typeface="+mn-cs"/>
+        </a:defRPr>
+      </a:lvl6pPr>
+      <a:lvl7pPr marL="3317626" algn="l" defTabSz="1105875" rtl="0" eaLnBrk="1" latinLnBrk="0" hangingPunct="1">
+        <a:defRPr sz="2177" kern="1200">
+          <a:solidFill>
+            <a:schemeClr val="tx1"/>
+          </a:solidFill>
+          <a:latin typeface="+mn-lt"/>
+          <a:ea typeface="+mn-ea"/>
+          <a:cs typeface="+mn-cs"/>
+        </a:defRPr>
+      </a:lvl7pPr>
+      <a:lvl8pPr marL="3870564" algn="l" defTabSz="1105875" rtl="0" eaLnBrk="1" latinLnBrk="0" hangingPunct="1">
+        <a:defRPr sz="2177" kern="1200">
+          <a:solidFill>
+            <a:schemeClr val="tx1"/>
+          </a:solidFill>
+          <a:latin typeface="+mn-lt"/>
+          <a:ea typeface="+mn-ea"/>
+          <a:cs typeface="+mn-cs"/>
+        </a:defRPr>
+      </a:lvl8pPr>
+      <a:lvl9pPr marL="4423501" algn="l" defTabSz="1105875" rtl="0" eaLnBrk="1" latinLnBrk="0" hangingPunct="1">
+        <a:defRPr sz="2177" kern="1200">
+          <a:solidFill>
+            <a:schemeClr val="tx1"/>
+          </a:solidFill>
+          <a:latin typeface="+mn-lt"/>
+          <a:ea typeface="+mn-ea"/>
+          <a:cs typeface="+mn-cs"/>
+        </a:defRPr>
+      </a:lvl9pPr>
+    </p:otherStyle>
+  </p:txStyles>
+</p:sldMaster>
+</file>
+
 <file path=ppt/slides/slide1.xml><?xml version="1.0" encoding="utf-8"?>
 <p:sld xmlns:a="http://schemas.openxmlformats.org/drawingml/2006/main" xmlns:r="http://schemas.openxmlformats.org/officeDocument/2006/relationships" xmlns:p="http://schemas.openxmlformats.org/presentationml/2006/main">
   <p:cSld>
@@ -3359,1462 +5487,89 @@
       </p:grpSpPr>
       <p:sp>
         <p:nvSpPr>
-          <p:cNvPr id="3" name="Sous-titre 2">
-            <a:extLst>
-              <a:ext uri="{FF2B5EF4-FFF2-40B4-BE49-F238E27FC236}">
-                <a16:creationId xmlns:a16="http://schemas.microsoft.com/office/drawing/2014/main" id="{CE3D2847-5686-4370-B044-215B053D395E}"/>
-              </a:ext>
-            </a:extLst>
-          </p:cNvPr>
-          <p:cNvSpPr>
-            <a:spLocks noGrp="1"/>
-          </p:cNvSpPr>
-          <p:nvPr>
-            <p:ph type="subTitle" idx="1"/>
-          </p:nvPr>
-        </p:nvSpPr>
-        <p:spPr>
-          <a:xfrm>
-            <a:off x="1086678" y="448020"/>
-            <a:ext cx="9144000" cy="1655762"/>
-          </a:xfrm>
-        </p:spPr>
-        <p:txBody>
-          <a:bodyPr/>
-          <a:lstStyle/>
-          <a:p>
-            <a:pPr algn="l"/>
-            <a:r>
-              <a:rPr lang="fr-BE" dirty="0"/>
-              <a:t>Simulation: </a:t>
-            </a:r>
-          </a:p>
-        </p:txBody>
-      </p:sp>
-      <p:sp>
-        <p:nvSpPr>
-          <p:cNvPr id="6" name="ZoneTexte 5">
-            <a:extLst>
-              <a:ext uri="{FF2B5EF4-FFF2-40B4-BE49-F238E27FC236}">
-                <a16:creationId xmlns:a16="http://schemas.microsoft.com/office/drawing/2014/main" id="{80987940-8221-47FD-99AD-10C4B8273C85}"/>
-              </a:ext>
-            </a:extLst>
-          </p:cNvPr>
+          <p:cNvPr id="41" name="TextShape 1"/>
           <p:cNvSpPr txBox="1"/>
           <p:nvPr/>
         </p:nvSpPr>
         <p:spPr>
           <a:xfrm>
-            <a:off x="50061" y="1964224"/>
-            <a:ext cx="1232453" cy="369332"/>
+            <a:off x="609755" y="273422"/>
+            <a:ext cx="10971300" cy="1144631"/>
           </a:xfrm>
           <a:prstGeom prst="rect">
             <a:avLst/>
           </a:prstGeom>
           <a:noFill/>
-        </p:spPr>
-        <p:txBody>
-          <a:bodyPr wrap="square" rtlCol="0">
-            <a:spAutoFit/>
+          <a:ln>
+            <a:noFill/>
+          </a:ln>
+        </p:spPr>
+        <p:txBody>
+          <a:bodyPr lIns="0" tIns="0" rIns="0" bIns="0" anchor="ctr">
+            <a:noAutofit/>
           </a:bodyPr>
           <a:lstStyle/>
           <a:p>
-            <a:pPr marL="0" marR="0" lvl="0" indent="0" algn="l" defTabSz="914400" rtl="0" eaLnBrk="1" fontAlgn="auto" latinLnBrk="0" hangingPunct="1">
-              <a:lnSpc>
-                <a:spcPct val="100000"/>
-              </a:lnSpc>
-              <a:spcBef>
-                <a:spcPts val="0"/>
-              </a:spcBef>
-              <a:spcAft>
-                <a:spcPts val="0"/>
-              </a:spcAft>
-              <a:buClrTx/>
-              <a:buSzTx/>
-              <a:buFontTx/>
-              <a:buNone/>
-              <a:tabLst/>
-              <a:defRPr/>
-            </a:pPr>
-            <a:r>
-              <a:rPr kumimoji="0" lang="fr-BE" sz="1800" b="0" i="0" u="none" strike="noStrike" kern="1200" cap="none" spc="0" normalizeH="0" baseline="0" noProof="0" dirty="0">
-                <a:ln>
-                  <a:noFill/>
-                </a:ln>
+            <a:pPr algn="ctr" defTabSz="1105875"/>
+            <a:r>
+              <a:rPr lang="fr-FR" sz="5321" spc="-1">
                 <a:solidFill>
                   <a:prstClr val="black"/>
                 </a:solidFill>
-                <a:effectLst/>
-                <a:uLnTx/>
-                <a:uFillTx/>
-                <a:latin typeface="Calibri" panose="020F0502020204030204"/>
-                <a:ea typeface="+mn-ea"/>
-                <a:cs typeface="+mn-cs"/>
+                <a:latin typeface="Arial"/>
               </a:rPr>
-              <a:t>FX</a:t>
-            </a:r>
-          </a:p>
-        </p:txBody>
-      </p:sp>
-      <p:cxnSp>
-        <p:nvCxnSpPr>
-          <p:cNvPr id="7" name="Connecteur droit avec flèche 6">
-            <a:extLst>
-              <a:ext uri="{FF2B5EF4-FFF2-40B4-BE49-F238E27FC236}">
-                <a16:creationId xmlns:a16="http://schemas.microsoft.com/office/drawing/2014/main" id="{7943E075-84C7-471D-9080-9E4801EB95FA}"/>
-              </a:ext>
-            </a:extLst>
-          </p:cNvPr>
-          <p:cNvCxnSpPr/>
+              <a:t>Realité vs simu</a:t>
+            </a:r>
+          </a:p>
+        </p:txBody>
+      </p:sp>
+      <p:pic>
+        <p:nvPicPr>
+          <p:cNvPr id="42" name="Image 41"/>
+          <p:cNvPicPr/>
           <p:nvPr/>
-        </p:nvCxnSpPr>
-        <p:spPr>
-          <a:xfrm flipV="1">
-            <a:off x="666288" y="1552542"/>
-            <a:ext cx="914400" cy="596348"/>
-          </a:xfrm>
-          <a:prstGeom prst="straightConnector1">
+        </p:nvPicPr>
+        <p:blipFill>
+          <a:blip r:embed="rId2"/>
+          <a:stretch/>
+        </p:blipFill>
+        <p:spPr>
+          <a:xfrm>
+            <a:off x="174368" y="1567391"/>
+            <a:ext cx="6633982" cy="4422219"/>
+          </a:xfrm>
+          <a:prstGeom prst="rect">
             <a:avLst/>
           </a:prstGeom>
           <a:ln>
-            <a:tailEnd type="triangle"/>
+            <a:noFill/>
           </a:ln>
         </p:spPr>
-        <p:style>
-          <a:lnRef idx="1">
-            <a:schemeClr val="dk1"/>
-          </a:lnRef>
-          <a:fillRef idx="0">
-            <a:schemeClr val="dk1"/>
-          </a:fillRef>
-          <a:effectRef idx="0">
-            <a:schemeClr val="dk1"/>
-          </a:effectRef>
-          <a:fontRef idx="minor">
-            <a:schemeClr val="tx1"/>
-          </a:fontRef>
-        </p:style>
-      </p:cxnSp>
-      <p:cxnSp>
-        <p:nvCxnSpPr>
-          <p:cNvPr id="8" name="Connecteur droit avec flèche 7">
-            <a:extLst>
-              <a:ext uri="{FF2B5EF4-FFF2-40B4-BE49-F238E27FC236}">
-                <a16:creationId xmlns:a16="http://schemas.microsoft.com/office/drawing/2014/main" id="{B38A925D-6F43-47D5-8FDE-0FD2F6C35D52}"/>
-              </a:ext>
-            </a:extLst>
-          </p:cNvPr>
-          <p:cNvCxnSpPr>
-            <a:cxnSpLocks/>
-          </p:cNvCxnSpPr>
+      </p:pic>
+      <p:pic>
+        <p:nvPicPr>
+          <p:cNvPr id="43" name="Image 42"/>
+          <p:cNvPicPr/>
           <p:nvPr/>
-        </p:nvCxnSpPr>
-        <p:spPr>
-          <a:xfrm>
-            <a:off x="666288" y="2142265"/>
-            <a:ext cx="914400" cy="548236"/>
-          </a:xfrm>
-          <a:prstGeom prst="straightConnector1">
+        </p:nvPicPr>
+        <p:blipFill>
+          <a:blip r:embed="rId3"/>
+          <a:stretch/>
+        </p:blipFill>
+        <p:spPr>
+          <a:xfrm>
+            <a:off x="6186619" y="1721082"/>
+            <a:ext cx="5743181" cy="4268528"/>
+          </a:xfrm>
+          <a:prstGeom prst="rect">
             <a:avLst/>
           </a:prstGeom>
           <a:ln>
-            <a:tailEnd type="triangle"/>
+            <a:noFill/>
           </a:ln>
         </p:spPr>
-        <p:style>
-          <a:lnRef idx="1">
-            <a:schemeClr val="dk1"/>
-          </a:lnRef>
-          <a:fillRef idx="0">
-            <a:schemeClr val="dk1"/>
-          </a:fillRef>
-          <a:effectRef idx="0">
-            <a:schemeClr val="dk1"/>
-          </a:effectRef>
-          <a:fontRef idx="minor">
-            <a:schemeClr val="tx1"/>
-          </a:fontRef>
-        </p:style>
-      </p:cxnSp>
-      <p:sp>
-        <p:nvSpPr>
-          <p:cNvPr id="9" name="ZoneTexte 8">
-            <a:extLst>
-              <a:ext uri="{FF2B5EF4-FFF2-40B4-BE49-F238E27FC236}">
-                <a16:creationId xmlns:a16="http://schemas.microsoft.com/office/drawing/2014/main" id="{B112E93D-54A3-43A1-80FE-803A63F15197}"/>
-              </a:ext>
-            </a:extLst>
-          </p:cNvPr>
-          <p:cNvSpPr txBox="1"/>
-          <p:nvPr/>
-        </p:nvSpPr>
-        <p:spPr>
-          <a:xfrm>
-            <a:off x="1858983" y="1234490"/>
-            <a:ext cx="1789044" cy="646331"/>
-          </a:xfrm>
-          <a:prstGeom prst="rect">
-            <a:avLst/>
-          </a:prstGeom>
-          <a:noFill/>
-        </p:spPr>
-        <p:txBody>
-          <a:bodyPr wrap="square" rtlCol="0">
-            <a:spAutoFit/>
-          </a:bodyPr>
-          <a:lstStyle/>
-          <a:p>
-            <a:pPr marL="285750" marR="0" lvl="0" indent="-285750" algn="l" defTabSz="914400" rtl="0" eaLnBrk="1" fontAlgn="auto" latinLnBrk="0" hangingPunct="1">
-              <a:lnSpc>
-                <a:spcPct val="100000"/>
-              </a:lnSpc>
-              <a:spcBef>
-                <a:spcPts val="0"/>
-              </a:spcBef>
-              <a:spcAft>
-                <a:spcPts val="0"/>
-              </a:spcAft>
-              <a:buClrTx/>
-              <a:buSzTx/>
-              <a:buFont typeface="Arial" panose="020B0604020202020204" pitchFamily="34" charset="0"/>
-              <a:buChar char="•"/>
-              <a:tabLst/>
-              <a:defRPr/>
-            </a:pPr>
-            <a:r>
-              <a:rPr kumimoji="0" lang="fr-BE" sz="1800" b="0" i="0" u="none" strike="noStrike" kern="1200" cap="none" spc="0" normalizeH="0" baseline="0" noProof="0" dirty="0">
-                <a:ln>
-                  <a:noFill/>
-                </a:ln>
-                <a:solidFill>
-                  <a:prstClr val="black"/>
-                </a:solidFill>
-                <a:effectLst/>
-                <a:uLnTx/>
-                <a:uFillTx/>
-                <a:latin typeface="Calibri" panose="020F0502020204030204"/>
-                <a:ea typeface="+mn-ea"/>
-                <a:cs typeface="+mn-cs"/>
-              </a:rPr>
-              <a:t>Position</a:t>
-            </a:r>
-          </a:p>
-          <a:p>
-            <a:pPr marL="285750" marR="0" lvl="0" indent="-285750" algn="l" defTabSz="914400" rtl="0" eaLnBrk="1" fontAlgn="auto" latinLnBrk="0" hangingPunct="1">
-              <a:lnSpc>
-                <a:spcPct val="100000"/>
-              </a:lnSpc>
-              <a:spcBef>
-                <a:spcPts val="0"/>
-              </a:spcBef>
-              <a:spcAft>
-                <a:spcPts val="0"/>
-              </a:spcAft>
-              <a:buClrTx/>
-              <a:buSzTx/>
-              <a:buFont typeface="Arial" panose="020B0604020202020204" pitchFamily="34" charset="0"/>
-              <a:buChar char="•"/>
-              <a:tabLst/>
-              <a:defRPr/>
-            </a:pPr>
-            <a:r>
-              <a:rPr kumimoji="0" lang="fr-BE" sz="1800" b="0" i="0" u="none" strike="noStrike" kern="1200" cap="none" spc="0" normalizeH="0" baseline="0" noProof="0" dirty="0">
-                <a:ln>
-                  <a:noFill/>
-                </a:ln>
-                <a:solidFill>
-                  <a:prstClr val="black"/>
-                </a:solidFill>
-                <a:effectLst/>
-                <a:uLnTx/>
-                <a:uFillTx/>
-                <a:latin typeface="Calibri" panose="020F0502020204030204"/>
-                <a:ea typeface="+mn-ea"/>
-                <a:cs typeface="+mn-cs"/>
-              </a:rPr>
-              <a:t>Vitesse</a:t>
-            </a:r>
-          </a:p>
-        </p:txBody>
-      </p:sp>
-      <p:sp>
-        <p:nvSpPr>
-          <p:cNvPr id="10" name="ZoneTexte 9">
-            <a:extLst>
-              <a:ext uri="{FF2B5EF4-FFF2-40B4-BE49-F238E27FC236}">
-                <a16:creationId xmlns:a16="http://schemas.microsoft.com/office/drawing/2014/main" id="{7E983EB5-CE1E-4AC3-8D01-463BABF1222D}"/>
-              </a:ext>
-            </a:extLst>
-          </p:cNvPr>
-          <p:cNvSpPr txBox="1"/>
-          <p:nvPr/>
-        </p:nvSpPr>
-        <p:spPr>
-          <a:xfrm>
-            <a:off x="1858983" y="2505835"/>
-            <a:ext cx="1497496" cy="369332"/>
-          </a:xfrm>
-          <a:prstGeom prst="rect">
-            <a:avLst/>
-          </a:prstGeom>
-          <a:noFill/>
-        </p:spPr>
-        <p:txBody>
-          <a:bodyPr wrap="square" rtlCol="0">
-            <a:spAutoFit/>
-          </a:bodyPr>
-          <a:lstStyle/>
-          <a:p>
-            <a:pPr marL="285750" marR="0" lvl="0" indent="-285750" algn="l" defTabSz="914400" rtl="0" eaLnBrk="1" fontAlgn="auto" latinLnBrk="0" hangingPunct="1">
-              <a:lnSpc>
-                <a:spcPct val="100000"/>
-              </a:lnSpc>
-              <a:spcBef>
-                <a:spcPts val="0"/>
-              </a:spcBef>
-              <a:spcAft>
-                <a:spcPts val="0"/>
-              </a:spcAft>
-              <a:buClrTx/>
-              <a:buSzTx/>
-              <a:buFont typeface="Arial" panose="020B0604020202020204" pitchFamily="34" charset="0"/>
-              <a:buChar char="•"/>
-              <a:tabLst/>
-              <a:defRPr/>
-            </a:pPr>
-            <a:r>
-              <a:rPr kumimoji="0" lang="fr-BE" sz="1800" b="0" i="0" u="none" strike="noStrike" kern="1200" cap="none" spc="0" normalizeH="0" baseline="0" noProof="0" dirty="0">
-                <a:ln>
-                  <a:noFill/>
-                </a:ln>
-                <a:solidFill>
-                  <a:prstClr val="black"/>
-                </a:solidFill>
-                <a:effectLst/>
-                <a:uLnTx/>
-                <a:uFillTx/>
-                <a:latin typeface="Calibri" panose="020F0502020204030204"/>
-                <a:ea typeface="+mn-ea"/>
-                <a:cs typeface="+mn-cs"/>
-              </a:rPr>
-              <a:t>Frames</a:t>
-            </a:r>
-          </a:p>
-        </p:txBody>
-      </p:sp>
-      <p:sp>
-        <p:nvSpPr>
-          <p:cNvPr id="11" name="ZoneTexte 10">
-            <a:extLst>
-              <a:ext uri="{FF2B5EF4-FFF2-40B4-BE49-F238E27FC236}">
-                <a16:creationId xmlns:a16="http://schemas.microsoft.com/office/drawing/2014/main" id="{02821260-4DAF-468F-8294-81BD9A07BA2E}"/>
-              </a:ext>
-            </a:extLst>
-          </p:cNvPr>
-          <p:cNvSpPr txBox="1"/>
-          <p:nvPr/>
-        </p:nvSpPr>
-        <p:spPr>
-          <a:xfrm rot="19718952">
-            <a:off x="595919" y="1426206"/>
-            <a:ext cx="881948" cy="369332"/>
-          </a:xfrm>
-          <a:prstGeom prst="rect">
-            <a:avLst/>
-          </a:prstGeom>
-          <a:noFill/>
-        </p:spPr>
-        <p:txBody>
-          <a:bodyPr wrap="square" rtlCol="0">
-            <a:spAutoFit/>
-          </a:bodyPr>
-          <a:lstStyle/>
-          <a:p>
-            <a:pPr marL="0" marR="0" lvl="0" indent="0" algn="l" defTabSz="914400" rtl="0" eaLnBrk="1" fontAlgn="auto" latinLnBrk="0" hangingPunct="1">
-              <a:lnSpc>
-                <a:spcPct val="100000"/>
-              </a:lnSpc>
-              <a:spcBef>
-                <a:spcPts val="0"/>
-              </a:spcBef>
-              <a:spcAft>
-                <a:spcPts val="0"/>
-              </a:spcAft>
-              <a:buClrTx/>
-              <a:buSzTx/>
-              <a:buFontTx/>
-              <a:buNone/>
-              <a:tabLst/>
-              <a:defRPr/>
-            </a:pPr>
-            <a:r>
-              <a:rPr kumimoji="0" lang="fr-BE" sz="1800" b="0" i="0" u="none" strike="noStrike" kern="1200" cap="none" spc="0" normalizeH="0" baseline="0" noProof="0" dirty="0">
-                <a:ln>
-                  <a:noFill/>
-                </a:ln>
-                <a:solidFill>
-                  <a:prstClr val="black"/>
-                </a:solidFill>
-                <a:effectLst/>
-                <a:uLnTx/>
-                <a:uFillTx/>
-                <a:latin typeface="Calibri" panose="020F0502020204030204"/>
-                <a:ea typeface="+mn-ea"/>
-                <a:cs typeface="+mn-cs"/>
-              </a:rPr>
-              <a:t>radar</a:t>
-            </a:r>
-          </a:p>
-        </p:txBody>
-      </p:sp>
-      <p:sp>
-        <p:nvSpPr>
-          <p:cNvPr id="12" name="ZoneTexte 11">
-            <a:extLst>
-              <a:ext uri="{FF2B5EF4-FFF2-40B4-BE49-F238E27FC236}">
-                <a16:creationId xmlns:a16="http://schemas.microsoft.com/office/drawing/2014/main" id="{E345AF9C-F54D-4F3A-BBE9-ADAF4B62240B}"/>
-              </a:ext>
-            </a:extLst>
-          </p:cNvPr>
-          <p:cNvSpPr txBox="1"/>
-          <p:nvPr/>
-        </p:nvSpPr>
-        <p:spPr>
-          <a:xfrm rot="2010561">
-            <a:off x="618871" y="2403061"/>
-            <a:ext cx="914400" cy="369332"/>
-          </a:xfrm>
-          <a:prstGeom prst="rect">
-            <a:avLst/>
-          </a:prstGeom>
-          <a:noFill/>
-        </p:spPr>
-        <p:txBody>
-          <a:bodyPr wrap="square" rtlCol="0">
-            <a:spAutoFit/>
-          </a:bodyPr>
-          <a:lstStyle/>
-          <a:p>
-            <a:pPr marL="0" marR="0" lvl="0" indent="0" algn="l" defTabSz="914400" rtl="0" eaLnBrk="1" fontAlgn="auto" latinLnBrk="0" hangingPunct="1">
-              <a:lnSpc>
-                <a:spcPct val="100000"/>
-              </a:lnSpc>
-              <a:spcBef>
-                <a:spcPts val="0"/>
-              </a:spcBef>
-              <a:spcAft>
-                <a:spcPts val="0"/>
-              </a:spcAft>
-              <a:buClrTx/>
-              <a:buSzTx/>
-              <a:buFontTx/>
-              <a:buNone/>
-              <a:tabLst/>
-              <a:defRPr/>
-            </a:pPr>
-            <a:r>
-              <a:rPr kumimoji="0" lang="fr-BE" sz="1800" b="0" i="0" u="none" strike="noStrike" kern="1200" cap="none" spc="0" normalizeH="0" baseline="0" noProof="0" dirty="0">
-                <a:ln>
-                  <a:noFill/>
-                </a:ln>
-                <a:solidFill>
-                  <a:prstClr val="black"/>
-                </a:solidFill>
-                <a:effectLst/>
-                <a:uLnTx/>
-                <a:uFillTx/>
-                <a:latin typeface="Calibri" panose="020F0502020204030204"/>
-                <a:ea typeface="+mn-ea"/>
-                <a:cs typeface="+mn-cs"/>
-              </a:rPr>
-              <a:t>caméra</a:t>
-            </a:r>
-          </a:p>
-        </p:txBody>
-      </p:sp>
-      <p:cxnSp>
-        <p:nvCxnSpPr>
-          <p:cNvPr id="13" name="Connecteur droit avec flèche 12">
-            <a:extLst>
-              <a:ext uri="{FF2B5EF4-FFF2-40B4-BE49-F238E27FC236}">
-                <a16:creationId xmlns:a16="http://schemas.microsoft.com/office/drawing/2014/main" id="{63F0E5E1-1487-46CD-B5FD-CEF63A48B13D}"/>
-              </a:ext>
-            </a:extLst>
-          </p:cNvPr>
-          <p:cNvCxnSpPr>
-            <a:cxnSpLocks/>
-          </p:cNvCxnSpPr>
-          <p:nvPr/>
-        </p:nvCxnSpPr>
-        <p:spPr>
-          <a:xfrm>
-            <a:off x="3276966" y="1439469"/>
-            <a:ext cx="1364974" cy="7669"/>
-          </a:xfrm>
-          <a:prstGeom prst="straightConnector1">
-            <a:avLst/>
-          </a:prstGeom>
-          <a:ln>
-            <a:tailEnd type="triangle"/>
-          </a:ln>
-        </p:spPr>
-        <p:style>
-          <a:lnRef idx="1">
-            <a:schemeClr val="dk1"/>
-          </a:lnRef>
-          <a:fillRef idx="0">
-            <a:schemeClr val="dk1"/>
-          </a:fillRef>
-          <a:effectRef idx="0">
-            <a:schemeClr val="dk1"/>
-          </a:effectRef>
-          <a:fontRef idx="minor">
-            <a:schemeClr val="tx1"/>
-          </a:fontRef>
-        </p:style>
-      </p:cxnSp>
-      <p:cxnSp>
-        <p:nvCxnSpPr>
-          <p:cNvPr id="14" name="Connecteur droit avec flèche 13">
-            <a:extLst>
-              <a:ext uri="{FF2B5EF4-FFF2-40B4-BE49-F238E27FC236}">
-                <a16:creationId xmlns:a16="http://schemas.microsoft.com/office/drawing/2014/main" id="{882DE9D5-E3B4-41DB-9FDA-0774CF5B1DE2}"/>
-              </a:ext>
-            </a:extLst>
-          </p:cNvPr>
-          <p:cNvCxnSpPr/>
-          <p:nvPr/>
-        </p:nvCxnSpPr>
-        <p:spPr>
-          <a:xfrm>
-            <a:off x="3356479" y="2695398"/>
-            <a:ext cx="1364974" cy="0"/>
-          </a:xfrm>
-          <a:prstGeom prst="straightConnector1">
-            <a:avLst/>
-          </a:prstGeom>
-          <a:ln>
-            <a:tailEnd type="triangle"/>
-          </a:ln>
-        </p:spPr>
-        <p:style>
-          <a:lnRef idx="1">
-            <a:schemeClr val="dk1"/>
-          </a:lnRef>
-          <a:fillRef idx="0">
-            <a:schemeClr val="dk1"/>
-          </a:fillRef>
-          <a:effectRef idx="0">
-            <a:schemeClr val="dk1"/>
-          </a:effectRef>
-          <a:fontRef idx="minor">
-            <a:schemeClr val="tx1"/>
-          </a:fontRef>
-        </p:style>
-      </p:cxnSp>
-      <p:sp>
-        <p:nvSpPr>
-          <p:cNvPr id="15" name="ZoneTexte 14">
-            <a:extLst>
-              <a:ext uri="{FF2B5EF4-FFF2-40B4-BE49-F238E27FC236}">
-                <a16:creationId xmlns:a16="http://schemas.microsoft.com/office/drawing/2014/main" id="{FD04AA5F-6401-4DAA-BB2A-A403FF7D1FA2}"/>
-              </a:ext>
-            </a:extLst>
-          </p:cNvPr>
-          <p:cNvSpPr txBox="1"/>
-          <p:nvPr/>
-        </p:nvSpPr>
-        <p:spPr>
-          <a:xfrm>
-            <a:off x="3098062" y="1039073"/>
-            <a:ext cx="2014331" cy="369332"/>
-          </a:xfrm>
-          <a:prstGeom prst="rect">
-            <a:avLst/>
-          </a:prstGeom>
-          <a:noFill/>
-        </p:spPr>
-        <p:txBody>
-          <a:bodyPr wrap="square" rtlCol="0">
-            <a:spAutoFit/>
-          </a:bodyPr>
-          <a:lstStyle/>
-          <a:p>
-            <a:pPr marL="0" marR="0" lvl="0" indent="0" algn="l" defTabSz="914400" rtl="0" eaLnBrk="1" fontAlgn="auto" latinLnBrk="0" hangingPunct="1">
-              <a:lnSpc>
-                <a:spcPct val="100000"/>
-              </a:lnSpc>
-              <a:spcBef>
-                <a:spcPts val="0"/>
-              </a:spcBef>
-              <a:spcAft>
-                <a:spcPts val="0"/>
-              </a:spcAft>
-              <a:buClrTx/>
-              <a:buSzTx/>
-              <a:buFontTx/>
-              <a:buNone/>
-              <a:tabLst/>
-              <a:defRPr/>
-            </a:pPr>
-            <a:r>
-              <a:rPr lang="fr-BE" dirty="0">
-                <a:solidFill>
-                  <a:prstClr val="black"/>
-                </a:solidFill>
-                <a:latin typeface="Calibri" panose="020F0502020204030204"/>
-              </a:rPr>
-              <a:t>Coord. Sphériques</a:t>
-            </a:r>
-            <a:endParaRPr kumimoji="0" lang="fr-BE" sz="1800" b="0" i="0" u="none" strike="noStrike" kern="1200" cap="none" spc="0" normalizeH="0" baseline="0" noProof="0" dirty="0">
-              <a:ln>
-                <a:noFill/>
-              </a:ln>
-              <a:solidFill>
-                <a:prstClr val="black"/>
-              </a:solidFill>
-              <a:effectLst/>
-              <a:uLnTx/>
-              <a:uFillTx/>
-              <a:latin typeface="Calibri" panose="020F0502020204030204"/>
-              <a:ea typeface="+mn-ea"/>
-              <a:cs typeface="+mn-cs"/>
-            </a:endParaRPr>
-          </a:p>
-        </p:txBody>
-      </p:sp>
-      <p:sp>
-        <p:nvSpPr>
-          <p:cNvPr id="16" name="ZoneTexte 15">
-            <a:extLst>
-              <a:ext uri="{FF2B5EF4-FFF2-40B4-BE49-F238E27FC236}">
-                <a16:creationId xmlns:a16="http://schemas.microsoft.com/office/drawing/2014/main" id="{A59C8642-C5A6-4CC0-BFD5-3D13E1079552}"/>
-              </a:ext>
-            </a:extLst>
-          </p:cNvPr>
-          <p:cNvSpPr txBox="1"/>
-          <p:nvPr/>
-        </p:nvSpPr>
-        <p:spPr>
-          <a:xfrm>
-            <a:off x="5019626" y="1223739"/>
-            <a:ext cx="1681267" cy="369332"/>
-          </a:xfrm>
-          <a:prstGeom prst="rect">
-            <a:avLst/>
-          </a:prstGeom>
-          <a:noFill/>
-        </p:spPr>
-        <p:txBody>
-          <a:bodyPr wrap="square" rtlCol="0">
-            <a:spAutoFit/>
-          </a:bodyPr>
-          <a:lstStyle/>
-          <a:p>
-            <a:r>
-              <a:rPr lang="fr-BE" dirty="0"/>
-              <a:t>d, </a:t>
-            </a:r>
-            <a:r>
-              <a:rPr lang="fr-BE" dirty="0" err="1"/>
-              <a:t>theta</a:t>
-            </a:r>
-            <a:r>
-              <a:rPr lang="fr-BE" dirty="0"/>
-              <a:t>, phi</a:t>
-            </a:r>
-          </a:p>
-        </p:txBody>
-      </p:sp>
-      <p:cxnSp>
-        <p:nvCxnSpPr>
-          <p:cNvPr id="17" name="Connecteur droit avec flèche 16">
-            <a:extLst>
-              <a:ext uri="{FF2B5EF4-FFF2-40B4-BE49-F238E27FC236}">
-                <a16:creationId xmlns:a16="http://schemas.microsoft.com/office/drawing/2014/main" id="{0E487C4F-6B67-4874-BE6B-31AE2CB44B92}"/>
-              </a:ext>
-            </a:extLst>
-          </p:cNvPr>
-          <p:cNvCxnSpPr>
-            <a:cxnSpLocks/>
-          </p:cNvCxnSpPr>
-          <p:nvPr/>
-        </p:nvCxnSpPr>
-        <p:spPr>
-          <a:xfrm>
-            <a:off x="3276966" y="1710480"/>
-            <a:ext cx="1364974" cy="7669"/>
-          </a:xfrm>
-          <a:prstGeom prst="straightConnector1">
-            <a:avLst/>
-          </a:prstGeom>
-          <a:ln>
-            <a:tailEnd type="triangle"/>
-          </a:ln>
-        </p:spPr>
-        <p:style>
-          <a:lnRef idx="1">
-            <a:schemeClr val="dk1"/>
-          </a:lnRef>
-          <a:fillRef idx="0">
-            <a:schemeClr val="dk1"/>
-          </a:fillRef>
-          <a:effectRef idx="0">
-            <a:schemeClr val="dk1"/>
-          </a:effectRef>
-          <a:fontRef idx="minor">
-            <a:schemeClr val="tx1"/>
-          </a:fontRef>
-        </p:style>
-      </p:cxnSp>
-      <p:sp>
-        <p:nvSpPr>
-          <p:cNvPr id="18" name="ZoneTexte 17">
-            <a:extLst>
-              <a:ext uri="{FF2B5EF4-FFF2-40B4-BE49-F238E27FC236}">
-                <a16:creationId xmlns:a16="http://schemas.microsoft.com/office/drawing/2014/main" id="{1505A012-B631-451F-8D61-141666F9BD1C}"/>
-              </a:ext>
-            </a:extLst>
-          </p:cNvPr>
-          <p:cNvSpPr txBox="1"/>
-          <p:nvPr/>
-        </p:nvSpPr>
-        <p:spPr>
-          <a:xfrm>
-            <a:off x="5019626" y="1552542"/>
-            <a:ext cx="1789044" cy="369332"/>
-          </a:xfrm>
-          <a:prstGeom prst="rect">
-            <a:avLst/>
-          </a:prstGeom>
-          <a:noFill/>
-        </p:spPr>
-        <p:txBody>
-          <a:bodyPr wrap="square" rtlCol="0">
-            <a:spAutoFit/>
-          </a:bodyPr>
-          <a:lstStyle/>
-          <a:p>
-            <a:r>
-              <a:rPr lang="fr-BE" dirty="0"/>
-              <a:t>v</a:t>
-            </a:r>
-          </a:p>
-        </p:txBody>
-      </p:sp>
-      <p:cxnSp>
-        <p:nvCxnSpPr>
-          <p:cNvPr id="19" name="Connecteur droit avec flèche 18">
-            <a:extLst>
-              <a:ext uri="{FF2B5EF4-FFF2-40B4-BE49-F238E27FC236}">
-                <a16:creationId xmlns:a16="http://schemas.microsoft.com/office/drawing/2014/main" id="{5400DE6E-3EF6-419E-B688-73F0B99BAE9F}"/>
-              </a:ext>
-            </a:extLst>
-          </p:cNvPr>
-          <p:cNvCxnSpPr>
-            <a:cxnSpLocks/>
-          </p:cNvCxnSpPr>
-          <p:nvPr/>
-        </p:nvCxnSpPr>
-        <p:spPr>
-          <a:xfrm>
-            <a:off x="6396092" y="1552542"/>
-            <a:ext cx="1364974" cy="7669"/>
-          </a:xfrm>
-          <a:prstGeom prst="straightConnector1">
-            <a:avLst/>
-          </a:prstGeom>
-          <a:ln>
-            <a:tailEnd type="triangle"/>
-          </a:ln>
-        </p:spPr>
-        <p:style>
-          <a:lnRef idx="1">
-            <a:schemeClr val="dk1"/>
-          </a:lnRef>
-          <a:fillRef idx="0">
-            <a:schemeClr val="dk1"/>
-          </a:fillRef>
-          <a:effectRef idx="0">
-            <a:schemeClr val="dk1"/>
-          </a:effectRef>
-          <a:fontRef idx="minor">
-            <a:schemeClr val="tx1"/>
-          </a:fontRef>
-        </p:style>
-      </p:cxnSp>
-      <p:sp>
-        <p:nvSpPr>
-          <p:cNvPr id="20" name="ZoneTexte 19">
-            <a:extLst>
-              <a:ext uri="{FF2B5EF4-FFF2-40B4-BE49-F238E27FC236}">
-                <a16:creationId xmlns:a16="http://schemas.microsoft.com/office/drawing/2014/main" id="{28B96934-F8E0-4646-B40B-AC2EA25C8F75}"/>
-              </a:ext>
-            </a:extLst>
-          </p:cNvPr>
-          <p:cNvSpPr txBox="1"/>
-          <p:nvPr/>
-        </p:nvSpPr>
-        <p:spPr>
-          <a:xfrm>
-            <a:off x="7761066" y="1223739"/>
-            <a:ext cx="1789044" cy="646331"/>
-          </a:xfrm>
-          <a:prstGeom prst="rect">
-            <a:avLst/>
-          </a:prstGeom>
-          <a:noFill/>
-        </p:spPr>
-        <p:txBody>
-          <a:bodyPr wrap="square" rtlCol="0">
-            <a:spAutoFit/>
-          </a:bodyPr>
-          <a:lstStyle/>
-          <a:p>
-            <a:r>
-              <a:rPr lang="fr-BE" dirty="0" err="1"/>
-              <a:t>heatmaps</a:t>
-            </a:r>
-            <a:r>
-              <a:rPr lang="fr-BE" dirty="0"/>
-              <a:t> (</a:t>
-            </a:r>
-            <a:r>
-              <a:rPr lang="fr-BE" dirty="0" err="1"/>
-              <a:t>d,v</a:t>
-            </a:r>
-            <a:r>
-              <a:rPr lang="fr-BE" dirty="0"/>
-              <a:t>) et (</a:t>
-            </a:r>
-            <a:r>
-              <a:rPr lang="fr-BE" dirty="0" err="1"/>
-              <a:t>theta,phi</a:t>
-            </a:r>
-            <a:r>
-              <a:rPr lang="fr-BE" dirty="0"/>
-              <a:t>)</a:t>
-            </a:r>
-          </a:p>
-        </p:txBody>
-      </p:sp>
-      <p:sp>
-        <p:nvSpPr>
-          <p:cNvPr id="21" name="ZoneTexte 20">
-            <a:extLst>
-              <a:ext uri="{FF2B5EF4-FFF2-40B4-BE49-F238E27FC236}">
-                <a16:creationId xmlns:a16="http://schemas.microsoft.com/office/drawing/2014/main" id="{E590A6B1-20B0-452A-959A-0BB029A94858}"/>
-              </a:ext>
-            </a:extLst>
-          </p:cNvPr>
-          <p:cNvSpPr txBox="1"/>
-          <p:nvPr/>
-        </p:nvSpPr>
-        <p:spPr>
-          <a:xfrm>
-            <a:off x="3634775" y="2372735"/>
-            <a:ext cx="1364974" cy="369332"/>
-          </a:xfrm>
-          <a:prstGeom prst="rect">
-            <a:avLst/>
-          </a:prstGeom>
-          <a:noFill/>
-        </p:spPr>
-        <p:txBody>
-          <a:bodyPr wrap="square" rtlCol="0">
-            <a:spAutoFit/>
-          </a:bodyPr>
-          <a:lstStyle/>
-          <a:p>
-            <a:r>
-              <a:rPr lang="fr-BE" dirty="0"/>
-              <a:t>YOLO</a:t>
-            </a:r>
-          </a:p>
-        </p:txBody>
-      </p:sp>
-      <p:sp>
-        <p:nvSpPr>
-          <p:cNvPr id="22" name="ZoneTexte 21">
-            <a:extLst>
-              <a:ext uri="{FF2B5EF4-FFF2-40B4-BE49-F238E27FC236}">
-                <a16:creationId xmlns:a16="http://schemas.microsoft.com/office/drawing/2014/main" id="{74B794A9-3E4F-407C-BCD7-29E53BBC30CF}"/>
-              </a:ext>
-            </a:extLst>
-          </p:cNvPr>
-          <p:cNvSpPr txBox="1"/>
-          <p:nvPr/>
-        </p:nvSpPr>
-        <p:spPr>
-          <a:xfrm>
-            <a:off x="4794884" y="2478139"/>
-            <a:ext cx="966322" cy="369332"/>
-          </a:xfrm>
-          <a:prstGeom prst="rect">
-            <a:avLst/>
-          </a:prstGeom>
-          <a:noFill/>
-        </p:spPr>
-        <p:txBody>
-          <a:bodyPr wrap="square" rtlCol="0">
-            <a:spAutoFit/>
-          </a:bodyPr>
-          <a:lstStyle/>
-          <a:p>
-            <a:r>
-              <a:rPr lang="fr-BE" dirty="0"/>
-              <a:t>(</a:t>
-            </a:r>
-            <a:r>
-              <a:rPr lang="fr-BE" dirty="0" err="1"/>
-              <a:t>xc,yc</a:t>
-            </a:r>
-            <a:r>
-              <a:rPr lang="fr-BE" dirty="0"/>
-              <a:t>)</a:t>
-            </a:r>
-          </a:p>
-        </p:txBody>
-      </p:sp>
-      <p:sp>
-        <p:nvSpPr>
-          <p:cNvPr id="23" name="ZoneTexte 22">
-            <a:extLst>
-              <a:ext uri="{FF2B5EF4-FFF2-40B4-BE49-F238E27FC236}">
-                <a16:creationId xmlns:a16="http://schemas.microsoft.com/office/drawing/2014/main" id="{43CF5FF5-5BE9-4352-818C-6D03CAD3A897}"/>
-              </a:ext>
-            </a:extLst>
-          </p:cNvPr>
-          <p:cNvSpPr txBox="1"/>
-          <p:nvPr/>
-        </p:nvSpPr>
-        <p:spPr>
-          <a:xfrm>
-            <a:off x="1087232" y="4401745"/>
-            <a:ext cx="1731984" cy="646331"/>
-          </a:xfrm>
-          <a:prstGeom prst="rect">
-            <a:avLst/>
-          </a:prstGeom>
-          <a:noFill/>
-        </p:spPr>
-        <p:txBody>
-          <a:bodyPr wrap="square" rtlCol="0">
-            <a:spAutoFit/>
-          </a:bodyPr>
-          <a:lstStyle/>
-          <a:p>
-            <a:r>
-              <a:rPr lang="fr-BE" dirty="0"/>
-              <a:t>Point 2D (</a:t>
-            </a:r>
-            <a:r>
-              <a:rPr lang="fr-BE" dirty="0" err="1"/>
-              <a:t>xc,yc</a:t>
-            </a:r>
-            <a:r>
-              <a:rPr lang="fr-BE" dirty="0"/>
-              <a:t>) de l’image</a:t>
-            </a:r>
-          </a:p>
-        </p:txBody>
-      </p:sp>
-      <p:cxnSp>
-        <p:nvCxnSpPr>
-          <p:cNvPr id="24" name="Connecteur droit avec flèche 23">
-            <a:extLst>
-              <a:ext uri="{FF2B5EF4-FFF2-40B4-BE49-F238E27FC236}">
-                <a16:creationId xmlns:a16="http://schemas.microsoft.com/office/drawing/2014/main" id="{53037CA4-4DE8-4491-8425-9840B89C64F3}"/>
-              </a:ext>
-            </a:extLst>
-          </p:cNvPr>
-          <p:cNvCxnSpPr>
-            <a:stCxn id="23" idx="3"/>
-          </p:cNvCxnSpPr>
-          <p:nvPr/>
-        </p:nvCxnSpPr>
-        <p:spPr>
-          <a:xfrm flipV="1">
-            <a:off x="2819216" y="4719245"/>
-            <a:ext cx="2243116" cy="5666"/>
-          </a:xfrm>
-          <a:prstGeom prst="straightConnector1">
-            <a:avLst/>
-          </a:prstGeom>
-          <a:ln>
-            <a:tailEnd type="triangle"/>
-          </a:ln>
-        </p:spPr>
-        <p:style>
-          <a:lnRef idx="1">
-            <a:schemeClr val="dk1"/>
-          </a:lnRef>
-          <a:fillRef idx="0">
-            <a:schemeClr val="dk1"/>
-          </a:fillRef>
-          <a:effectRef idx="0">
-            <a:schemeClr val="dk1"/>
-          </a:effectRef>
-          <a:fontRef idx="minor">
-            <a:schemeClr val="tx1"/>
-          </a:fontRef>
-        </p:style>
-      </p:cxnSp>
-      <p:sp>
-        <p:nvSpPr>
-          <p:cNvPr id="25" name="ZoneTexte 24">
-            <a:extLst>
-              <a:ext uri="{FF2B5EF4-FFF2-40B4-BE49-F238E27FC236}">
-                <a16:creationId xmlns:a16="http://schemas.microsoft.com/office/drawing/2014/main" id="{32185460-C8AD-4A81-BD19-987DB8A57C4B}"/>
-              </a:ext>
-            </a:extLst>
-          </p:cNvPr>
-          <p:cNvSpPr txBox="1"/>
-          <p:nvPr/>
-        </p:nvSpPr>
-        <p:spPr>
-          <a:xfrm>
-            <a:off x="5233781" y="4401745"/>
-            <a:ext cx="1663702" cy="646331"/>
-          </a:xfrm>
-          <a:prstGeom prst="rect">
-            <a:avLst/>
-          </a:prstGeom>
-          <a:noFill/>
-        </p:spPr>
-        <p:txBody>
-          <a:bodyPr wrap="square" rtlCol="0">
-            <a:spAutoFit/>
-          </a:bodyPr>
-          <a:lstStyle/>
-          <a:p>
-            <a:r>
-              <a:rPr lang="fr-BE" dirty="0"/>
-              <a:t>Point 3D (X,Y,Z) correspondant</a:t>
-            </a:r>
-          </a:p>
-        </p:txBody>
-      </p:sp>
-      <p:sp>
-        <p:nvSpPr>
-          <p:cNvPr id="26" name="ZoneTexte 25">
-            <a:extLst>
-              <a:ext uri="{FF2B5EF4-FFF2-40B4-BE49-F238E27FC236}">
-                <a16:creationId xmlns:a16="http://schemas.microsoft.com/office/drawing/2014/main" id="{FEAF2BAC-9453-4305-8073-C638E401F38F}"/>
-              </a:ext>
-            </a:extLst>
-          </p:cNvPr>
-          <p:cNvSpPr txBox="1"/>
-          <p:nvPr/>
-        </p:nvSpPr>
-        <p:spPr>
-          <a:xfrm>
-            <a:off x="2990665" y="4266871"/>
-            <a:ext cx="2343145" cy="369332"/>
-          </a:xfrm>
-          <a:prstGeom prst="rect">
-            <a:avLst/>
-          </a:prstGeom>
-          <a:noFill/>
-        </p:spPr>
-        <p:txBody>
-          <a:bodyPr wrap="square" rtlCol="0">
-            <a:spAutoFit/>
-          </a:bodyPr>
-          <a:lstStyle/>
-          <a:p>
-            <a:r>
-              <a:rPr lang="fr-BE" dirty="0"/>
-              <a:t>Coord. Homogènes</a:t>
-            </a:r>
-          </a:p>
-        </p:txBody>
-      </p:sp>
-      <p:cxnSp>
-        <p:nvCxnSpPr>
-          <p:cNvPr id="27" name="Connecteur droit avec flèche 26">
-            <a:extLst>
-              <a:ext uri="{FF2B5EF4-FFF2-40B4-BE49-F238E27FC236}">
-                <a16:creationId xmlns:a16="http://schemas.microsoft.com/office/drawing/2014/main" id="{8BE16FEA-7220-42CC-ACBF-4A59B80BB557}"/>
-              </a:ext>
-            </a:extLst>
-          </p:cNvPr>
-          <p:cNvCxnSpPr/>
-          <p:nvPr/>
-        </p:nvCxnSpPr>
-        <p:spPr>
-          <a:xfrm flipV="1">
-            <a:off x="7056232" y="4713579"/>
-            <a:ext cx="2243116" cy="5666"/>
-          </a:xfrm>
-          <a:prstGeom prst="straightConnector1">
-            <a:avLst/>
-          </a:prstGeom>
-          <a:ln>
-            <a:tailEnd type="triangle"/>
-          </a:ln>
-        </p:spPr>
-        <p:style>
-          <a:lnRef idx="1">
-            <a:schemeClr val="dk1"/>
-          </a:lnRef>
-          <a:fillRef idx="0">
-            <a:schemeClr val="dk1"/>
-          </a:fillRef>
-          <a:effectRef idx="0">
-            <a:schemeClr val="dk1"/>
-          </a:effectRef>
-          <a:fontRef idx="minor">
-            <a:schemeClr val="tx1"/>
-          </a:fontRef>
-        </p:style>
-      </p:cxnSp>
-      <p:sp>
-        <p:nvSpPr>
-          <p:cNvPr id="28" name="ZoneTexte 27">
-            <a:extLst>
-              <a:ext uri="{FF2B5EF4-FFF2-40B4-BE49-F238E27FC236}">
-                <a16:creationId xmlns:a16="http://schemas.microsoft.com/office/drawing/2014/main" id="{EDCC52FC-221C-4E86-8264-CB3703D6394F}"/>
-              </a:ext>
-            </a:extLst>
-          </p:cNvPr>
-          <p:cNvSpPr txBox="1"/>
-          <p:nvPr/>
-        </p:nvSpPr>
-        <p:spPr>
-          <a:xfrm>
-            <a:off x="9398827" y="4569553"/>
-            <a:ext cx="1663701" cy="369332"/>
-          </a:xfrm>
-          <a:prstGeom prst="rect">
-            <a:avLst/>
-          </a:prstGeom>
-          <a:noFill/>
-        </p:spPr>
-        <p:txBody>
-          <a:bodyPr wrap="square" rtlCol="0">
-            <a:spAutoFit/>
-          </a:bodyPr>
-          <a:lstStyle/>
-          <a:p>
-            <a:r>
-              <a:rPr lang="fr-BE" dirty="0" err="1"/>
-              <a:t>d,theta</a:t>
-            </a:r>
-            <a:r>
-              <a:rPr lang="fr-BE" dirty="0"/>
-              <a:t>, phi</a:t>
-            </a:r>
-          </a:p>
-        </p:txBody>
-      </p:sp>
-      <p:sp>
-        <p:nvSpPr>
-          <p:cNvPr id="29" name="ZoneTexte 28">
-            <a:extLst>
-              <a:ext uri="{FF2B5EF4-FFF2-40B4-BE49-F238E27FC236}">
-                <a16:creationId xmlns:a16="http://schemas.microsoft.com/office/drawing/2014/main" id="{E0CAC7E6-AC64-4578-9B5B-14C3767C320D}"/>
-              </a:ext>
-            </a:extLst>
-          </p:cNvPr>
-          <p:cNvSpPr txBox="1"/>
-          <p:nvPr/>
-        </p:nvSpPr>
-        <p:spPr>
-          <a:xfrm>
-            <a:off x="7348332" y="4266871"/>
-            <a:ext cx="1951016" cy="369332"/>
-          </a:xfrm>
-          <a:prstGeom prst="rect">
-            <a:avLst/>
-          </a:prstGeom>
-          <a:noFill/>
-        </p:spPr>
-        <p:txBody>
-          <a:bodyPr wrap="square" rtlCol="0">
-            <a:spAutoFit/>
-          </a:bodyPr>
-          <a:lstStyle/>
-          <a:p>
-            <a:r>
-              <a:rPr lang="fr-BE" dirty="0"/>
-              <a:t>Coord. Sphériques</a:t>
-            </a:r>
-          </a:p>
-        </p:txBody>
-      </p:sp>
-      <p:sp>
-        <p:nvSpPr>
-          <p:cNvPr id="30" name="ZoneTexte 29">
-            <a:extLst>
-              <a:ext uri="{FF2B5EF4-FFF2-40B4-BE49-F238E27FC236}">
-                <a16:creationId xmlns:a16="http://schemas.microsoft.com/office/drawing/2014/main" id="{E8D11487-D451-4A2E-A2DF-A04D61C719B4}"/>
-              </a:ext>
-            </a:extLst>
-          </p:cNvPr>
-          <p:cNvSpPr txBox="1"/>
-          <p:nvPr/>
-        </p:nvSpPr>
-        <p:spPr>
-          <a:xfrm>
-            <a:off x="5432462" y="2302687"/>
-            <a:ext cx="2011384" cy="369332"/>
-          </a:xfrm>
-          <a:prstGeom prst="rect">
-            <a:avLst/>
-          </a:prstGeom>
-          <a:noFill/>
-        </p:spPr>
-        <p:txBody>
-          <a:bodyPr wrap="none" rtlCol="0">
-            <a:spAutoFit/>
-          </a:bodyPr>
-          <a:lstStyle/>
-          <a:p>
-            <a:r>
-              <a:rPr lang="fr-BE" dirty="0"/>
-              <a:t>Camera calibration</a:t>
-            </a:r>
-          </a:p>
-        </p:txBody>
-      </p:sp>
-      <p:cxnSp>
-        <p:nvCxnSpPr>
-          <p:cNvPr id="31" name="Connecteur droit avec flèche 30">
-            <a:extLst>
-              <a:ext uri="{FF2B5EF4-FFF2-40B4-BE49-F238E27FC236}">
-                <a16:creationId xmlns:a16="http://schemas.microsoft.com/office/drawing/2014/main" id="{60AB52D6-0D57-4066-A484-49963B6A445E}"/>
-              </a:ext>
-            </a:extLst>
-          </p:cNvPr>
-          <p:cNvCxnSpPr/>
-          <p:nvPr/>
-        </p:nvCxnSpPr>
-        <p:spPr>
-          <a:xfrm>
-            <a:off x="5713605" y="2686391"/>
-            <a:ext cx="1364974" cy="0"/>
-          </a:xfrm>
-          <a:prstGeom prst="straightConnector1">
-            <a:avLst/>
-          </a:prstGeom>
-          <a:ln>
-            <a:tailEnd type="triangle"/>
-          </a:ln>
-        </p:spPr>
-        <p:style>
-          <a:lnRef idx="1">
-            <a:schemeClr val="dk1"/>
-          </a:lnRef>
-          <a:fillRef idx="0">
-            <a:schemeClr val="dk1"/>
-          </a:fillRef>
-          <a:effectRef idx="0">
-            <a:schemeClr val="dk1"/>
-          </a:effectRef>
-          <a:fontRef idx="minor">
-            <a:schemeClr val="tx1"/>
-          </a:fontRef>
-        </p:style>
-      </p:cxnSp>
-      <p:sp>
-        <p:nvSpPr>
-          <p:cNvPr id="32" name="ZoneTexte 31">
-            <a:extLst>
-              <a:ext uri="{FF2B5EF4-FFF2-40B4-BE49-F238E27FC236}">
-                <a16:creationId xmlns:a16="http://schemas.microsoft.com/office/drawing/2014/main" id="{F21E8C5C-F2EA-4415-BC39-66B5587A6E5B}"/>
-              </a:ext>
-            </a:extLst>
-          </p:cNvPr>
-          <p:cNvSpPr txBox="1"/>
-          <p:nvPr/>
-        </p:nvSpPr>
-        <p:spPr>
-          <a:xfrm>
-            <a:off x="7443846" y="2466540"/>
-            <a:ext cx="1663701" cy="369332"/>
-          </a:xfrm>
-          <a:prstGeom prst="rect">
-            <a:avLst/>
-          </a:prstGeom>
-          <a:noFill/>
-        </p:spPr>
-        <p:txBody>
-          <a:bodyPr wrap="square" rtlCol="0">
-            <a:spAutoFit/>
-          </a:bodyPr>
-          <a:lstStyle/>
-          <a:p>
-            <a:r>
-              <a:rPr lang="fr-BE" dirty="0" err="1"/>
-              <a:t>d,theta</a:t>
-            </a:r>
-            <a:r>
-              <a:rPr lang="fr-BE" dirty="0"/>
-              <a:t>, phi</a:t>
-            </a:r>
-          </a:p>
-        </p:txBody>
-      </p:sp>
-      <p:sp>
-        <p:nvSpPr>
-          <p:cNvPr id="34" name="ZoneTexte 33">
-            <a:extLst>
-              <a:ext uri="{FF2B5EF4-FFF2-40B4-BE49-F238E27FC236}">
-                <a16:creationId xmlns:a16="http://schemas.microsoft.com/office/drawing/2014/main" id="{9530244F-50EA-41EA-AC76-FC7495574A56}"/>
-              </a:ext>
-            </a:extLst>
-          </p:cNvPr>
-          <p:cNvSpPr txBox="1"/>
-          <p:nvPr/>
-        </p:nvSpPr>
-        <p:spPr>
-          <a:xfrm>
-            <a:off x="1086678" y="3837463"/>
-            <a:ext cx="2011384" cy="369332"/>
-          </a:xfrm>
-          <a:prstGeom prst="rect">
-            <a:avLst/>
-          </a:prstGeom>
-          <a:noFill/>
-        </p:spPr>
-        <p:txBody>
-          <a:bodyPr wrap="none" rtlCol="0">
-            <a:spAutoFit/>
-          </a:bodyPr>
-          <a:lstStyle/>
-          <a:p>
-            <a:r>
-              <a:rPr lang="fr-BE" dirty="0"/>
-              <a:t>Camera calibration:</a:t>
-            </a:r>
-          </a:p>
-        </p:txBody>
-      </p:sp>
-      <p:cxnSp>
-        <p:nvCxnSpPr>
-          <p:cNvPr id="35" name="Connecteur droit avec flèche 34">
-            <a:extLst>
-              <a:ext uri="{FF2B5EF4-FFF2-40B4-BE49-F238E27FC236}">
-                <a16:creationId xmlns:a16="http://schemas.microsoft.com/office/drawing/2014/main" id="{E260708B-CBE9-40A7-8F97-671D2916BC2A}"/>
-              </a:ext>
-            </a:extLst>
-          </p:cNvPr>
-          <p:cNvCxnSpPr>
-            <a:cxnSpLocks/>
-          </p:cNvCxnSpPr>
-          <p:nvPr/>
-        </p:nvCxnSpPr>
-        <p:spPr>
-          <a:xfrm>
-            <a:off x="9438582" y="1539235"/>
-            <a:ext cx="701249" cy="508379"/>
-          </a:xfrm>
-          <a:prstGeom prst="straightConnector1">
-            <a:avLst/>
-          </a:prstGeom>
-          <a:ln>
-            <a:tailEnd type="triangle"/>
-          </a:ln>
-        </p:spPr>
-        <p:style>
-          <a:lnRef idx="1">
-            <a:schemeClr val="dk1"/>
-          </a:lnRef>
-          <a:fillRef idx="0">
-            <a:schemeClr val="dk1"/>
-          </a:fillRef>
-          <a:effectRef idx="0">
-            <a:schemeClr val="dk1"/>
-          </a:effectRef>
-          <a:fontRef idx="minor">
-            <a:schemeClr val="tx1"/>
-          </a:fontRef>
-        </p:style>
-      </p:cxnSp>
-      <p:cxnSp>
-        <p:nvCxnSpPr>
-          <p:cNvPr id="37" name="Connecteur droit avec flèche 36">
-            <a:extLst>
-              <a:ext uri="{FF2B5EF4-FFF2-40B4-BE49-F238E27FC236}">
-                <a16:creationId xmlns:a16="http://schemas.microsoft.com/office/drawing/2014/main" id="{C63837BE-A632-49BB-8611-09217009F52A}"/>
-              </a:ext>
-            </a:extLst>
-          </p:cNvPr>
-          <p:cNvCxnSpPr>
-            <a:cxnSpLocks/>
-          </p:cNvCxnSpPr>
-          <p:nvPr/>
-        </p:nvCxnSpPr>
-        <p:spPr>
-          <a:xfrm flipV="1">
-            <a:off x="9449079" y="2181345"/>
-            <a:ext cx="690752" cy="490674"/>
-          </a:xfrm>
-          <a:prstGeom prst="straightConnector1">
-            <a:avLst/>
-          </a:prstGeom>
-          <a:ln>
-            <a:tailEnd type="triangle"/>
-          </a:ln>
-        </p:spPr>
-        <p:style>
-          <a:lnRef idx="1">
-            <a:schemeClr val="dk1"/>
-          </a:lnRef>
-          <a:fillRef idx="0">
-            <a:schemeClr val="dk1"/>
-          </a:fillRef>
-          <a:effectRef idx="0">
-            <a:schemeClr val="dk1"/>
-          </a:effectRef>
-          <a:fontRef idx="minor">
-            <a:schemeClr val="tx1"/>
-          </a:fontRef>
-        </p:style>
-      </p:cxnSp>
-      <p:sp>
-        <p:nvSpPr>
-          <p:cNvPr id="39" name="ZoneTexte 38">
-            <a:extLst>
-              <a:ext uri="{FF2B5EF4-FFF2-40B4-BE49-F238E27FC236}">
-                <a16:creationId xmlns:a16="http://schemas.microsoft.com/office/drawing/2014/main" id="{515A63DC-9BEF-4AA0-81FC-C3458ACC7CF2}"/>
-              </a:ext>
-            </a:extLst>
-          </p:cNvPr>
-          <p:cNvSpPr txBox="1"/>
-          <p:nvPr/>
-        </p:nvSpPr>
-        <p:spPr>
-          <a:xfrm>
-            <a:off x="10227652" y="1933355"/>
-            <a:ext cx="1586670" cy="369332"/>
-          </a:xfrm>
-          <a:prstGeom prst="rect">
-            <a:avLst/>
-          </a:prstGeom>
-          <a:noFill/>
-        </p:spPr>
-        <p:txBody>
-          <a:bodyPr wrap="square" rtlCol="0">
-            <a:spAutoFit/>
-          </a:bodyPr>
-          <a:lstStyle/>
-          <a:p>
-            <a:r>
-              <a:rPr lang="fr-BE" dirty="0" err="1"/>
-              <a:t>d,v,theta,phi</a:t>
-            </a:r>
-            <a:endParaRPr lang="fr-BE" dirty="0"/>
-          </a:p>
-        </p:txBody>
-      </p:sp>
+      </p:pic>
     </p:spTree>
-    <p:extLst>
-      <p:ext uri="{BB962C8B-B14F-4D97-AF65-F5344CB8AC3E}">
-        <p14:creationId xmlns:p14="http://schemas.microsoft.com/office/powerpoint/2010/main" val="3503873694"/>
-      </p:ext>
-    </p:extLst>
   </p:cSld>
   <p:clrMapOvr>
     <a:masterClrMapping/>
@@ -4841,6 +5596,1597 @@
       </p:grpSpPr>
       <p:sp>
         <p:nvSpPr>
+          <p:cNvPr id="44" name="TextShape 1"/>
+          <p:cNvSpPr txBox="1"/>
+          <p:nvPr/>
+        </p:nvSpPr>
+        <p:spPr>
+          <a:xfrm>
+            <a:off x="609755" y="273422"/>
+            <a:ext cx="10971300" cy="1144631"/>
+          </a:xfrm>
+          <a:prstGeom prst="rect">
+            <a:avLst/>
+          </a:prstGeom>
+          <a:noFill/>
+          <a:ln>
+            <a:noFill/>
+          </a:ln>
+        </p:spPr>
+        <p:txBody>
+          <a:bodyPr lIns="0" tIns="0" rIns="0" bIns="0" anchor="ctr">
+            <a:noAutofit/>
+          </a:bodyPr>
+          <a:lstStyle/>
+          <a:p>
+            <a:pPr algn="ctr" defTabSz="1105875"/>
+            <a:r>
+              <a:rPr lang="fr-FR" sz="5321" spc="-1">
+                <a:solidFill>
+                  <a:prstClr val="black"/>
+                </a:solidFill>
+                <a:latin typeface="Arial"/>
+              </a:rPr>
+              <a:t>Réalité vs Simu</a:t>
+            </a:r>
+          </a:p>
+        </p:txBody>
+      </p:sp>
+      <p:pic>
+        <p:nvPicPr>
+          <p:cNvPr id="45" name="Image 44"/>
+          <p:cNvPicPr/>
+          <p:nvPr/>
+        </p:nvPicPr>
+        <p:blipFill>
+          <a:blip r:embed="rId2"/>
+          <a:stretch/>
+        </p:blipFill>
+        <p:spPr>
+          <a:xfrm>
+            <a:off x="245336" y="1586112"/>
+            <a:ext cx="6633982" cy="4422219"/>
+          </a:xfrm>
+          <a:prstGeom prst="rect">
+            <a:avLst/>
+          </a:prstGeom>
+          <a:ln>
+            <a:noFill/>
+          </a:ln>
+        </p:spPr>
+      </p:pic>
+      <p:pic>
+        <p:nvPicPr>
+          <p:cNvPr id="46" name="Image 45"/>
+          <p:cNvPicPr/>
+          <p:nvPr/>
+        </p:nvPicPr>
+        <p:blipFill>
+          <a:blip r:embed="rId3"/>
+          <a:stretch/>
+        </p:blipFill>
+        <p:spPr>
+          <a:xfrm>
+            <a:off x="6095622" y="1652726"/>
+            <a:ext cx="6019652" cy="4268528"/>
+          </a:xfrm>
+          <a:prstGeom prst="rect">
+            <a:avLst/>
+          </a:prstGeom>
+          <a:ln>
+            <a:noFill/>
+          </a:ln>
+        </p:spPr>
+      </p:pic>
+    </p:spTree>
+  </p:cSld>
+  <p:clrMapOvr>
+    <a:masterClrMapping/>
+  </p:clrMapOvr>
+</p:sld>
+</file>
+
+<file path=ppt/slides/slide3.xml><?xml version="1.0" encoding="utf-8"?>
+<p:sld xmlns:a="http://schemas.openxmlformats.org/drawingml/2006/main" xmlns:r="http://schemas.openxmlformats.org/officeDocument/2006/relationships" xmlns:p="http://schemas.openxmlformats.org/presentationml/2006/main">
+  <p:cSld>
+    <p:spTree>
+      <p:nvGrpSpPr>
+        <p:cNvPr id="1" name=""/>
+        <p:cNvGrpSpPr/>
+        <p:nvPr/>
+      </p:nvGrpSpPr>
+      <p:grpSpPr>
+        <a:xfrm>
+          <a:off x="0" y="0"/>
+          <a:ext cx="0" cy="0"/>
+          <a:chOff x="0" y="0"/>
+          <a:chExt cx="0" cy="0"/>
+        </a:xfrm>
+      </p:grpSpPr>
+      <p:sp>
+        <p:nvSpPr>
+          <p:cNvPr id="3" name="Sous-titre 2">
+            <a:extLst>
+              <a:ext uri="{FF2B5EF4-FFF2-40B4-BE49-F238E27FC236}">
+                <a16:creationId xmlns:a16="http://schemas.microsoft.com/office/drawing/2014/main" id="{CE3D2847-5686-4370-B044-215B053D395E}"/>
+              </a:ext>
+            </a:extLst>
+          </p:cNvPr>
+          <p:cNvSpPr>
+            <a:spLocks noGrp="1"/>
+          </p:cNvSpPr>
+          <p:nvPr>
+            <p:ph type="subTitle" idx="1"/>
+          </p:nvPr>
+        </p:nvSpPr>
+        <p:spPr>
+          <a:xfrm>
+            <a:off x="1086678" y="448020"/>
+            <a:ext cx="9144000" cy="1655762"/>
+          </a:xfrm>
+        </p:spPr>
+        <p:txBody>
+          <a:bodyPr/>
+          <a:lstStyle/>
+          <a:p>
+            <a:pPr algn="l"/>
+            <a:r>
+              <a:rPr lang="fr-BE" dirty="0"/>
+              <a:t>Simulation: </a:t>
+            </a:r>
+          </a:p>
+        </p:txBody>
+      </p:sp>
+      <p:sp>
+        <p:nvSpPr>
+          <p:cNvPr id="6" name="ZoneTexte 5">
+            <a:extLst>
+              <a:ext uri="{FF2B5EF4-FFF2-40B4-BE49-F238E27FC236}">
+                <a16:creationId xmlns:a16="http://schemas.microsoft.com/office/drawing/2014/main" id="{80987940-8221-47FD-99AD-10C4B8273C85}"/>
+              </a:ext>
+            </a:extLst>
+          </p:cNvPr>
+          <p:cNvSpPr txBox="1"/>
+          <p:nvPr/>
+        </p:nvSpPr>
+        <p:spPr>
+          <a:xfrm>
+            <a:off x="50061" y="1964224"/>
+            <a:ext cx="1232453" cy="369332"/>
+          </a:xfrm>
+          <a:prstGeom prst="rect">
+            <a:avLst/>
+          </a:prstGeom>
+          <a:noFill/>
+        </p:spPr>
+        <p:txBody>
+          <a:bodyPr wrap="square" rtlCol="0">
+            <a:spAutoFit/>
+          </a:bodyPr>
+          <a:lstStyle/>
+          <a:p>
+            <a:pPr marL="0" marR="0" lvl="0" indent="0" algn="l" defTabSz="914400" rtl="0" eaLnBrk="1" fontAlgn="auto" latinLnBrk="0" hangingPunct="1">
+              <a:lnSpc>
+                <a:spcPct val="100000"/>
+              </a:lnSpc>
+              <a:spcBef>
+                <a:spcPts val="0"/>
+              </a:spcBef>
+              <a:spcAft>
+                <a:spcPts val="0"/>
+              </a:spcAft>
+              <a:buClrTx/>
+              <a:buSzTx/>
+              <a:buFontTx/>
+              <a:buNone/>
+              <a:tabLst/>
+              <a:defRPr/>
+            </a:pPr>
+            <a:r>
+              <a:rPr kumimoji="0" lang="fr-BE" sz="1800" b="0" i="0" u="none" strike="noStrike" kern="1200" cap="none" spc="0" normalizeH="0" baseline="0" noProof="0" dirty="0">
+                <a:ln>
+                  <a:noFill/>
+                </a:ln>
+                <a:solidFill>
+                  <a:prstClr val="black"/>
+                </a:solidFill>
+                <a:effectLst/>
+                <a:uLnTx/>
+                <a:uFillTx/>
+                <a:latin typeface="Calibri" panose="020F0502020204030204"/>
+                <a:ea typeface="+mn-ea"/>
+                <a:cs typeface="+mn-cs"/>
+              </a:rPr>
+              <a:t>FX</a:t>
+            </a:r>
+          </a:p>
+        </p:txBody>
+      </p:sp>
+      <p:cxnSp>
+        <p:nvCxnSpPr>
+          <p:cNvPr id="7" name="Connecteur droit avec flèche 6">
+            <a:extLst>
+              <a:ext uri="{FF2B5EF4-FFF2-40B4-BE49-F238E27FC236}">
+                <a16:creationId xmlns:a16="http://schemas.microsoft.com/office/drawing/2014/main" id="{7943E075-84C7-471D-9080-9E4801EB95FA}"/>
+              </a:ext>
+            </a:extLst>
+          </p:cNvPr>
+          <p:cNvCxnSpPr/>
+          <p:nvPr/>
+        </p:nvCxnSpPr>
+        <p:spPr>
+          <a:xfrm flipV="1">
+            <a:off x="666288" y="1552542"/>
+            <a:ext cx="914400" cy="596348"/>
+          </a:xfrm>
+          <a:prstGeom prst="straightConnector1">
+            <a:avLst/>
+          </a:prstGeom>
+          <a:ln>
+            <a:tailEnd type="triangle"/>
+          </a:ln>
+        </p:spPr>
+        <p:style>
+          <a:lnRef idx="1">
+            <a:schemeClr val="dk1"/>
+          </a:lnRef>
+          <a:fillRef idx="0">
+            <a:schemeClr val="dk1"/>
+          </a:fillRef>
+          <a:effectRef idx="0">
+            <a:schemeClr val="dk1"/>
+          </a:effectRef>
+          <a:fontRef idx="minor">
+            <a:schemeClr val="tx1"/>
+          </a:fontRef>
+        </p:style>
+      </p:cxnSp>
+      <p:cxnSp>
+        <p:nvCxnSpPr>
+          <p:cNvPr id="8" name="Connecteur droit avec flèche 7">
+            <a:extLst>
+              <a:ext uri="{FF2B5EF4-FFF2-40B4-BE49-F238E27FC236}">
+                <a16:creationId xmlns:a16="http://schemas.microsoft.com/office/drawing/2014/main" id="{B38A925D-6F43-47D5-8FDE-0FD2F6C35D52}"/>
+              </a:ext>
+            </a:extLst>
+          </p:cNvPr>
+          <p:cNvCxnSpPr>
+            <a:cxnSpLocks/>
+          </p:cNvCxnSpPr>
+          <p:nvPr/>
+        </p:nvCxnSpPr>
+        <p:spPr>
+          <a:xfrm>
+            <a:off x="666288" y="2142265"/>
+            <a:ext cx="914400" cy="548236"/>
+          </a:xfrm>
+          <a:prstGeom prst="straightConnector1">
+            <a:avLst/>
+          </a:prstGeom>
+          <a:ln>
+            <a:tailEnd type="triangle"/>
+          </a:ln>
+        </p:spPr>
+        <p:style>
+          <a:lnRef idx="1">
+            <a:schemeClr val="dk1"/>
+          </a:lnRef>
+          <a:fillRef idx="0">
+            <a:schemeClr val="dk1"/>
+          </a:fillRef>
+          <a:effectRef idx="0">
+            <a:schemeClr val="dk1"/>
+          </a:effectRef>
+          <a:fontRef idx="minor">
+            <a:schemeClr val="tx1"/>
+          </a:fontRef>
+        </p:style>
+      </p:cxnSp>
+      <p:sp>
+        <p:nvSpPr>
+          <p:cNvPr id="9" name="ZoneTexte 8">
+            <a:extLst>
+              <a:ext uri="{FF2B5EF4-FFF2-40B4-BE49-F238E27FC236}">
+                <a16:creationId xmlns:a16="http://schemas.microsoft.com/office/drawing/2014/main" id="{B112E93D-54A3-43A1-80FE-803A63F15197}"/>
+              </a:ext>
+            </a:extLst>
+          </p:cNvPr>
+          <p:cNvSpPr txBox="1"/>
+          <p:nvPr/>
+        </p:nvSpPr>
+        <p:spPr>
+          <a:xfrm>
+            <a:off x="1858983" y="1234490"/>
+            <a:ext cx="1789044" cy="646331"/>
+          </a:xfrm>
+          <a:prstGeom prst="rect">
+            <a:avLst/>
+          </a:prstGeom>
+          <a:noFill/>
+        </p:spPr>
+        <p:txBody>
+          <a:bodyPr wrap="square" rtlCol="0">
+            <a:spAutoFit/>
+          </a:bodyPr>
+          <a:lstStyle/>
+          <a:p>
+            <a:pPr marL="285750" marR="0" lvl="0" indent="-285750" algn="l" defTabSz="914400" rtl="0" eaLnBrk="1" fontAlgn="auto" latinLnBrk="0" hangingPunct="1">
+              <a:lnSpc>
+                <a:spcPct val="100000"/>
+              </a:lnSpc>
+              <a:spcBef>
+                <a:spcPts val="0"/>
+              </a:spcBef>
+              <a:spcAft>
+                <a:spcPts val="0"/>
+              </a:spcAft>
+              <a:buClrTx/>
+              <a:buSzTx/>
+              <a:buFont typeface="Arial" panose="020B0604020202020204" pitchFamily="34" charset="0"/>
+              <a:buChar char="•"/>
+              <a:tabLst/>
+              <a:defRPr/>
+            </a:pPr>
+            <a:r>
+              <a:rPr kumimoji="0" lang="fr-BE" sz="1800" b="0" i="0" u="none" strike="noStrike" kern="1200" cap="none" spc="0" normalizeH="0" baseline="0" noProof="0" dirty="0">
+                <a:ln>
+                  <a:noFill/>
+                </a:ln>
+                <a:solidFill>
+                  <a:prstClr val="black"/>
+                </a:solidFill>
+                <a:effectLst/>
+                <a:uLnTx/>
+                <a:uFillTx/>
+                <a:latin typeface="Calibri" panose="020F0502020204030204"/>
+                <a:ea typeface="+mn-ea"/>
+                <a:cs typeface="+mn-cs"/>
+              </a:rPr>
+              <a:t>Position</a:t>
+            </a:r>
+          </a:p>
+          <a:p>
+            <a:pPr marL="285750" marR="0" lvl="0" indent="-285750" algn="l" defTabSz="914400" rtl="0" eaLnBrk="1" fontAlgn="auto" latinLnBrk="0" hangingPunct="1">
+              <a:lnSpc>
+                <a:spcPct val="100000"/>
+              </a:lnSpc>
+              <a:spcBef>
+                <a:spcPts val="0"/>
+              </a:spcBef>
+              <a:spcAft>
+                <a:spcPts val="0"/>
+              </a:spcAft>
+              <a:buClrTx/>
+              <a:buSzTx/>
+              <a:buFont typeface="Arial" panose="020B0604020202020204" pitchFamily="34" charset="0"/>
+              <a:buChar char="•"/>
+              <a:tabLst/>
+              <a:defRPr/>
+            </a:pPr>
+            <a:r>
+              <a:rPr kumimoji="0" lang="fr-BE" sz="1800" b="0" i="0" u="none" strike="noStrike" kern="1200" cap="none" spc="0" normalizeH="0" baseline="0" noProof="0" dirty="0">
+                <a:ln>
+                  <a:noFill/>
+                </a:ln>
+                <a:solidFill>
+                  <a:prstClr val="black"/>
+                </a:solidFill>
+                <a:effectLst/>
+                <a:uLnTx/>
+                <a:uFillTx/>
+                <a:latin typeface="Calibri" panose="020F0502020204030204"/>
+                <a:ea typeface="+mn-ea"/>
+                <a:cs typeface="+mn-cs"/>
+              </a:rPr>
+              <a:t>Vitesse</a:t>
+            </a:r>
+          </a:p>
+        </p:txBody>
+      </p:sp>
+      <p:sp>
+        <p:nvSpPr>
+          <p:cNvPr id="10" name="ZoneTexte 9">
+            <a:extLst>
+              <a:ext uri="{FF2B5EF4-FFF2-40B4-BE49-F238E27FC236}">
+                <a16:creationId xmlns:a16="http://schemas.microsoft.com/office/drawing/2014/main" id="{7E983EB5-CE1E-4AC3-8D01-463BABF1222D}"/>
+              </a:ext>
+            </a:extLst>
+          </p:cNvPr>
+          <p:cNvSpPr txBox="1"/>
+          <p:nvPr/>
+        </p:nvSpPr>
+        <p:spPr>
+          <a:xfrm>
+            <a:off x="1858983" y="2505835"/>
+            <a:ext cx="1497496" cy="369332"/>
+          </a:xfrm>
+          <a:prstGeom prst="rect">
+            <a:avLst/>
+          </a:prstGeom>
+          <a:noFill/>
+        </p:spPr>
+        <p:txBody>
+          <a:bodyPr wrap="square" rtlCol="0">
+            <a:spAutoFit/>
+          </a:bodyPr>
+          <a:lstStyle/>
+          <a:p>
+            <a:pPr marL="285750" marR="0" lvl="0" indent="-285750" algn="l" defTabSz="914400" rtl="0" eaLnBrk="1" fontAlgn="auto" latinLnBrk="0" hangingPunct="1">
+              <a:lnSpc>
+                <a:spcPct val="100000"/>
+              </a:lnSpc>
+              <a:spcBef>
+                <a:spcPts val="0"/>
+              </a:spcBef>
+              <a:spcAft>
+                <a:spcPts val="0"/>
+              </a:spcAft>
+              <a:buClrTx/>
+              <a:buSzTx/>
+              <a:buFont typeface="Arial" panose="020B0604020202020204" pitchFamily="34" charset="0"/>
+              <a:buChar char="•"/>
+              <a:tabLst/>
+              <a:defRPr/>
+            </a:pPr>
+            <a:r>
+              <a:rPr kumimoji="0" lang="fr-BE" sz="1800" b="0" i="0" u="none" strike="noStrike" kern="1200" cap="none" spc="0" normalizeH="0" baseline="0" noProof="0" dirty="0">
+                <a:ln>
+                  <a:noFill/>
+                </a:ln>
+                <a:solidFill>
+                  <a:prstClr val="black"/>
+                </a:solidFill>
+                <a:effectLst/>
+                <a:uLnTx/>
+                <a:uFillTx/>
+                <a:latin typeface="Calibri" panose="020F0502020204030204"/>
+                <a:ea typeface="+mn-ea"/>
+                <a:cs typeface="+mn-cs"/>
+              </a:rPr>
+              <a:t>Frames</a:t>
+            </a:r>
+          </a:p>
+        </p:txBody>
+      </p:sp>
+      <p:sp>
+        <p:nvSpPr>
+          <p:cNvPr id="11" name="ZoneTexte 10">
+            <a:extLst>
+              <a:ext uri="{FF2B5EF4-FFF2-40B4-BE49-F238E27FC236}">
+                <a16:creationId xmlns:a16="http://schemas.microsoft.com/office/drawing/2014/main" id="{02821260-4DAF-468F-8294-81BD9A07BA2E}"/>
+              </a:ext>
+            </a:extLst>
+          </p:cNvPr>
+          <p:cNvSpPr txBox="1"/>
+          <p:nvPr/>
+        </p:nvSpPr>
+        <p:spPr>
+          <a:xfrm rot="19718952">
+            <a:off x="595919" y="1426206"/>
+            <a:ext cx="881948" cy="369332"/>
+          </a:xfrm>
+          <a:prstGeom prst="rect">
+            <a:avLst/>
+          </a:prstGeom>
+          <a:noFill/>
+        </p:spPr>
+        <p:txBody>
+          <a:bodyPr wrap="square" rtlCol="0">
+            <a:spAutoFit/>
+          </a:bodyPr>
+          <a:lstStyle/>
+          <a:p>
+            <a:pPr marL="0" marR="0" lvl="0" indent="0" algn="l" defTabSz="914400" rtl="0" eaLnBrk="1" fontAlgn="auto" latinLnBrk="0" hangingPunct="1">
+              <a:lnSpc>
+                <a:spcPct val="100000"/>
+              </a:lnSpc>
+              <a:spcBef>
+                <a:spcPts val="0"/>
+              </a:spcBef>
+              <a:spcAft>
+                <a:spcPts val="0"/>
+              </a:spcAft>
+              <a:buClrTx/>
+              <a:buSzTx/>
+              <a:buFontTx/>
+              <a:buNone/>
+              <a:tabLst/>
+              <a:defRPr/>
+            </a:pPr>
+            <a:r>
+              <a:rPr kumimoji="0" lang="fr-BE" sz="1800" b="0" i="0" u="none" strike="noStrike" kern="1200" cap="none" spc="0" normalizeH="0" baseline="0" noProof="0" dirty="0">
+                <a:ln>
+                  <a:noFill/>
+                </a:ln>
+                <a:solidFill>
+                  <a:prstClr val="black"/>
+                </a:solidFill>
+                <a:effectLst/>
+                <a:uLnTx/>
+                <a:uFillTx/>
+                <a:latin typeface="Calibri" panose="020F0502020204030204"/>
+                <a:ea typeface="+mn-ea"/>
+                <a:cs typeface="+mn-cs"/>
+              </a:rPr>
+              <a:t>radar</a:t>
+            </a:r>
+          </a:p>
+        </p:txBody>
+      </p:sp>
+      <p:sp>
+        <p:nvSpPr>
+          <p:cNvPr id="12" name="ZoneTexte 11">
+            <a:extLst>
+              <a:ext uri="{FF2B5EF4-FFF2-40B4-BE49-F238E27FC236}">
+                <a16:creationId xmlns:a16="http://schemas.microsoft.com/office/drawing/2014/main" id="{E345AF9C-F54D-4F3A-BBE9-ADAF4B62240B}"/>
+              </a:ext>
+            </a:extLst>
+          </p:cNvPr>
+          <p:cNvSpPr txBox="1"/>
+          <p:nvPr/>
+        </p:nvSpPr>
+        <p:spPr>
+          <a:xfrm rot="2010561">
+            <a:off x="618871" y="2403061"/>
+            <a:ext cx="914400" cy="369332"/>
+          </a:xfrm>
+          <a:prstGeom prst="rect">
+            <a:avLst/>
+          </a:prstGeom>
+          <a:noFill/>
+        </p:spPr>
+        <p:txBody>
+          <a:bodyPr wrap="square" rtlCol="0">
+            <a:spAutoFit/>
+          </a:bodyPr>
+          <a:lstStyle/>
+          <a:p>
+            <a:pPr marL="0" marR="0" lvl="0" indent="0" algn="l" defTabSz="914400" rtl="0" eaLnBrk="1" fontAlgn="auto" latinLnBrk="0" hangingPunct="1">
+              <a:lnSpc>
+                <a:spcPct val="100000"/>
+              </a:lnSpc>
+              <a:spcBef>
+                <a:spcPts val="0"/>
+              </a:spcBef>
+              <a:spcAft>
+                <a:spcPts val="0"/>
+              </a:spcAft>
+              <a:buClrTx/>
+              <a:buSzTx/>
+              <a:buFontTx/>
+              <a:buNone/>
+              <a:tabLst/>
+              <a:defRPr/>
+            </a:pPr>
+            <a:r>
+              <a:rPr kumimoji="0" lang="fr-BE" sz="1800" b="0" i="0" u="none" strike="noStrike" kern="1200" cap="none" spc="0" normalizeH="0" baseline="0" noProof="0" dirty="0">
+                <a:ln>
+                  <a:noFill/>
+                </a:ln>
+                <a:solidFill>
+                  <a:prstClr val="black"/>
+                </a:solidFill>
+                <a:effectLst/>
+                <a:uLnTx/>
+                <a:uFillTx/>
+                <a:latin typeface="Calibri" panose="020F0502020204030204"/>
+                <a:ea typeface="+mn-ea"/>
+                <a:cs typeface="+mn-cs"/>
+              </a:rPr>
+              <a:t>caméra</a:t>
+            </a:r>
+          </a:p>
+        </p:txBody>
+      </p:sp>
+      <p:cxnSp>
+        <p:nvCxnSpPr>
+          <p:cNvPr id="13" name="Connecteur droit avec flèche 12">
+            <a:extLst>
+              <a:ext uri="{FF2B5EF4-FFF2-40B4-BE49-F238E27FC236}">
+                <a16:creationId xmlns:a16="http://schemas.microsoft.com/office/drawing/2014/main" id="{63F0E5E1-1487-46CD-B5FD-CEF63A48B13D}"/>
+              </a:ext>
+            </a:extLst>
+          </p:cNvPr>
+          <p:cNvCxnSpPr>
+            <a:cxnSpLocks/>
+          </p:cNvCxnSpPr>
+          <p:nvPr/>
+        </p:nvCxnSpPr>
+        <p:spPr>
+          <a:xfrm>
+            <a:off x="3276966" y="1439469"/>
+            <a:ext cx="1364974" cy="7669"/>
+          </a:xfrm>
+          <a:prstGeom prst="straightConnector1">
+            <a:avLst/>
+          </a:prstGeom>
+          <a:ln>
+            <a:tailEnd type="triangle"/>
+          </a:ln>
+        </p:spPr>
+        <p:style>
+          <a:lnRef idx="1">
+            <a:schemeClr val="dk1"/>
+          </a:lnRef>
+          <a:fillRef idx="0">
+            <a:schemeClr val="dk1"/>
+          </a:fillRef>
+          <a:effectRef idx="0">
+            <a:schemeClr val="dk1"/>
+          </a:effectRef>
+          <a:fontRef idx="minor">
+            <a:schemeClr val="tx1"/>
+          </a:fontRef>
+        </p:style>
+      </p:cxnSp>
+      <p:cxnSp>
+        <p:nvCxnSpPr>
+          <p:cNvPr id="14" name="Connecteur droit avec flèche 13">
+            <a:extLst>
+              <a:ext uri="{FF2B5EF4-FFF2-40B4-BE49-F238E27FC236}">
+                <a16:creationId xmlns:a16="http://schemas.microsoft.com/office/drawing/2014/main" id="{882DE9D5-E3B4-41DB-9FDA-0774CF5B1DE2}"/>
+              </a:ext>
+            </a:extLst>
+          </p:cNvPr>
+          <p:cNvCxnSpPr/>
+          <p:nvPr/>
+        </p:nvCxnSpPr>
+        <p:spPr>
+          <a:xfrm>
+            <a:off x="3356479" y="2695398"/>
+            <a:ext cx="1364974" cy="0"/>
+          </a:xfrm>
+          <a:prstGeom prst="straightConnector1">
+            <a:avLst/>
+          </a:prstGeom>
+          <a:ln>
+            <a:tailEnd type="triangle"/>
+          </a:ln>
+        </p:spPr>
+        <p:style>
+          <a:lnRef idx="1">
+            <a:schemeClr val="dk1"/>
+          </a:lnRef>
+          <a:fillRef idx="0">
+            <a:schemeClr val="dk1"/>
+          </a:fillRef>
+          <a:effectRef idx="0">
+            <a:schemeClr val="dk1"/>
+          </a:effectRef>
+          <a:fontRef idx="minor">
+            <a:schemeClr val="tx1"/>
+          </a:fontRef>
+        </p:style>
+      </p:cxnSp>
+      <p:sp>
+        <p:nvSpPr>
+          <p:cNvPr id="15" name="ZoneTexte 14">
+            <a:extLst>
+              <a:ext uri="{FF2B5EF4-FFF2-40B4-BE49-F238E27FC236}">
+                <a16:creationId xmlns:a16="http://schemas.microsoft.com/office/drawing/2014/main" id="{FD04AA5F-6401-4DAA-BB2A-A403FF7D1FA2}"/>
+              </a:ext>
+            </a:extLst>
+          </p:cNvPr>
+          <p:cNvSpPr txBox="1"/>
+          <p:nvPr/>
+        </p:nvSpPr>
+        <p:spPr>
+          <a:xfrm>
+            <a:off x="3098062" y="1039073"/>
+            <a:ext cx="2014331" cy="369332"/>
+          </a:xfrm>
+          <a:prstGeom prst="rect">
+            <a:avLst/>
+          </a:prstGeom>
+          <a:noFill/>
+        </p:spPr>
+        <p:txBody>
+          <a:bodyPr wrap="square" rtlCol="0">
+            <a:spAutoFit/>
+          </a:bodyPr>
+          <a:lstStyle/>
+          <a:p>
+            <a:pPr marL="0" marR="0" lvl="0" indent="0" algn="l" defTabSz="914400" rtl="0" eaLnBrk="1" fontAlgn="auto" latinLnBrk="0" hangingPunct="1">
+              <a:lnSpc>
+                <a:spcPct val="100000"/>
+              </a:lnSpc>
+              <a:spcBef>
+                <a:spcPts val="0"/>
+              </a:spcBef>
+              <a:spcAft>
+                <a:spcPts val="0"/>
+              </a:spcAft>
+              <a:buClrTx/>
+              <a:buSzTx/>
+              <a:buFontTx/>
+              <a:buNone/>
+              <a:tabLst/>
+              <a:defRPr/>
+            </a:pPr>
+            <a:r>
+              <a:rPr lang="fr-BE" dirty="0">
+                <a:solidFill>
+                  <a:prstClr val="black"/>
+                </a:solidFill>
+                <a:latin typeface="Calibri" panose="020F0502020204030204"/>
+              </a:rPr>
+              <a:t>Coord. Sphériques</a:t>
+            </a:r>
+            <a:endParaRPr kumimoji="0" lang="fr-BE" sz="1800" b="0" i="0" u="none" strike="noStrike" kern="1200" cap="none" spc="0" normalizeH="0" baseline="0" noProof="0" dirty="0">
+              <a:ln>
+                <a:noFill/>
+              </a:ln>
+              <a:solidFill>
+                <a:prstClr val="black"/>
+              </a:solidFill>
+              <a:effectLst/>
+              <a:uLnTx/>
+              <a:uFillTx/>
+              <a:latin typeface="Calibri" panose="020F0502020204030204"/>
+              <a:ea typeface="+mn-ea"/>
+              <a:cs typeface="+mn-cs"/>
+            </a:endParaRPr>
+          </a:p>
+        </p:txBody>
+      </p:sp>
+      <p:sp>
+        <p:nvSpPr>
+          <p:cNvPr id="16" name="ZoneTexte 15">
+            <a:extLst>
+              <a:ext uri="{FF2B5EF4-FFF2-40B4-BE49-F238E27FC236}">
+                <a16:creationId xmlns:a16="http://schemas.microsoft.com/office/drawing/2014/main" id="{A59C8642-C5A6-4CC0-BFD5-3D13E1079552}"/>
+              </a:ext>
+            </a:extLst>
+          </p:cNvPr>
+          <p:cNvSpPr txBox="1"/>
+          <p:nvPr/>
+        </p:nvSpPr>
+        <p:spPr>
+          <a:xfrm>
+            <a:off x="5019626" y="1223739"/>
+            <a:ext cx="1681267" cy="369332"/>
+          </a:xfrm>
+          <a:prstGeom prst="rect">
+            <a:avLst/>
+          </a:prstGeom>
+          <a:noFill/>
+        </p:spPr>
+        <p:txBody>
+          <a:bodyPr wrap="square" rtlCol="0">
+            <a:spAutoFit/>
+          </a:bodyPr>
+          <a:lstStyle/>
+          <a:p>
+            <a:r>
+              <a:rPr lang="fr-BE" dirty="0"/>
+              <a:t>d, </a:t>
+            </a:r>
+            <a:r>
+              <a:rPr lang="fr-BE" dirty="0" err="1"/>
+              <a:t>theta</a:t>
+            </a:r>
+            <a:r>
+              <a:rPr lang="fr-BE" dirty="0"/>
+              <a:t>, phi</a:t>
+            </a:r>
+          </a:p>
+        </p:txBody>
+      </p:sp>
+      <p:cxnSp>
+        <p:nvCxnSpPr>
+          <p:cNvPr id="17" name="Connecteur droit avec flèche 16">
+            <a:extLst>
+              <a:ext uri="{FF2B5EF4-FFF2-40B4-BE49-F238E27FC236}">
+                <a16:creationId xmlns:a16="http://schemas.microsoft.com/office/drawing/2014/main" id="{0E487C4F-6B67-4874-BE6B-31AE2CB44B92}"/>
+              </a:ext>
+            </a:extLst>
+          </p:cNvPr>
+          <p:cNvCxnSpPr>
+            <a:cxnSpLocks/>
+          </p:cNvCxnSpPr>
+          <p:nvPr/>
+        </p:nvCxnSpPr>
+        <p:spPr>
+          <a:xfrm>
+            <a:off x="3276966" y="1710480"/>
+            <a:ext cx="1364974" cy="7669"/>
+          </a:xfrm>
+          <a:prstGeom prst="straightConnector1">
+            <a:avLst/>
+          </a:prstGeom>
+          <a:ln>
+            <a:tailEnd type="triangle"/>
+          </a:ln>
+        </p:spPr>
+        <p:style>
+          <a:lnRef idx="1">
+            <a:schemeClr val="dk1"/>
+          </a:lnRef>
+          <a:fillRef idx="0">
+            <a:schemeClr val="dk1"/>
+          </a:fillRef>
+          <a:effectRef idx="0">
+            <a:schemeClr val="dk1"/>
+          </a:effectRef>
+          <a:fontRef idx="minor">
+            <a:schemeClr val="tx1"/>
+          </a:fontRef>
+        </p:style>
+      </p:cxnSp>
+      <p:sp>
+        <p:nvSpPr>
+          <p:cNvPr id="18" name="ZoneTexte 17">
+            <a:extLst>
+              <a:ext uri="{FF2B5EF4-FFF2-40B4-BE49-F238E27FC236}">
+                <a16:creationId xmlns:a16="http://schemas.microsoft.com/office/drawing/2014/main" id="{1505A012-B631-451F-8D61-141666F9BD1C}"/>
+              </a:ext>
+            </a:extLst>
+          </p:cNvPr>
+          <p:cNvSpPr txBox="1"/>
+          <p:nvPr/>
+        </p:nvSpPr>
+        <p:spPr>
+          <a:xfrm>
+            <a:off x="5019626" y="1552542"/>
+            <a:ext cx="1789044" cy="369332"/>
+          </a:xfrm>
+          <a:prstGeom prst="rect">
+            <a:avLst/>
+          </a:prstGeom>
+          <a:noFill/>
+        </p:spPr>
+        <p:txBody>
+          <a:bodyPr wrap="square" rtlCol="0">
+            <a:spAutoFit/>
+          </a:bodyPr>
+          <a:lstStyle/>
+          <a:p>
+            <a:r>
+              <a:rPr lang="fr-BE" dirty="0"/>
+              <a:t>v</a:t>
+            </a:r>
+          </a:p>
+        </p:txBody>
+      </p:sp>
+      <p:cxnSp>
+        <p:nvCxnSpPr>
+          <p:cNvPr id="19" name="Connecteur droit avec flèche 18">
+            <a:extLst>
+              <a:ext uri="{FF2B5EF4-FFF2-40B4-BE49-F238E27FC236}">
+                <a16:creationId xmlns:a16="http://schemas.microsoft.com/office/drawing/2014/main" id="{5400DE6E-3EF6-419E-B688-73F0B99BAE9F}"/>
+              </a:ext>
+            </a:extLst>
+          </p:cNvPr>
+          <p:cNvCxnSpPr>
+            <a:cxnSpLocks/>
+          </p:cNvCxnSpPr>
+          <p:nvPr/>
+        </p:nvCxnSpPr>
+        <p:spPr>
+          <a:xfrm>
+            <a:off x="6396092" y="1552542"/>
+            <a:ext cx="1364974" cy="7669"/>
+          </a:xfrm>
+          <a:prstGeom prst="straightConnector1">
+            <a:avLst/>
+          </a:prstGeom>
+          <a:ln>
+            <a:tailEnd type="triangle"/>
+          </a:ln>
+        </p:spPr>
+        <p:style>
+          <a:lnRef idx="1">
+            <a:schemeClr val="dk1"/>
+          </a:lnRef>
+          <a:fillRef idx="0">
+            <a:schemeClr val="dk1"/>
+          </a:fillRef>
+          <a:effectRef idx="0">
+            <a:schemeClr val="dk1"/>
+          </a:effectRef>
+          <a:fontRef idx="minor">
+            <a:schemeClr val="tx1"/>
+          </a:fontRef>
+        </p:style>
+      </p:cxnSp>
+      <p:sp>
+        <p:nvSpPr>
+          <p:cNvPr id="20" name="ZoneTexte 19">
+            <a:extLst>
+              <a:ext uri="{FF2B5EF4-FFF2-40B4-BE49-F238E27FC236}">
+                <a16:creationId xmlns:a16="http://schemas.microsoft.com/office/drawing/2014/main" id="{28B96934-F8E0-4646-B40B-AC2EA25C8F75}"/>
+              </a:ext>
+            </a:extLst>
+          </p:cNvPr>
+          <p:cNvSpPr txBox="1"/>
+          <p:nvPr/>
+        </p:nvSpPr>
+        <p:spPr>
+          <a:xfrm>
+            <a:off x="7761066" y="1223739"/>
+            <a:ext cx="1789044" cy="646331"/>
+          </a:xfrm>
+          <a:prstGeom prst="rect">
+            <a:avLst/>
+          </a:prstGeom>
+          <a:noFill/>
+        </p:spPr>
+        <p:txBody>
+          <a:bodyPr wrap="square" rtlCol="0">
+            <a:spAutoFit/>
+          </a:bodyPr>
+          <a:lstStyle/>
+          <a:p>
+            <a:r>
+              <a:rPr lang="fr-BE" dirty="0" err="1"/>
+              <a:t>heatmaps</a:t>
+            </a:r>
+            <a:r>
+              <a:rPr lang="fr-BE" dirty="0"/>
+              <a:t> (</a:t>
+            </a:r>
+            <a:r>
+              <a:rPr lang="fr-BE" dirty="0" err="1"/>
+              <a:t>d,v</a:t>
+            </a:r>
+            <a:r>
+              <a:rPr lang="fr-BE" dirty="0"/>
+              <a:t>) et (</a:t>
+            </a:r>
+            <a:r>
+              <a:rPr lang="fr-BE" dirty="0" err="1"/>
+              <a:t>theta,phi</a:t>
+            </a:r>
+            <a:r>
+              <a:rPr lang="fr-BE" dirty="0"/>
+              <a:t>)</a:t>
+            </a:r>
+          </a:p>
+        </p:txBody>
+      </p:sp>
+      <p:sp>
+        <p:nvSpPr>
+          <p:cNvPr id="21" name="ZoneTexte 20">
+            <a:extLst>
+              <a:ext uri="{FF2B5EF4-FFF2-40B4-BE49-F238E27FC236}">
+                <a16:creationId xmlns:a16="http://schemas.microsoft.com/office/drawing/2014/main" id="{E590A6B1-20B0-452A-959A-0BB029A94858}"/>
+              </a:ext>
+            </a:extLst>
+          </p:cNvPr>
+          <p:cNvSpPr txBox="1"/>
+          <p:nvPr/>
+        </p:nvSpPr>
+        <p:spPr>
+          <a:xfrm>
+            <a:off x="3634775" y="2372735"/>
+            <a:ext cx="1364974" cy="369332"/>
+          </a:xfrm>
+          <a:prstGeom prst="rect">
+            <a:avLst/>
+          </a:prstGeom>
+          <a:noFill/>
+        </p:spPr>
+        <p:txBody>
+          <a:bodyPr wrap="square" rtlCol="0">
+            <a:spAutoFit/>
+          </a:bodyPr>
+          <a:lstStyle/>
+          <a:p>
+            <a:r>
+              <a:rPr lang="fr-BE" dirty="0"/>
+              <a:t>YOLO</a:t>
+            </a:r>
+          </a:p>
+        </p:txBody>
+      </p:sp>
+      <p:sp>
+        <p:nvSpPr>
+          <p:cNvPr id="22" name="ZoneTexte 21">
+            <a:extLst>
+              <a:ext uri="{FF2B5EF4-FFF2-40B4-BE49-F238E27FC236}">
+                <a16:creationId xmlns:a16="http://schemas.microsoft.com/office/drawing/2014/main" id="{74B794A9-3E4F-407C-BCD7-29E53BBC30CF}"/>
+              </a:ext>
+            </a:extLst>
+          </p:cNvPr>
+          <p:cNvSpPr txBox="1"/>
+          <p:nvPr/>
+        </p:nvSpPr>
+        <p:spPr>
+          <a:xfrm>
+            <a:off x="4794884" y="2478139"/>
+            <a:ext cx="966322" cy="369332"/>
+          </a:xfrm>
+          <a:prstGeom prst="rect">
+            <a:avLst/>
+          </a:prstGeom>
+          <a:noFill/>
+        </p:spPr>
+        <p:txBody>
+          <a:bodyPr wrap="square" rtlCol="0">
+            <a:spAutoFit/>
+          </a:bodyPr>
+          <a:lstStyle/>
+          <a:p>
+            <a:r>
+              <a:rPr lang="fr-BE" dirty="0"/>
+              <a:t>(</a:t>
+            </a:r>
+            <a:r>
+              <a:rPr lang="fr-BE" dirty="0" err="1"/>
+              <a:t>xc,yc</a:t>
+            </a:r>
+            <a:r>
+              <a:rPr lang="fr-BE" dirty="0"/>
+              <a:t>)</a:t>
+            </a:r>
+          </a:p>
+        </p:txBody>
+      </p:sp>
+      <p:sp>
+        <p:nvSpPr>
+          <p:cNvPr id="23" name="ZoneTexte 22">
+            <a:extLst>
+              <a:ext uri="{FF2B5EF4-FFF2-40B4-BE49-F238E27FC236}">
+                <a16:creationId xmlns:a16="http://schemas.microsoft.com/office/drawing/2014/main" id="{43CF5FF5-5BE9-4352-818C-6D03CAD3A897}"/>
+              </a:ext>
+            </a:extLst>
+          </p:cNvPr>
+          <p:cNvSpPr txBox="1"/>
+          <p:nvPr/>
+        </p:nvSpPr>
+        <p:spPr>
+          <a:xfrm>
+            <a:off x="1087232" y="4401745"/>
+            <a:ext cx="1731984" cy="646331"/>
+          </a:xfrm>
+          <a:prstGeom prst="rect">
+            <a:avLst/>
+          </a:prstGeom>
+          <a:noFill/>
+        </p:spPr>
+        <p:txBody>
+          <a:bodyPr wrap="square" rtlCol="0">
+            <a:spAutoFit/>
+          </a:bodyPr>
+          <a:lstStyle/>
+          <a:p>
+            <a:r>
+              <a:rPr lang="fr-BE" dirty="0"/>
+              <a:t>Point 2D (</a:t>
+            </a:r>
+            <a:r>
+              <a:rPr lang="fr-BE" dirty="0" err="1"/>
+              <a:t>xc,yc</a:t>
+            </a:r>
+            <a:r>
+              <a:rPr lang="fr-BE" dirty="0"/>
+              <a:t>) de l’image</a:t>
+            </a:r>
+          </a:p>
+        </p:txBody>
+      </p:sp>
+      <p:cxnSp>
+        <p:nvCxnSpPr>
+          <p:cNvPr id="24" name="Connecteur droit avec flèche 23">
+            <a:extLst>
+              <a:ext uri="{FF2B5EF4-FFF2-40B4-BE49-F238E27FC236}">
+                <a16:creationId xmlns:a16="http://schemas.microsoft.com/office/drawing/2014/main" id="{53037CA4-4DE8-4491-8425-9840B89C64F3}"/>
+              </a:ext>
+            </a:extLst>
+          </p:cNvPr>
+          <p:cNvCxnSpPr>
+            <a:stCxn id="23" idx="3"/>
+          </p:cNvCxnSpPr>
+          <p:nvPr/>
+        </p:nvCxnSpPr>
+        <p:spPr>
+          <a:xfrm flipV="1">
+            <a:off x="2819216" y="4719245"/>
+            <a:ext cx="2243116" cy="5666"/>
+          </a:xfrm>
+          <a:prstGeom prst="straightConnector1">
+            <a:avLst/>
+          </a:prstGeom>
+          <a:ln>
+            <a:tailEnd type="triangle"/>
+          </a:ln>
+        </p:spPr>
+        <p:style>
+          <a:lnRef idx="1">
+            <a:schemeClr val="dk1"/>
+          </a:lnRef>
+          <a:fillRef idx="0">
+            <a:schemeClr val="dk1"/>
+          </a:fillRef>
+          <a:effectRef idx="0">
+            <a:schemeClr val="dk1"/>
+          </a:effectRef>
+          <a:fontRef idx="minor">
+            <a:schemeClr val="tx1"/>
+          </a:fontRef>
+        </p:style>
+      </p:cxnSp>
+      <p:sp>
+        <p:nvSpPr>
+          <p:cNvPr id="25" name="ZoneTexte 24">
+            <a:extLst>
+              <a:ext uri="{FF2B5EF4-FFF2-40B4-BE49-F238E27FC236}">
+                <a16:creationId xmlns:a16="http://schemas.microsoft.com/office/drawing/2014/main" id="{32185460-C8AD-4A81-BD19-987DB8A57C4B}"/>
+              </a:ext>
+            </a:extLst>
+          </p:cNvPr>
+          <p:cNvSpPr txBox="1"/>
+          <p:nvPr/>
+        </p:nvSpPr>
+        <p:spPr>
+          <a:xfrm>
+            <a:off x="5233781" y="4401745"/>
+            <a:ext cx="1663702" cy="646331"/>
+          </a:xfrm>
+          <a:prstGeom prst="rect">
+            <a:avLst/>
+          </a:prstGeom>
+          <a:noFill/>
+        </p:spPr>
+        <p:txBody>
+          <a:bodyPr wrap="square" rtlCol="0">
+            <a:spAutoFit/>
+          </a:bodyPr>
+          <a:lstStyle/>
+          <a:p>
+            <a:r>
+              <a:rPr lang="fr-BE" dirty="0"/>
+              <a:t>Point 3D (X,Y,Z) correspondant</a:t>
+            </a:r>
+          </a:p>
+        </p:txBody>
+      </p:sp>
+      <p:sp>
+        <p:nvSpPr>
+          <p:cNvPr id="26" name="ZoneTexte 25">
+            <a:extLst>
+              <a:ext uri="{FF2B5EF4-FFF2-40B4-BE49-F238E27FC236}">
+                <a16:creationId xmlns:a16="http://schemas.microsoft.com/office/drawing/2014/main" id="{FEAF2BAC-9453-4305-8073-C638E401F38F}"/>
+              </a:ext>
+            </a:extLst>
+          </p:cNvPr>
+          <p:cNvSpPr txBox="1"/>
+          <p:nvPr/>
+        </p:nvSpPr>
+        <p:spPr>
+          <a:xfrm>
+            <a:off x="2990665" y="4266871"/>
+            <a:ext cx="2343145" cy="369332"/>
+          </a:xfrm>
+          <a:prstGeom prst="rect">
+            <a:avLst/>
+          </a:prstGeom>
+          <a:noFill/>
+        </p:spPr>
+        <p:txBody>
+          <a:bodyPr wrap="square" rtlCol="0">
+            <a:spAutoFit/>
+          </a:bodyPr>
+          <a:lstStyle/>
+          <a:p>
+            <a:r>
+              <a:rPr lang="fr-BE" dirty="0"/>
+              <a:t>Coord. Homogènes</a:t>
+            </a:r>
+          </a:p>
+        </p:txBody>
+      </p:sp>
+      <p:cxnSp>
+        <p:nvCxnSpPr>
+          <p:cNvPr id="27" name="Connecteur droit avec flèche 26">
+            <a:extLst>
+              <a:ext uri="{FF2B5EF4-FFF2-40B4-BE49-F238E27FC236}">
+                <a16:creationId xmlns:a16="http://schemas.microsoft.com/office/drawing/2014/main" id="{8BE16FEA-7220-42CC-ACBF-4A59B80BB557}"/>
+              </a:ext>
+            </a:extLst>
+          </p:cNvPr>
+          <p:cNvCxnSpPr/>
+          <p:nvPr/>
+        </p:nvCxnSpPr>
+        <p:spPr>
+          <a:xfrm flipV="1">
+            <a:off x="7056232" y="4713579"/>
+            <a:ext cx="2243116" cy="5666"/>
+          </a:xfrm>
+          <a:prstGeom prst="straightConnector1">
+            <a:avLst/>
+          </a:prstGeom>
+          <a:ln>
+            <a:tailEnd type="triangle"/>
+          </a:ln>
+        </p:spPr>
+        <p:style>
+          <a:lnRef idx="1">
+            <a:schemeClr val="dk1"/>
+          </a:lnRef>
+          <a:fillRef idx="0">
+            <a:schemeClr val="dk1"/>
+          </a:fillRef>
+          <a:effectRef idx="0">
+            <a:schemeClr val="dk1"/>
+          </a:effectRef>
+          <a:fontRef idx="minor">
+            <a:schemeClr val="tx1"/>
+          </a:fontRef>
+        </p:style>
+      </p:cxnSp>
+      <p:sp>
+        <p:nvSpPr>
+          <p:cNvPr id="28" name="ZoneTexte 27">
+            <a:extLst>
+              <a:ext uri="{FF2B5EF4-FFF2-40B4-BE49-F238E27FC236}">
+                <a16:creationId xmlns:a16="http://schemas.microsoft.com/office/drawing/2014/main" id="{EDCC52FC-221C-4E86-8264-CB3703D6394F}"/>
+              </a:ext>
+            </a:extLst>
+          </p:cNvPr>
+          <p:cNvSpPr txBox="1"/>
+          <p:nvPr/>
+        </p:nvSpPr>
+        <p:spPr>
+          <a:xfrm>
+            <a:off x="9398827" y="4569553"/>
+            <a:ext cx="1663701" cy="369332"/>
+          </a:xfrm>
+          <a:prstGeom prst="rect">
+            <a:avLst/>
+          </a:prstGeom>
+          <a:noFill/>
+        </p:spPr>
+        <p:txBody>
+          <a:bodyPr wrap="square" rtlCol="0">
+            <a:spAutoFit/>
+          </a:bodyPr>
+          <a:lstStyle/>
+          <a:p>
+            <a:r>
+              <a:rPr lang="fr-BE" dirty="0" err="1"/>
+              <a:t>d,theta</a:t>
+            </a:r>
+            <a:r>
+              <a:rPr lang="fr-BE" dirty="0"/>
+              <a:t>, phi</a:t>
+            </a:r>
+          </a:p>
+        </p:txBody>
+      </p:sp>
+      <p:sp>
+        <p:nvSpPr>
+          <p:cNvPr id="29" name="ZoneTexte 28">
+            <a:extLst>
+              <a:ext uri="{FF2B5EF4-FFF2-40B4-BE49-F238E27FC236}">
+                <a16:creationId xmlns:a16="http://schemas.microsoft.com/office/drawing/2014/main" id="{E0CAC7E6-AC64-4578-9B5B-14C3767C320D}"/>
+              </a:ext>
+            </a:extLst>
+          </p:cNvPr>
+          <p:cNvSpPr txBox="1"/>
+          <p:nvPr/>
+        </p:nvSpPr>
+        <p:spPr>
+          <a:xfrm>
+            <a:off x="7348332" y="4266871"/>
+            <a:ext cx="1951016" cy="369332"/>
+          </a:xfrm>
+          <a:prstGeom prst="rect">
+            <a:avLst/>
+          </a:prstGeom>
+          <a:noFill/>
+        </p:spPr>
+        <p:txBody>
+          <a:bodyPr wrap="square" rtlCol="0">
+            <a:spAutoFit/>
+          </a:bodyPr>
+          <a:lstStyle/>
+          <a:p>
+            <a:r>
+              <a:rPr lang="fr-BE" dirty="0"/>
+              <a:t>Coord. Sphériques</a:t>
+            </a:r>
+          </a:p>
+        </p:txBody>
+      </p:sp>
+      <p:sp>
+        <p:nvSpPr>
+          <p:cNvPr id="30" name="ZoneTexte 29">
+            <a:extLst>
+              <a:ext uri="{FF2B5EF4-FFF2-40B4-BE49-F238E27FC236}">
+                <a16:creationId xmlns:a16="http://schemas.microsoft.com/office/drawing/2014/main" id="{E8D11487-D451-4A2E-A2DF-A04D61C719B4}"/>
+              </a:ext>
+            </a:extLst>
+          </p:cNvPr>
+          <p:cNvSpPr txBox="1"/>
+          <p:nvPr/>
+        </p:nvSpPr>
+        <p:spPr>
+          <a:xfrm>
+            <a:off x="5432462" y="2302687"/>
+            <a:ext cx="2011384" cy="369332"/>
+          </a:xfrm>
+          <a:prstGeom prst="rect">
+            <a:avLst/>
+          </a:prstGeom>
+          <a:noFill/>
+        </p:spPr>
+        <p:txBody>
+          <a:bodyPr wrap="none" rtlCol="0">
+            <a:spAutoFit/>
+          </a:bodyPr>
+          <a:lstStyle/>
+          <a:p>
+            <a:r>
+              <a:rPr lang="fr-BE" dirty="0"/>
+              <a:t>Camera calibration</a:t>
+            </a:r>
+          </a:p>
+        </p:txBody>
+      </p:sp>
+      <p:cxnSp>
+        <p:nvCxnSpPr>
+          <p:cNvPr id="31" name="Connecteur droit avec flèche 30">
+            <a:extLst>
+              <a:ext uri="{FF2B5EF4-FFF2-40B4-BE49-F238E27FC236}">
+                <a16:creationId xmlns:a16="http://schemas.microsoft.com/office/drawing/2014/main" id="{60AB52D6-0D57-4066-A484-49963B6A445E}"/>
+              </a:ext>
+            </a:extLst>
+          </p:cNvPr>
+          <p:cNvCxnSpPr/>
+          <p:nvPr/>
+        </p:nvCxnSpPr>
+        <p:spPr>
+          <a:xfrm>
+            <a:off x="5713605" y="2686391"/>
+            <a:ext cx="1364974" cy="0"/>
+          </a:xfrm>
+          <a:prstGeom prst="straightConnector1">
+            <a:avLst/>
+          </a:prstGeom>
+          <a:ln>
+            <a:tailEnd type="triangle"/>
+          </a:ln>
+        </p:spPr>
+        <p:style>
+          <a:lnRef idx="1">
+            <a:schemeClr val="dk1"/>
+          </a:lnRef>
+          <a:fillRef idx="0">
+            <a:schemeClr val="dk1"/>
+          </a:fillRef>
+          <a:effectRef idx="0">
+            <a:schemeClr val="dk1"/>
+          </a:effectRef>
+          <a:fontRef idx="minor">
+            <a:schemeClr val="tx1"/>
+          </a:fontRef>
+        </p:style>
+      </p:cxnSp>
+      <p:sp>
+        <p:nvSpPr>
+          <p:cNvPr id="32" name="ZoneTexte 31">
+            <a:extLst>
+              <a:ext uri="{FF2B5EF4-FFF2-40B4-BE49-F238E27FC236}">
+                <a16:creationId xmlns:a16="http://schemas.microsoft.com/office/drawing/2014/main" id="{F21E8C5C-F2EA-4415-BC39-66B5587A6E5B}"/>
+              </a:ext>
+            </a:extLst>
+          </p:cNvPr>
+          <p:cNvSpPr txBox="1"/>
+          <p:nvPr/>
+        </p:nvSpPr>
+        <p:spPr>
+          <a:xfrm>
+            <a:off x="7443846" y="2466540"/>
+            <a:ext cx="1663701" cy="369332"/>
+          </a:xfrm>
+          <a:prstGeom prst="rect">
+            <a:avLst/>
+          </a:prstGeom>
+          <a:noFill/>
+        </p:spPr>
+        <p:txBody>
+          <a:bodyPr wrap="square" rtlCol="0">
+            <a:spAutoFit/>
+          </a:bodyPr>
+          <a:lstStyle/>
+          <a:p>
+            <a:r>
+              <a:rPr lang="fr-BE" dirty="0" err="1"/>
+              <a:t>d,theta</a:t>
+            </a:r>
+            <a:r>
+              <a:rPr lang="fr-BE" dirty="0"/>
+              <a:t>, phi</a:t>
+            </a:r>
+          </a:p>
+        </p:txBody>
+      </p:sp>
+      <p:sp>
+        <p:nvSpPr>
+          <p:cNvPr id="34" name="ZoneTexte 33">
+            <a:extLst>
+              <a:ext uri="{FF2B5EF4-FFF2-40B4-BE49-F238E27FC236}">
+                <a16:creationId xmlns:a16="http://schemas.microsoft.com/office/drawing/2014/main" id="{9530244F-50EA-41EA-AC76-FC7495574A56}"/>
+              </a:ext>
+            </a:extLst>
+          </p:cNvPr>
+          <p:cNvSpPr txBox="1"/>
+          <p:nvPr/>
+        </p:nvSpPr>
+        <p:spPr>
+          <a:xfrm>
+            <a:off x="1086678" y="3837463"/>
+            <a:ext cx="2011384" cy="369332"/>
+          </a:xfrm>
+          <a:prstGeom prst="rect">
+            <a:avLst/>
+          </a:prstGeom>
+          <a:noFill/>
+        </p:spPr>
+        <p:txBody>
+          <a:bodyPr wrap="none" rtlCol="0">
+            <a:spAutoFit/>
+          </a:bodyPr>
+          <a:lstStyle/>
+          <a:p>
+            <a:r>
+              <a:rPr lang="fr-BE" dirty="0"/>
+              <a:t>Camera calibration:</a:t>
+            </a:r>
+          </a:p>
+        </p:txBody>
+      </p:sp>
+      <p:cxnSp>
+        <p:nvCxnSpPr>
+          <p:cNvPr id="35" name="Connecteur droit avec flèche 34">
+            <a:extLst>
+              <a:ext uri="{FF2B5EF4-FFF2-40B4-BE49-F238E27FC236}">
+                <a16:creationId xmlns:a16="http://schemas.microsoft.com/office/drawing/2014/main" id="{E260708B-CBE9-40A7-8F97-671D2916BC2A}"/>
+              </a:ext>
+            </a:extLst>
+          </p:cNvPr>
+          <p:cNvCxnSpPr>
+            <a:cxnSpLocks/>
+          </p:cNvCxnSpPr>
+          <p:nvPr/>
+        </p:nvCxnSpPr>
+        <p:spPr>
+          <a:xfrm>
+            <a:off x="9438582" y="1539235"/>
+            <a:ext cx="701249" cy="508379"/>
+          </a:xfrm>
+          <a:prstGeom prst="straightConnector1">
+            <a:avLst/>
+          </a:prstGeom>
+          <a:ln>
+            <a:tailEnd type="triangle"/>
+          </a:ln>
+        </p:spPr>
+        <p:style>
+          <a:lnRef idx="1">
+            <a:schemeClr val="dk1"/>
+          </a:lnRef>
+          <a:fillRef idx="0">
+            <a:schemeClr val="dk1"/>
+          </a:fillRef>
+          <a:effectRef idx="0">
+            <a:schemeClr val="dk1"/>
+          </a:effectRef>
+          <a:fontRef idx="minor">
+            <a:schemeClr val="tx1"/>
+          </a:fontRef>
+        </p:style>
+      </p:cxnSp>
+      <p:cxnSp>
+        <p:nvCxnSpPr>
+          <p:cNvPr id="37" name="Connecteur droit avec flèche 36">
+            <a:extLst>
+              <a:ext uri="{FF2B5EF4-FFF2-40B4-BE49-F238E27FC236}">
+                <a16:creationId xmlns:a16="http://schemas.microsoft.com/office/drawing/2014/main" id="{C63837BE-A632-49BB-8611-09217009F52A}"/>
+              </a:ext>
+            </a:extLst>
+          </p:cNvPr>
+          <p:cNvCxnSpPr>
+            <a:cxnSpLocks/>
+          </p:cNvCxnSpPr>
+          <p:nvPr/>
+        </p:nvCxnSpPr>
+        <p:spPr>
+          <a:xfrm flipV="1">
+            <a:off x="9449079" y="2181345"/>
+            <a:ext cx="690752" cy="490674"/>
+          </a:xfrm>
+          <a:prstGeom prst="straightConnector1">
+            <a:avLst/>
+          </a:prstGeom>
+          <a:ln>
+            <a:tailEnd type="triangle"/>
+          </a:ln>
+        </p:spPr>
+        <p:style>
+          <a:lnRef idx="1">
+            <a:schemeClr val="dk1"/>
+          </a:lnRef>
+          <a:fillRef idx="0">
+            <a:schemeClr val="dk1"/>
+          </a:fillRef>
+          <a:effectRef idx="0">
+            <a:schemeClr val="dk1"/>
+          </a:effectRef>
+          <a:fontRef idx="minor">
+            <a:schemeClr val="tx1"/>
+          </a:fontRef>
+        </p:style>
+      </p:cxnSp>
+      <p:sp>
+        <p:nvSpPr>
+          <p:cNvPr id="39" name="ZoneTexte 38">
+            <a:extLst>
+              <a:ext uri="{FF2B5EF4-FFF2-40B4-BE49-F238E27FC236}">
+                <a16:creationId xmlns:a16="http://schemas.microsoft.com/office/drawing/2014/main" id="{515A63DC-9BEF-4AA0-81FC-C3458ACC7CF2}"/>
+              </a:ext>
+            </a:extLst>
+          </p:cNvPr>
+          <p:cNvSpPr txBox="1"/>
+          <p:nvPr/>
+        </p:nvSpPr>
+        <p:spPr>
+          <a:xfrm>
+            <a:off x="10227652" y="1933355"/>
+            <a:ext cx="1586670" cy="369332"/>
+          </a:xfrm>
+          <a:prstGeom prst="rect">
+            <a:avLst/>
+          </a:prstGeom>
+          <a:noFill/>
+        </p:spPr>
+        <p:txBody>
+          <a:bodyPr wrap="square" rtlCol="0">
+            <a:spAutoFit/>
+          </a:bodyPr>
+          <a:lstStyle/>
+          <a:p>
+            <a:r>
+              <a:rPr lang="fr-BE" dirty="0" err="1"/>
+              <a:t>d,v,theta,phi</a:t>
+            </a:r>
+            <a:endParaRPr lang="fr-BE" dirty="0"/>
+          </a:p>
+        </p:txBody>
+      </p:sp>
+    </p:spTree>
+    <p:extLst>
+      <p:ext uri="{BB962C8B-B14F-4D97-AF65-F5344CB8AC3E}">
+        <p14:creationId xmlns:p14="http://schemas.microsoft.com/office/powerpoint/2010/main" val="3503873694"/>
+      </p:ext>
+    </p:extLst>
+  </p:cSld>
+  <p:clrMapOvr>
+    <a:masterClrMapping/>
+  </p:clrMapOvr>
+</p:sld>
+</file>
+
+<file path=ppt/slides/slide4.xml><?xml version="1.0" encoding="utf-8"?>
+<p:sld xmlns:a="http://schemas.openxmlformats.org/drawingml/2006/main" xmlns:r="http://schemas.openxmlformats.org/officeDocument/2006/relationships" xmlns:p="http://schemas.openxmlformats.org/presentationml/2006/main">
+  <p:cSld>
+    <p:spTree>
+      <p:nvGrpSpPr>
+        <p:cNvPr id="1" name=""/>
+        <p:cNvGrpSpPr/>
+        <p:nvPr/>
+      </p:nvGrpSpPr>
+      <p:grpSpPr>
+        <a:xfrm>
+          <a:off x="0" y="0"/>
+          <a:ext cx="0" cy="0"/>
+          <a:chOff x="0" y="0"/>
+          <a:chExt cx="0" cy="0"/>
+        </a:xfrm>
+      </p:grpSpPr>
+      <p:sp>
+        <p:nvSpPr>
           <p:cNvPr id="2" name="Titre 1">
             <a:extLst>
               <a:ext uri="{FF2B5EF4-FFF2-40B4-BE49-F238E27FC236}">
@@ -5386,7 +7732,7 @@
 </p:sld>
 </file>
 
-<file path=ppt/slides/slide3.xml><?xml version="1.0" encoding="utf-8"?>
+<file path=ppt/slides/slide5.xml><?xml version="1.0" encoding="utf-8"?>
 <p:sld xmlns:a="http://schemas.openxmlformats.org/drawingml/2006/main" xmlns:r="http://schemas.openxmlformats.org/officeDocument/2006/relationships" xmlns:p="http://schemas.openxmlformats.org/presentationml/2006/main">
   <p:cSld>
     <p:spTree>
@@ -5889,7 +8235,7 @@
 </p:sld>
 </file>
 
-<file path=ppt/slides/slide4.xml><?xml version="1.0" encoding="utf-8"?>
+<file path=ppt/slides/slide6.xml><?xml version="1.0" encoding="utf-8"?>
 <p:sld xmlns:a="http://schemas.openxmlformats.org/drawingml/2006/main" xmlns:r="http://schemas.openxmlformats.org/officeDocument/2006/relationships" xmlns:p="http://schemas.openxmlformats.org/presentationml/2006/main">
   <p:cSld>
     <p:spTree>
@@ -6279,4 +8625,232 @@
     </a:ext>
   </a:extLst>
 </a:theme>
+</file>
+
+<file path=ppt/theme/theme2.xml><?xml version="1.0" encoding="utf-8"?>
+<a:theme xmlns:a="http://schemas.openxmlformats.org/drawingml/2006/main" name="Office Theme">
+  <a:themeElements>
+    <a:clrScheme name="Office">
+      <a:dk1>
+        <a:sysClr val="windowText" lastClr="000000"/>
+      </a:dk1>
+      <a:lt1>
+        <a:sysClr val="window" lastClr="FFFFFF"/>
+      </a:lt1>
+      <a:dk2>
+        <a:srgbClr val="1F497D"/>
+      </a:dk2>
+      <a:lt2>
+        <a:srgbClr val="EEECE1"/>
+      </a:lt2>
+      <a:accent1>
+        <a:srgbClr val="4F81BD"/>
+      </a:accent1>
+      <a:accent2>
+        <a:srgbClr val="C0504D"/>
+      </a:accent2>
+      <a:accent3>
+        <a:srgbClr val="9BBB59"/>
+      </a:accent3>
+      <a:accent4>
+        <a:srgbClr val="8064A2"/>
+      </a:accent4>
+      <a:accent5>
+        <a:srgbClr val="4BACC6"/>
+      </a:accent5>
+      <a:accent6>
+        <a:srgbClr val="F79646"/>
+      </a:accent6>
+      <a:hlink>
+        <a:srgbClr val="0000FF"/>
+      </a:hlink>
+      <a:folHlink>
+        <a:srgbClr val="800080"/>
+      </a:folHlink>
+    </a:clrScheme>
+    <a:fontScheme name="Office">
+      <a:majorFont>
+        <a:latin typeface="Arial"/>
+        <a:ea typeface="DejaVu Sans"/>
+        <a:cs typeface="DejaVu Sans"/>
+      </a:majorFont>
+      <a:minorFont>
+        <a:latin typeface="Arial"/>
+        <a:ea typeface="DejaVu Sans"/>
+        <a:cs typeface="DejaVu Sans"/>
+      </a:minorFont>
+    </a:fontScheme>
+    <a:fmtScheme name="Office">
+      <a:fillStyleLst>
+        <a:solidFill>
+          <a:schemeClr val="phClr"/>
+        </a:solidFill>
+        <a:gradFill rotWithShape="1">
+          <a:gsLst>
+            <a:gs pos="0">
+              <a:schemeClr val="phClr">
+                <a:tint val="50000"/>
+                <a:satMod val="300000"/>
+              </a:schemeClr>
+            </a:gs>
+            <a:gs pos="35000">
+              <a:schemeClr val="phClr">
+                <a:tint val="37000"/>
+                <a:satMod val="300000"/>
+              </a:schemeClr>
+            </a:gs>
+            <a:gs pos="100000">
+              <a:schemeClr val="phClr">
+                <a:tint val="15000"/>
+                <a:satMod val="350000"/>
+              </a:schemeClr>
+            </a:gs>
+          </a:gsLst>
+          <a:lin ang="16200000" scaled="1"/>
+        </a:gradFill>
+        <a:gradFill rotWithShape="1">
+          <a:gsLst>
+            <a:gs pos="0">
+              <a:schemeClr val="phClr">
+                <a:shade val="51000"/>
+                <a:satMod val="130000"/>
+              </a:schemeClr>
+            </a:gs>
+            <a:gs pos="80000">
+              <a:schemeClr val="phClr">
+                <a:shade val="93000"/>
+                <a:satMod val="130000"/>
+              </a:schemeClr>
+            </a:gs>
+            <a:gs pos="100000">
+              <a:schemeClr val="phClr">
+                <a:shade val="94000"/>
+                <a:satMod val="135000"/>
+              </a:schemeClr>
+            </a:gs>
+          </a:gsLst>
+          <a:lin ang="16200000" scaled="0"/>
+        </a:gradFill>
+      </a:fillStyleLst>
+      <a:lnStyleLst>
+        <a:ln w="9525" cap="flat" cmpd="sng" algn="ctr">
+          <a:solidFill>
+            <a:schemeClr val="phClr">
+              <a:shade val="95000"/>
+              <a:satMod val="105000"/>
+            </a:schemeClr>
+          </a:solidFill>
+          <a:prstDash val="solid"/>
+          <a:miter/>
+        </a:ln>
+        <a:ln w="25400" cap="flat" cmpd="sng" algn="ctr">
+          <a:solidFill>
+            <a:schemeClr val="phClr"/>
+          </a:solidFill>
+          <a:prstDash val="solid"/>
+          <a:miter/>
+        </a:ln>
+        <a:ln w="38100" cap="flat" cmpd="sng" algn="ctr">
+          <a:solidFill>
+            <a:schemeClr val="phClr"/>
+          </a:solidFill>
+          <a:prstDash val="solid"/>
+          <a:miter/>
+        </a:ln>
+      </a:lnStyleLst>
+      <a:effectStyleLst>
+        <a:effectStyle>
+          <a:effectLst>
+            <a:outerShdw blurRad="40000" dist="20000" dir="5400000" rotWithShape="0">
+              <a:srgbClr val="000000">
+                <a:alpha val="38000"/>
+              </a:srgbClr>
+            </a:outerShdw>
+          </a:effectLst>
+        </a:effectStyle>
+        <a:effectStyle>
+          <a:effectLst>
+            <a:outerShdw blurRad="40000" dist="23000" dir="5400000" rotWithShape="0">
+              <a:srgbClr val="000000">
+                <a:alpha val="35000"/>
+              </a:srgbClr>
+            </a:outerShdw>
+          </a:effectLst>
+        </a:effectStyle>
+        <a:effectStyle>
+          <a:effectLst>
+            <a:outerShdw blurRad="40000" dist="23000" dir="5400000" rotWithShape="0">
+              <a:srgbClr val="000000">
+                <a:alpha val="35000"/>
+              </a:srgbClr>
+            </a:outerShdw>
+          </a:effectLst>
+          <a:scene3d>
+            <a:camera prst="orthographicFront">
+              <a:rot lat="0" lon="0" rev="0"/>
+            </a:camera>
+            <a:lightRig rig="threePt" dir="t">
+              <a:rot lat="0" lon="0" rev="1200000"/>
+            </a:lightRig>
+          </a:scene3d>
+          <a:sp3d>
+            <a:bevelT w="63500" h="25400"/>
+          </a:sp3d>
+        </a:effectStyle>
+      </a:effectStyleLst>
+      <a:bgFillStyleLst>
+        <a:solidFill>
+          <a:schemeClr val="phClr"/>
+        </a:solidFill>
+        <a:gradFill rotWithShape="1">
+          <a:gsLst>
+            <a:gs pos="0">
+              <a:schemeClr val="phClr">
+                <a:tint val="40000"/>
+                <a:satMod val="350000"/>
+              </a:schemeClr>
+            </a:gs>
+            <a:gs pos="40000">
+              <a:schemeClr val="phClr">
+                <a:tint val="45000"/>
+                <a:shade val="99000"/>
+                <a:satMod val="350000"/>
+              </a:schemeClr>
+            </a:gs>
+            <a:gs pos="100000">
+              <a:schemeClr val="phClr">
+                <a:shade val="20000"/>
+                <a:satMod val="255000"/>
+              </a:schemeClr>
+            </a:gs>
+          </a:gsLst>
+          <a:path path="circle">
+            <a:fillToRect l="50000" t="-80000" r="50000" b="180000"/>
+          </a:path>
+        </a:gradFill>
+        <a:gradFill rotWithShape="1">
+          <a:gsLst>
+            <a:gs pos="0">
+              <a:schemeClr val="phClr">
+                <a:tint val="80000"/>
+                <a:satMod val="300000"/>
+              </a:schemeClr>
+            </a:gs>
+            <a:gs pos="100000">
+              <a:schemeClr val="phClr">
+                <a:shade val="30000"/>
+                <a:satMod val="200000"/>
+              </a:schemeClr>
+            </a:gs>
+          </a:gsLst>
+          <a:path path="circle">
+            <a:fillToRect l="50000" t="50000" r="50000" b="50000"/>
+          </a:path>
+        </a:gradFill>
+      </a:bgFillStyleLst>
+    </a:fmtScheme>
+  </a:themeElements>
+  <a:objectDefaults/>
+  <a:extraClrSchemeLst/>
+</a:theme>
 </file>
--- a/Presentation/Reunion_18_02.pptx
+++ b/Presentation/Reunion_18_02.pptx
@@ -279,7 +279,7 @@
           <a:p>
             <a:fld id="{6804E1F8-9E1D-4943-9260-2D6C71C80FD6}" type="datetimeFigureOut">
               <a:rPr lang="fr-BE" smtClean="0"/>
-              <a:t>18-02-21</a:t>
+              <a:t>11-03-21</a:t>
             </a:fld>
             <a:endParaRPr lang="fr-BE"/>
           </a:p>
@@ -479,7 +479,7 @@
           <a:p>
             <a:fld id="{6804E1F8-9E1D-4943-9260-2D6C71C80FD6}" type="datetimeFigureOut">
               <a:rPr lang="fr-BE" smtClean="0"/>
-              <a:t>18-02-21</a:t>
+              <a:t>11-03-21</a:t>
             </a:fld>
             <a:endParaRPr lang="fr-BE"/>
           </a:p>
@@ -689,7 +689,7 @@
           <a:p>
             <a:fld id="{6804E1F8-9E1D-4943-9260-2D6C71C80FD6}" type="datetimeFigureOut">
               <a:rPr lang="fr-BE" smtClean="0"/>
-              <a:t>18-02-21</a:t>
+              <a:t>11-03-21</a:t>
             </a:fld>
             <a:endParaRPr lang="fr-BE"/>
           </a:p>
@@ -1664,7 +1664,7 @@
           <a:p>
             <a:fld id="{6804E1F8-9E1D-4943-9260-2D6C71C80FD6}" type="datetimeFigureOut">
               <a:rPr lang="fr-BE" smtClean="0"/>
-              <a:t>18-02-21</a:t>
+              <a:t>11-03-21</a:t>
             </a:fld>
             <a:endParaRPr lang="fr-BE"/>
           </a:p>
@@ -2653,7 +2653,7 @@
           <a:p>
             <a:fld id="{6804E1F8-9E1D-4943-9260-2D6C71C80FD6}" type="datetimeFigureOut">
               <a:rPr lang="fr-BE" smtClean="0"/>
-              <a:t>18-02-21</a:t>
+              <a:t>11-03-21</a:t>
             </a:fld>
             <a:endParaRPr lang="fr-BE"/>
           </a:p>
@@ -2921,7 +2921,7 @@
           <a:p>
             <a:fld id="{6804E1F8-9E1D-4943-9260-2D6C71C80FD6}" type="datetimeFigureOut">
               <a:rPr lang="fr-BE" smtClean="0"/>
-              <a:t>18-02-21</a:t>
+              <a:t>11-03-21</a:t>
             </a:fld>
             <a:endParaRPr lang="fr-BE"/>
           </a:p>
@@ -3336,7 +3336,7 @@
           <a:p>
             <a:fld id="{6804E1F8-9E1D-4943-9260-2D6C71C80FD6}" type="datetimeFigureOut">
               <a:rPr lang="fr-BE" smtClean="0"/>
-              <a:t>18-02-21</a:t>
+              <a:t>11-03-21</a:t>
             </a:fld>
             <a:endParaRPr lang="fr-BE"/>
           </a:p>
@@ -3478,7 +3478,7 @@
           <a:p>
             <a:fld id="{6804E1F8-9E1D-4943-9260-2D6C71C80FD6}" type="datetimeFigureOut">
               <a:rPr lang="fr-BE" smtClean="0"/>
-              <a:t>18-02-21</a:t>
+              <a:t>11-03-21</a:t>
             </a:fld>
             <a:endParaRPr lang="fr-BE"/>
           </a:p>
@@ -3591,7 +3591,7 @@
           <a:p>
             <a:fld id="{6804E1F8-9E1D-4943-9260-2D6C71C80FD6}" type="datetimeFigureOut">
               <a:rPr lang="fr-BE" smtClean="0"/>
-              <a:t>18-02-21</a:t>
+              <a:t>11-03-21</a:t>
             </a:fld>
             <a:endParaRPr lang="fr-BE"/>
           </a:p>
@@ -3904,7 +3904,7 @@
           <a:p>
             <a:fld id="{6804E1F8-9E1D-4943-9260-2D6C71C80FD6}" type="datetimeFigureOut">
               <a:rPr lang="fr-BE" smtClean="0"/>
-              <a:t>18-02-21</a:t>
+              <a:t>11-03-21</a:t>
             </a:fld>
             <a:endParaRPr lang="fr-BE"/>
           </a:p>
@@ -4193,7 +4193,7 @@
           <a:p>
             <a:fld id="{6804E1F8-9E1D-4943-9260-2D6C71C80FD6}" type="datetimeFigureOut">
               <a:rPr lang="fr-BE" smtClean="0"/>
-              <a:t>18-02-21</a:t>
+              <a:t>11-03-21</a:t>
             </a:fld>
             <a:endParaRPr lang="fr-BE"/>
           </a:p>
@@ -4436,7 +4436,7 @@
           <a:p>
             <a:fld id="{6804E1F8-9E1D-4943-9260-2D6C71C80FD6}" type="datetimeFigureOut">
               <a:rPr lang="fr-BE" smtClean="0"/>
-              <a:t>18-02-21</a:t>
+              <a:t>11-03-21</a:t>
             </a:fld>
             <a:endParaRPr lang="fr-BE"/>
           </a:p>
